--- a/Intro Android.pptx
+++ b/Intro Android.pptx
@@ -5,15 +5,16 @@
     <p:sldMasterId id="2147483648" r:id="rId1"/>
   </p:sldMasterIdLst>
   <p:sldIdLst>
-    <p:sldId id="257" r:id="rId2"/>
-    <p:sldId id="262" r:id="rId3"/>
-    <p:sldId id="266" r:id="rId4"/>
-    <p:sldId id="264" r:id="rId5"/>
-    <p:sldId id="268" r:id="rId6"/>
-    <p:sldId id="267" r:id="rId7"/>
-    <p:sldId id="269" r:id="rId8"/>
-    <p:sldId id="270" r:id="rId9"/>
-    <p:sldId id="271" r:id="rId10"/>
+    <p:sldId id="272" r:id="rId2"/>
+    <p:sldId id="257" r:id="rId3"/>
+    <p:sldId id="262" r:id="rId4"/>
+    <p:sldId id="266" r:id="rId5"/>
+    <p:sldId id="264" r:id="rId6"/>
+    <p:sldId id="268" r:id="rId7"/>
+    <p:sldId id="267" r:id="rId8"/>
+    <p:sldId id="269" r:id="rId9"/>
+    <p:sldId id="270" r:id="rId10"/>
+    <p:sldId id="271" r:id="rId11"/>
   </p:sldIdLst>
   <p:sldSz cx="12192000" cy="6858000"/>
   <p:notesSz cx="6858000" cy="9144000"/>
@@ -8439,19 +8440,19 @@
     </dgm:pt>
   </dgm:ptLst>
   <dgm:cxnLst>
-    <dgm:cxn modelId="{B44CBCC3-08B0-4F17-9B62-8F11B8DD4F3E}" srcId="{E28538AC-EBA4-475A-AF29-A3DDD798FBB1}" destId="{357C4615-D047-4656-86FE-896956171C56}" srcOrd="0" destOrd="0" parTransId="{5238F9A8-3B4C-4A9D-BFA4-606837C6D0F4}" sibTransId="{446CC743-0537-4EB1-B6E5-8D7789DA7B77}"/>
+    <dgm:cxn modelId="{11C2334F-DA9B-400B-BFAD-CB74880A2CC4}" srcId="{EE127563-8B18-463F-8DE0-D249E76BD17D}" destId="{4CD77D7D-A059-497B-9561-ABBF734D672B}" srcOrd="2" destOrd="0" parTransId="{9922E22C-0F85-40C2-9B98-239F1775ABF1}" sibTransId="{03D80DF2-89DB-4D4F-88FF-E5EAC5271052}"/>
+    <dgm:cxn modelId="{350A6DA9-065C-4232-B4B5-FFEB703DCE5B}" type="presOf" srcId="{4103B534-61E8-4984-B9BE-EF0EBBD99A09}" destId="{8CEE3913-2EC2-4E1F-9BF5-1607E0333DEC}" srcOrd="0" destOrd="0" presId="urn:microsoft.com/office/officeart/2008/layout/VerticalAccentList"/>
+    <dgm:cxn modelId="{53F41BD2-6A16-4B98-BD0E-8F0245EFC4D6}" type="presOf" srcId="{B83E2532-1EBA-4BA7-BBA0-07355623D596}" destId="{4A46A87E-002A-416C-A9BA-F653F9F1D870}" srcOrd="0" destOrd="0" presId="urn:microsoft.com/office/officeart/2008/layout/VerticalAccentList"/>
+    <dgm:cxn modelId="{017B8732-3DD1-4AAF-8266-580591F57094}" type="presOf" srcId="{EE127563-8B18-463F-8DE0-D249E76BD17D}" destId="{716AAEA4-72CA-4F56-91A4-F39A53AAC3A5}" srcOrd="0" destOrd="0" presId="urn:microsoft.com/office/officeart/2008/layout/VerticalAccentList"/>
+    <dgm:cxn modelId="{D4DEEE84-64BE-4862-B644-C461DB50A708}" srcId="{B83E2532-1EBA-4BA7-BBA0-07355623D596}" destId="{5BECBDAB-96C3-4E76-B071-24627507578F}" srcOrd="0" destOrd="0" parTransId="{9385984C-9DA4-4958-A8E2-088D005220C5}" sibTransId="{F6065CC3-5029-4BD8-89B9-2BB8226071F8}"/>
+    <dgm:cxn modelId="{FE79DD0E-807D-4BC8-91FA-5D48BC4BE684}" type="presOf" srcId="{5BECBDAB-96C3-4E76-B071-24627507578F}" destId="{0F790A43-6E6E-4B85-AC8F-6BEE1D266A0B}" srcOrd="0" destOrd="0" presId="urn:microsoft.com/office/officeart/2008/layout/VerticalAccentList"/>
+    <dgm:cxn modelId="{C11397C4-266C-4353-9C3C-0AFE43066EFA}" srcId="{4CD77D7D-A059-497B-9561-ABBF734D672B}" destId="{4103B534-61E8-4984-B9BE-EF0EBBD99A09}" srcOrd="0" destOrd="0" parTransId="{2F3F51F6-0543-44D6-A85C-AE8508D4ACD1}" sibTransId="{56B0D121-2ADE-4149-A0F3-2242E8AC4F5A}"/>
+    <dgm:cxn modelId="{69960D7E-2D1F-4303-AD46-E6692AD79BCD}" type="presOf" srcId="{4CD77D7D-A059-497B-9561-ABBF734D672B}" destId="{430A0745-32E4-4B17-A5AA-7E93ACD9C253}" srcOrd="0" destOrd="0" presId="urn:microsoft.com/office/officeart/2008/layout/VerticalAccentList"/>
     <dgm:cxn modelId="{4F816DC5-9905-4260-A631-BB7E403085A1}" srcId="{EE127563-8B18-463F-8DE0-D249E76BD17D}" destId="{E28538AC-EBA4-475A-AF29-A3DDD798FBB1}" srcOrd="0" destOrd="0" parTransId="{7BCD86B6-2817-46FE-A128-80D0B1E0B900}" sibTransId="{A334E267-2711-4056-ADFB-C931361AFC84}"/>
     <dgm:cxn modelId="{5B53A169-0976-4CC3-B332-2652E533D2AC}" srcId="{EE127563-8B18-463F-8DE0-D249E76BD17D}" destId="{B83E2532-1EBA-4BA7-BBA0-07355623D596}" srcOrd="1" destOrd="0" parTransId="{7B666965-4A31-47D7-9AD6-39BC0ED4E807}" sibTransId="{502AC45A-A215-4E3C-9108-505053E04AAC}"/>
-    <dgm:cxn modelId="{FE79DD0E-807D-4BC8-91FA-5D48BC4BE684}" type="presOf" srcId="{5BECBDAB-96C3-4E76-B071-24627507578F}" destId="{0F790A43-6E6E-4B85-AC8F-6BEE1D266A0B}" srcOrd="0" destOrd="0" presId="urn:microsoft.com/office/officeart/2008/layout/VerticalAccentList"/>
-    <dgm:cxn modelId="{C11397C4-266C-4353-9C3C-0AFE43066EFA}" srcId="{4CD77D7D-A059-497B-9561-ABBF734D672B}" destId="{4103B534-61E8-4984-B9BE-EF0EBBD99A09}" srcOrd="0" destOrd="0" parTransId="{2F3F51F6-0543-44D6-A85C-AE8508D4ACD1}" sibTransId="{56B0D121-2ADE-4149-A0F3-2242E8AC4F5A}"/>
-    <dgm:cxn modelId="{53F41BD2-6A16-4B98-BD0E-8F0245EFC4D6}" type="presOf" srcId="{B83E2532-1EBA-4BA7-BBA0-07355623D596}" destId="{4A46A87E-002A-416C-A9BA-F653F9F1D870}" srcOrd="0" destOrd="0" presId="urn:microsoft.com/office/officeart/2008/layout/VerticalAccentList"/>
-    <dgm:cxn modelId="{69960D7E-2D1F-4303-AD46-E6692AD79BCD}" type="presOf" srcId="{4CD77D7D-A059-497B-9561-ABBF734D672B}" destId="{430A0745-32E4-4B17-A5AA-7E93ACD9C253}" srcOrd="0" destOrd="0" presId="urn:microsoft.com/office/officeart/2008/layout/VerticalAccentList"/>
+    <dgm:cxn modelId="{B44CBCC3-08B0-4F17-9B62-8F11B8DD4F3E}" srcId="{E28538AC-EBA4-475A-AF29-A3DDD798FBB1}" destId="{357C4615-D047-4656-86FE-896956171C56}" srcOrd="0" destOrd="0" parTransId="{5238F9A8-3B4C-4A9D-BFA4-606837C6D0F4}" sibTransId="{446CC743-0537-4EB1-B6E5-8D7789DA7B77}"/>
+    <dgm:cxn modelId="{7F57A071-620D-4C9B-AB10-0FFFBBA1E675}" type="presOf" srcId="{357C4615-D047-4656-86FE-896956171C56}" destId="{7E97198D-1A9E-4086-B435-D2DE1BFB81E2}" srcOrd="0" destOrd="0" presId="urn:microsoft.com/office/officeart/2008/layout/VerticalAccentList"/>
     <dgm:cxn modelId="{8663F77B-75E6-4F57-84BA-8126F7BE3FAA}" type="presOf" srcId="{E28538AC-EBA4-475A-AF29-A3DDD798FBB1}" destId="{39137777-53FB-4277-9737-4A20256A4E97}" srcOrd="0" destOrd="0" presId="urn:microsoft.com/office/officeart/2008/layout/VerticalAccentList"/>
-    <dgm:cxn modelId="{350A6DA9-065C-4232-B4B5-FFEB703DCE5B}" type="presOf" srcId="{4103B534-61E8-4984-B9BE-EF0EBBD99A09}" destId="{8CEE3913-2EC2-4E1F-9BF5-1607E0333DEC}" srcOrd="0" destOrd="0" presId="urn:microsoft.com/office/officeart/2008/layout/VerticalAccentList"/>
-    <dgm:cxn modelId="{11C2334F-DA9B-400B-BFAD-CB74880A2CC4}" srcId="{EE127563-8B18-463F-8DE0-D249E76BD17D}" destId="{4CD77D7D-A059-497B-9561-ABBF734D672B}" srcOrd="2" destOrd="0" parTransId="{9922E22C-0F85-40C2-9B98-239F1775ABF1}" sibTransId="{03D80DF2-89DB-4D4F-88FF-E5EAC5271052}"/>
-    <dgm:cxn modelId="{D4DEEE84-64BE-4862-B644-C461DB50A708}" srcId="{B83E2532-1EBA-4BA7-BBA0-07355623D596}" destId="{5BECBDAB-96C3-4E76-B071-24627507578F}" srcOrd="0" destOrd="0" parTransId="{9385984C-9DA4-4958-A8E2-088D005220C5}" sibTransId="{F6065CC3-5029-4BD8-89B9-2BB8226071F8}"/>
-    <dgm:cxn modelId="{7F57A071-620D-4C9B-AB10-0FFFBBA1E675}" type="presOf" srcId="{357C4615-D047-4656-86FE-896956171C56}" destId="{7E97198D-1A9E-4086-B435-D2DE1BFB81E2}" srcOrd="0" destOrd="0" presId="urn:microsoft.com/office/officeart/2008/layout/VerticalAccentList"/>
-    <dgm:cxn modelId="{017B8732-3DD1-4AAF-8266-580591F57094}" type="presOf" srcId="{EE127563-8B18-463F-8DE0-D249E76BD17D}" destId="{716AAEA4-72CA-4F56-91A4-F39A53AAC3A5}" srcOrd="0" destOrd="0" presId="urn:microsoft.com/office/officeart/2008/layout/VerticalAccentList"/>
     <dgm:cxn modelId="{72993813-66B0-42BA-B9E7-2339316B1F97}" type="presParOf" srcId="{716AAEA4-72CA-4F56-91A4-F39A53AAC3A5}" destId="{BC8052D4-32DD-4B03-B33B-1BC37D395275}" srcOrd="0" destOrd="0" presId="urn:microsoft.com/office/officeart/2008/layout/VerticalAccentList"/>
     <dgm:cxn modelId="{E6AFD1AA-10E5-4A0C-A1CD-8DA15139965D}" type="presParOf" srcId="{BC8052D4-32DD-4B03-B33B-1BC37D395275}" destId="{39137777-53FB-4277-9737-4A20256A4E97}" srcOrd="0" destOrd="0" presId="urn:microsoft.com/office/officeart/2008/layout/VerticalAccentList"/>
     <dgm:cxn modelId="{665BFA37-6860-4660-B8C8-EDCCEB303B56}" type="presParOf" srcId="{716AAEA4-72CA-4F56-91A4-F39A53AAC3A5}" destId="{5C3C0FB5-D6DC-4E34-960E-C18D5E84E174}" srcOrd="1" destOrd="0" presId="urn:microsoft.com/office/officeart/2008/layout/VerticalAccentList"/>
@@ -10796,8 +10797,8 @@
     <dgm:cxn modelId="{89A91B09-8A74-48D6-AED7-97D0B7C277E2}" srcId="{682374F0-01EF-4434-9CC2-45CAF4442445}" destId="{71634564-B9C2-49E5-AC34-466FBD55EFEE}" srcOrd="1" destOrd="0" parTransId="{939DEC68-FEC6-4380-A807-D10565CCB5CF}" sibTransId="{C0521377-DB6B-4039-B728-C13E02ADB5E4}"/>
     <dgm:cxn modelId="{BAA4B72E-1F5A-4D31-BD5D-34CB21E284A8}" type="presOf" srcId="{E15E6230-2F24-4072-95C2-1564770055EB}" destId="{68037D40-96B8-4BD9-9F03-F7124B53996E}" srcOrd="0" destOrd="0" presId="urn:microsoft.com/office/officeart/2005/8/layout/vList2"/>
     <dgm:cxn modelId="{5D5B2D5E-0B05-41DE-B874-3A61C9D88E6F}" type="presOf" srcId="{682374F0-01EF-4434-9CC2-45CAF4442445}" destId="{1573E59D-2EF9-4065-BA03-4064BA09C03A}" srcOrd="0" destOrd="0" presId="urn:microsoft.com/office/officeart/2005/8/layout/vList2"/>
+    <dgm:cxn modelId="{7B349BC2-19D9-4CC7-922F-D62AA4389A2E}" type="presOf" srcId="{B57E097F-640F-446C-BD43-D52BEB97CCF9}" destId="{1BC4D121-1E9A-4A63-9DBF-EA6A2863E54F}" srcOrd="0" destOrd="2" presId="urn:microsoft.com/office/officeart/2005/8/layout/vList2"/>
     <dgm:cxn modelId="{6BE02E6A-126B-4560-B9DA-C691FD5276D3}" srcId="{14756538-D303-43CF-8365-D917C51A1508}" destId="{30AB20DB-4C25-49CE-9EF5-F660E392ED95}" srcOrd="0" destOrd="0" parTransId="{8C1CFCBF-A06A-4294-BC82-C694A8D44BEA}" sibTransId="{8C7A9A57-69CD-4222-882E-CE9DDAF7A14E}"/>
-    <dgm:cxn modelId="{7B349BC2-19D9-4CC7-922F-D62AA4389A2E}" type="presOf" srcId="{B57E097F-640F-446C-BD43-D52BEB97CCF9}" destId="{1BC4D121-1E9A-4A63-9DBF-EA6A2863E54F}" srcOrd="0" destOrd="2" presId="urn:microsoft.com/office/officeart/2005/8/layout/vList2"/>
     <dgm:cxn modelId="{7A2A08EA-D461-450C-863D-CC76D180351F}" srcId="{E15E6230-2F24-4072-95C2-1564770055EB}" destId="{14756538-D303-43CF-8365-D917C51A1508}" srcOrd="0" destOrd="0" parTransId="{325E1874-6E0E-4C0A-8D62-41D325FA1AC4}" sibTransId="{BDF6A1CF-603C-47F1-B0F3-ACEB316E92F5}"/>
     <dgm:cxn modelId="{931D03B0-F7ED-4D3B-BDC9-2B1AE7C61143}" type="presOf" srcId="{A47ED0FD-DA2F-44B5-9632-5F7EBC2028F7}" destId="{F95C2534-3881-4118-AE30-13D6B8F15ED7}" srcOrd="0" destOrd="4" presId="urn:microsoft.com/office/officeart/2005/8/layout/vList2"/>
     <dgm:cxn modelId="{D1719674-5A61-47B3-98EC-6B2B16E71433}" srcId="{14756538-D303-43CF-8365-D917C51A1508}" destId="{B3A1F436-37AC-4E23-BBCD-9AA3E95680BA}" srcOrd="3" destOrd="0" parTransId="{642B8D1D-286F-4AE8-922E-D7E4B575A24C}" sibTransId="{6C29E377-CB18-4F0F-8BCA-F23347961B79}"/>
@@ -10806,8 +10807,8 @@
     <dgm:cxn modelId="{02CBFEA0-CAA2-4219-823D-B2DE8002EE2C}" type="presOf" srcId="{71634564-B9C2-49E5-AC34-466FBD55EFEE}" destId="{1BC4D121-1E9A-4A63-9DBF-EA6A2863E54F}" srcOrd="0" destOrd="1" presId="urn:microsoft.com/office/officeart/2005/8/layout/vList2"/>
     <dgm:cxn modelId="{E5DEFF61-B886-44C1-8BB9-DC154B319E26}" type="presOf" srcId="{FA2D5467-263A-4AFB-B9BF-4D3A159BA824}" destId="{F95C2534-3881-4118-AE30-13D6B8F15ED7}" srcOrd="0" destOrd="5" presId="urn:microsoft.com/office/officeart/2005/8/layout/vList2"/>
     <dgm:cxn modelId="{A88D9313-6282-4966-8AC7-D21442584E22}" srcId="{14756538-D303-43CF-8365-D917C51A1508}" destId="{A47ED0FD-DA2F-44B5-9632-5F7EBC2028F7}" srcOrd="4" destOrd="0" parTransId="{95334DD5-04EB-4051-9478-9799FEE43426}" sibTransId="{B8012B77-739D-493B-B9FB-EF913768D40D}"/>
+    <dgm:cxn modelId="{0F4A0A7A-ED64-45F8-BB2E-838AD83E9FCE}" srcId="{682374F0-01EF-4434-9CC2-45CAF4442445}" destId="{3B3E84A2-30A0-4C44-8AA3-35B17EFD2E79}" srcOrd="0" destOrd="0" parTransId="{DFE6AD08-2F4C-4C7F-A0A1-B2738C49E16E}" sibTransId="{ECF4EFAB-923A-4997-BCF6-6B1385BB2E07}"/>
     <dgm:cxn modelId="{76740D35-3605-44AC-8DA7-0F50902BE867}" type="presOf" srcId="{AD5894B0-08C9-4EFC-881C-1B7589006FBD}" destId="{F95C2534-3881-4118-AE30-13D6B8F15ED7}" srcOrd="0" destOrd="1" presId="urn:microsoft.com/office/officeart/2005/8/layout/vList2"/>
-    <dgm:cxn modelId="{0F4A0A7A-ED64-45F8-BB2E-838AD83E9FCE}" srcId="{682374F0-01EF-4434-9CC2-45CAF4442445}" destId="{3B3E84A2-30A0-4C44-8AA3-35B17EFD2E79}" srcOrd="0" destOrd="0" parTransId="{DFE6AD08-2F4C-4C7F-A0A1-B2738C49E16E}" sibTransId="{ECF4EFAB-923A-4997-BCF6-6B1385BB2E07}"/>
     <dgm:cxn modelId="{F5D42C12-A81A-4E92-892D-440802F9D509}" type="presOf" srcId="{232238BC-9F86-49B1-89E8-C0854F9DC0AC}" destId="{F95C2534-3881-4118-AE30-13D6B8F15ED7}" srcOrd="0" destOrd="2" presId="urn:microsoft.com/office/officeart/2005/8/layout/vList2"/>
     <dgm:cxn modelId="{518BDF89-A8FE-45C8-806D-5C8E5C494F3D}" srcId="{14756538-D303-43CF-8365-D917C51A1508}" destId="{232238BC-9F86-49B1-89E8-C0854F9DC0AC}" srcOrd="2" destOrd="0" parTransId="{1F7A9A88-5203-4A06-ABDD-137FF98EBE31}" sibTransId="{DCC025CB-E388-4A5E-B055-48C19D71505D}"/>
     <dgm:cxn modelId="{880E0C92-6150-4A85-A9DF-F7196A50974E}" srcId="{682374F0-01EF-4434-9CC2-45CAF4442445}" destId="{B57E097F-640F-446C-BD43-D52BEB97CCF9}" srcOrd="2" destOrd="0" parTransId="{66A541D7-6B7B-44EB-99CF-621D847AA37A}" sibTransId="{D42F097A-6840-40CA-AF3F-6C73302EF9CF}"/>
@@ -11864,43 +11865,6 @@
         </a:p>
       </dgm:t>
     </dgm:pt>
-    <dgm:pt modelId="{A72BFE86-8B74-4BD8-B97C-C35E78C545A2}">
-      <dgm:prSet phldrT="[Text]"/>
-      <dgm:spPr/>
-      <dgm:t>
-        <a:bodyPr/>
-        <a:lstStyle/>
-        <a:p>
-          <a:r>
-            <a:rPr lang="es-AR" dirty="0" err="1" smtClean="0"/>
-            <a:t>Flags</a:t>
-          </a:r>
-          <a:endParaRPr lang="es-AR" dirty="0"/>
-        </a:p>
-      </dgm:t>
-    </dgm:pt>
-    <dgm:pt modelId="{F5DF28C7-B92B-4A34-9BFF-C1B6312D9F58}" type="parTrans" cxnId="{16766C95-CC79-40C2-A409-97C08A464E30}">
-      <dgm:prSet/>
-      <dgm:spPr/>
-      <dgm:t>
-        <a:bodyPr/>
-        <a:lstStyle/>
-        <a:p>
-          <a:endParaRPr lang="es-AR"/>
-        </a:p>
-      </dgm:t>
-    </dgm:pt>
-    <dgm:pt modelId="{E24272A4-F764-430D-ADB5-90F845F783E8}" type="sibTrans" cxnId="{16766C95-CC79-40C2-A409-97C08A464E30}">
-      <dgm:prSet/>
-      <dgm:spPr/>
-      <dgm:t>
-        <a:bodyPr/>
-        <a:lstStyle/>
-        <a:p>
-          <a:endParaRPr lang="es-AR"/>
-        </a:p>
-      </dgm:t>
-    </dgm:pt>
     <dgm:pt modelId="{FFF6F28B-34DF-4BFC-8FC9-3C9BAC37A498}">
       <dgm:prSet phldrT="[Text]"/>
       <dgm:spPr/>
@@ -11928,43 +11892,6 @@
       </dgm:t>
     </dgm:pt>
     <dgm:pt modelId="{AD671CA5-77DD-4BFC-88E8-96367590DEDE}" type="sibTrans" cxnId="{132025C6-F2EF-4DDF-A13C-88441E81F28B}">
-      <dgm:prSet/>
-      <dgm:spPr/>
-      <dgm:t>
-        <a:bodyPr/>
-        <a:lstStyle/>
-        <a:p>
-          <a:endParaRPr lang="es-AR"/>
-        </a:p>
-      </dgm:t>
-    </dgm:pt>
-    <dgm:pt modelId="{E5F8AEFF-A44A-411E-86AA-9232F63DC792}">
-      <dgm:prSet phldrT="[Text]"/>
-      <dgm:spPr/>
-      <dgm:t>
-        <a:bodyPr/>
-        <a:lstStyle/>
-        <a:p>
-          <a:r>
-            <a:rPr lang="es-AR" dirty="0" smtClean="0"/>
-            <a:t>Referencia a la data</a:t>
-          </a:r>
-          <a:endParaRPr lang="es-AR" dirty="0"/>
-        </a:p>
-      </dgm:t>
-    </dgm:pt>
-    <dgm:pt modelId="{E4EDCFD0-2C2D-4BDA-87B5-5C11B0F5AA6F}" type="parTrans" cxnId="{C55E8C57-5884-478C-8F37-7FE29F9737A1}">
-      <dgm:prSet/>
-      <dgm:spPr/>
-      <dgm:t>
-        <a:bodyPr/>
-        <a:lstStyle/>
-        <a:p>
-          <a:endParaRPr lang="es-AR"/>
-        </a:p>
-      </dgm:t>
-    </dgm:pt>
-    <dgm:pt modelId="{A2A082EB-F046-4C99-B21D-3E8BC09F4B05}" type="sibTrans" cxnId="{C55E8C57-5884-478C-8F37-7FE29F9737A1}">
       <dgm:prSet/>
       <dgm:spPr/>
       <dgm:t>
@@ -12022,7 +11949,7 @@
       <dgm:spPr/>
     </dgm:pt>
     <dgm:pt modelId="{626AD544-BDE4-4CF4-9969-99758CB37DAE}" type="pres">
-      <dgm:prSet presAssocID="{3A5791E6-7570-4D89-9921-B8191DA39FC4}" presName="node" presStyleLbl="node1" presStyleIdx="0" presStyleCnt="6" custScaleY="137233">
+      <dgm:prSet presAssocID="{3A5791E6-7570-4D89-9921-B8191DA39FC4}" presName="node" presStyleLbl="node1" presStyleIdx="0" presStyleCnt="4" custScaleY="137233">
         <dgm:presLayoutVars>
           <dgm:bulletEnabled val="1"/>
         </dgm:presLayoutVars>
@@ -12037,15 +11964,29 @@
       </dgm:t>
     </dgm:pt>
     <dgm:pt modelId="{52EBDF92-AF37-4AD7-9F52-7BE9A09BFBB8}" type="pres">
-      <dgm:prSet presAssocID="{3AD8ABBA-48FF-4B82-9C20-90E9ED9F308D}" presName="sibTrans" presStyleLbl="sibTrans2D1" presStyleIdx="0" presStyleCnt="5"/>
+      <dgm:prSet presAssocID="{3AD8ABBA-48FF-4B82-9C20-90E9ED9F308D}" presName="sibTrans" presStyleLbl="sibTrans2D1" presStyleIdx="0" presStyleCnt="3"/>
       <dgm:spPr/>
+      <dgm:t>
+        <a:bodyPr/>
+        <a:lstStyle/>
+        <a:p>
+          <a:endParaRPr lang="es-AR"/>
+        </a:p>
+      </dgm:t>
     </dgm:pt>
     <dgm:pt modelId="{B9CE73D7-4B1B-4CA9-818C-7D5BB1C2D543}" type="pres">
-      <dgm:prSet presAssocID="{3AD8ABBA-48FF-4B82-9C20-90E9ED9F308D}" presName="connectorText" presStyleLbl="sibTrans2D1" presStyleIdx="0" presStyleCnt="5"/>
+      <dgm:prSet presAssocID="{3AD8ABBA-48FF-4B82-9C20-90E9ED9F308D}" presName="connectorText" presStyleLbl="sibTrans2D1" presStyleIdx="0" presStyleCnt="3"/>
       <dgm:spPr/>
+      <dgm:t>
+        <a:bodyPr/>
+        <a:lstStyle/>
+        <a:p>
+          <a:endParaRPr lang="es-AR"/>
+        </a:p>
+      </dgm:t>
     </dgm:pt>
     <dgm:pt modelId="{539123A6-2D90-4BA6-962C-F58647152FE5}" type="pres">
-      <dgm:prSet presAssocID="{FFF6F28B-34DF-4BFC-8FC9-3C9BAC37A498}" presName="node" presStyleLbl="node1" presStyleIdx="1" presStyleCnt="6" custScaleY="137233">
+      <dgm:prSet presAssocID="{FFF6F28B-34DF-4BFC-8FC9-3C9BAC37A498}" presName="node" presStyleLbl="node1" presStyleIdx="1" presStyleCnt="4" custScaleY="137233">
         <dgm:presLayoutVars>
           <dgm:bulletEnabled val="1"/>
         </dgm:presLayoutVars>
@@ -12060,15 +12001,29 @@
       </dgm:t>
     </dgm:pt>
     <dgm:pt modelId="{C338C8C4-1378-495C-9DE2-97AAA4978DBB}" type="pres">
-      <dgm:prSet presAssocID="{AD671CA5-77DD-4BFC-88E8-96367590DEDE}" presName="sibTrans" presStyleLbl="sibTrans2D1" presStyleIdx="1" presStyleCnt="5"/>
+      <dgm:prSet presAssocID="{AD671CA5-77DD-4BFC-88E8-96367590DEDE}" presName="sibTrans" presStyleLbl="sibTrans2D1" presStyleIdx="1" presStyleCnt="3"/>
       <dgm:spPr/>
+      <dgm:t>
+        <a:bodyPr/>
+        <a:lstStyle/>
+        <a:p>
+          <a:endParaRPr lang="es-AR"/>
+        </a:p>
+      </dgm:t>
     </dgm:pt>
     <dgm:pt modelId="{B858FD65-F29B-4277-B5CF-F928552FFEA3}" type="pres">
-      <dgm:prSet presAssocID="{AD671CA5-77DD-4BFC-88E8-96367590DEDE}" presName="connectorText" presStyleLbl="sibTrans2D1" presStyleIdx="1" presStyleCnt="5"/>
+      <dgm:prSet presAssocID="{AD671CA5-77DD-4BFC-88E8-96367590DEDE}" presName="connectorText" presStyleLbl="sibTrans2D1" presStyleIdx="1" presStyleCnt="3"/>
       <dgm:spPr/>
+      <dgm:t>
+        <a:bodyPr/>
+        <a:lstStyle/>
+        <a:p>
+          <a:endParaRPr lang="es-AR"/>
+        </a:p>
+      </dgm:t>
     </dgm:pt>
-    <dgm:pt modelId="{EDF7A25A-9772-494C-9DE1-97E65E678803}" type="pres">
-      <dgm:prSet presAssocID="{E5F8AEFF-A44A-411E-86AA-9232F63DC792}" presName="node" presStyleLbl="node1" presStyleIdx="2" presStyleCnt="6" custScaleY="137233">
+    <dgm:pt modelId="{9B8D5B35-DE6C-4843-9C7E-9A4A5D360A71}" type="pres">
+      <dgm:prSet presAssocID="{ADFBD2DF-B6B2-4B99-B13D-2A660B56A8A5}" presName="node" presStyleLbl="node1" presStyleIdx="2" presStyleCnt="4" custScaleY="137233">
         <dgm:presLayoutVars>
           <dgm:bulletEnabled val="1"/>
         </dgm:presLayoutVars>
@@ -12082,76 +12037,57 @@
         </a:p>
       </dgm:t>
     </dgm:pt>
-    <dgm:pt modelId="{7EA4C4E6-A3A9-4904-ACE4-31544ED7405F}" type="pres">
-      <dgm:prSet presAssocID="{A2A082EB-F046-4C99-B21D-3E8BC09F4B05}" presName="sibTrans" presStyleLbl="sibTrans2D1" presStyleIdx="2" presStyleCnt="5"/>
+    <dgm:pt modelId="{678D759F-BEB3-45E9-AAEC-D0282229B63D}" type="pres">
+      <dgm:prSet presAssocID="{628ADFCA-8C4B-41F0-9257-0E1B574AC50E}" presName="sibTrans" presStyleLbl="sibTrans2D1" presStyleIdx="2" presStyleCnt="3"/>
       <dgm:spPr/>
+      <dgm:t>
+        <a:bodyPr/>
+        <a:lstStyle/>
+        <a:p>
+          <a:endParaRPr lang="es-AR"/>
+        </a:p>
+      </dgm:t>
     </dgm:pt>
-    <dgm:pt modelId="{473298B8-AED9-4EDC-8C66-06D5DD9F4E94}" type="pres">
-      <dgm:prSet presAssocID="{A2A082EB-F046-4C99-B21D-3E8BC09F4B05}" presName="connectorText" presStyleLbl="sibTrans2D1" presStyleIdx="2" presStyleCnt="5"/>
+    <dgm:pt modelId="{88888D36-5D7E-40E5-88DB-E65348993F35}" type="pres">
+      <dgm:prSet presAssocID="{628ADFCA-8C4B-41F0-9257-0E1B574AC50E}" presName="connectorText" presStyleLbl="sibTrans2D1" presStyleIdx="2" presStyleCnt="3"/>
       <dgm:spPr/>
+      <dgm:t>
+        <a:bodyPr/>
+        <a:lstStyle/>
+        <a:p>
+          <a:endParaRPr lang="es-AR"/>
+        </a:p>
+      </dgm:t>
     </dgm:pt>
-    <dgm:pt modelId="{9B8D5B35-DE6C-4843-9C7E-9A4A5D360A71}" type="pres">
-      <dgm:prSet presAssocID="{ADFBD2DF-B6B2-4B99-B13D-2A660B56A8A5}" presName="node" presStyleLbl="node1" presStyleIdx="3" presStyleCnt="6" custScaleY="137233">
+    <dgm:pt modelId="{DB1A1998-783C-4820-B033-1D4EBD55FA49}" type="pres">
+      <dgm:prSet presAssocID="{5A3D8C74-10E1-473B-B775-3607762BE02D}" presName="node" presStyleLbl="node1" presStyleIdx="3" presStyleCnt="4" custScaleY="137233">
         <dgm:presLayoutVars>
           <dgm:bulletEnabled val="1"/>
         </dgm:presLayoutVars>
       </dgm:prSet>
       <dgm:spPr/>
-    </dgm:pt>
-    <dgm:pt modelId="{678D759F-BEB3-45E9-AAEC-D0282229B63D}" type="pres">
-      <dgm:prSet presAssocID="{628ADFCA-8C4B-41F0-9257-0E1B574AC50E}" presName="sibTrans" presStyleLbl="sibTrans2D1" presStyleIdx="3" presStyleCnt="5"/>
-      <dgm:spPr/>
-    </dgm:pt>
-    <dgm:pt modelId="{88888D36-5D7E-40E5-88DB-E65348993F35}" type="pres">
-      <dgm:prSet presAssocID="{628ADFCA-8C4B-41F0-9257-0E1B574AC50E}" presName="connectorText" presStyleLbl="sibTrans2D1" presStyleIdx="3" presStyleCnt="5"/>
-      <dgm:spPr/>
-    </dgm:pt>
-    <dgm:pt modelId="{DB1A1998-783C-4820-B033-1D4EBD55FA49}" type="pres">
-      <dgm:prSet presAssocID="{5A3D8C74-10E1-473B-B775-3607762BE02D}" presName="node" presStyleLbl="node1" presStyleIdx="4" presStyleCnt="6" custScaleY="137233">
-        <dgm:presLayoutVars>
-          <dgm:bulletEnabled val="1"/>
-        </dgm:presLayoutVars>
-      </dgm:prSet>
-      <dgm:spPr/>
-    </dgm:pt>
-    <dgm:pt modelId="{8928B395-C17B-4702-B65F-B76997A6C260}" type="pres">
-      <dgm:prSet presAssocID="{FA1379E8-6074-43A8-8769-CC094CE8C4E5}" presName="sibTrans" presStyleLbl="sibTrans2D1" presStyleIdx="4" presStyleCnt="5"/>
-      <dgm:spPr/>
-    </dgm:pt>
-    <dgm:pt modelId="{AA53B59D-CBD2-4C0D-BF1F-5E1913787E7A}" type="pres">
-      <dgm:prSet presAssocID="{FA1379E8-6074-43A8-8769-CC094CE8C4E5}" presName="connectorText" presStyleLbl="sibTrans2D1" presStyleIdx="4" presStyleCnt="5"/>
-      <dgm:spPr/>
-    </dgm:pt>
-    <dgm:pt modelId="{C8FA21CD-563A-4072-BBD7-B5D14969E46A}" type="pres">
-      <dgm:prSet presAssocID="{A72BFE86-8B74-4BD8-B97C-C35E78C545A2}" presName="node" presStyleLbl="node1" presStyleIdx="5" presStyleCnt="6" custScaleY="137233">
-        <dgm:presLayoutVars>
-          <dgm:bulletEnabled val="1"/>
-        </dgm:presLayoutVars>
-      </dgm:prSet>
-      <dgm:spPr/>
+      <dgm:t>
+        <a:bodyPr/>
+        <a:lstStyle/>
+        <a:p>
+          <a:endParaRPr lang="es-AR"/>
+        </a:p>
+      </dgm:t>
     </dgm:pt>
   </dgm:ptLst>
   <dgm:cxnLst>
-    <dgm:cxn modelId="{3AB23DDB-0A64-4C94-9E00-820ED5436994}" srcId="{F7E1F03A-6D29-43EB-9E10-3C866964116C}" destId="{5A3D8C74-10E1-473B-B775-3607762BE02D}" srcOrd="4" destOrd="0" parTransId="{3CC87742-B09B-498C-8458-730A698F3E94}" sibTransId="{FA1379E8-6074-43A8-8769-CC094CE8C4E5}"/>
-    <dgm:cxn modelId="{B737226E-01B0-4AA8-A429-3C6053A0B276}" type="presOf" srcId="{A2A082EB-F046-4C99-B21D-3E8BC09F4B05}" destId="{473298B8-AED9-4EDC-8C66-06D5DD9F4E94}" srcOrd="1" destOrd="0" presId="urn:microsoft.com/office/officeart/2005/8/layout/process1"/>
+    <dgm:cxn modelId="{3AB23DDB-0A64-4C94-9E00-820ED5436994}" srcId="{F7E1F03A-6D29-43EB-9E10-3C866964116C}" destId="{5A3D8C74-10E1-473B-B775-3607762BE02D}" srcOrd="3" destOrd="0" parTransId="{3CC87742-B09B-498C-8458-730A698F3E94}" sibTransId="{FA1379E8-6074-43A8-8769-CC094CE8C4E5}"/>
     <dgm:cxn modelId="{EF62D38C-5002-4D1D-B577-6754727B6384}" type="presOf" srcId="{3A5791E6-7570-4D89-9921-B8191DA39FC4}" destId="{626AD544-BDE4-4CF4-9969-99758CB37DAE}" srcOrd="0" destOrd="0" presId="urn:microsoft.com/office/officeart/2005/8/layout/process1"/>
     <dgm:cxn modelId="{1D750073-4071-440E-BB43-FA84F1218738}" type="presOf" srcId="{AD671CA5-77DD-4BFC-88E8-96367590DEDE}" destId="{B858FD65-F29B-4277-B5CF-F928552FFEA3}" srcOrd="1" destOrd="0" presId="urn:microsoft.com/office/officeart/2005/8/layout/process1"/>
-    <dgm:cxn modelId="{16766C95-CC79-40C2-A409-97C08A464E30}" srcId="{F7E1F03A-6D29-43EB-9E10-3C866964116C}" destId="{A72BFE86-8B74-4BD8-B97C-C35E78C545A2}" srcOrd="5" destOrd="0" parTransId="{F5DF28C7-B92B-4A34-9BFF-C1B6312D9F58}" sibTransId="{E24272A4-F764-430D-ADB5-90F845F783E8}"/>
     <dgm:cxn modelId="{132025C6-F2EF-4DDF-A13C-88441E81F28B}" srcId="{F7E1F03A-6D29-43EB-9E10-3C866964116C}" destId="{FFF6F28B-34DF-4BFC-8FC9-3C9BAC37A498}" srcOrd="1" destOrd="0" parTransId="{FAEA726F-2A0F-413A-AB77-E6704E3C4FAE}" sibTransId="{AD671CA5-77DD-4BFC-88E8-96367590DEDE}"/>
     <dgm:cxn modelId="{AED0BF3A-6D80-4EEA-9A49-6E953EC6BEFE}" type="presOf" srcId="{628ADFCA-8C4B-41F0-9257-0E1B574AC50E}" destId="{678D759F-BEB3-45E9-AAEC-D0282229B63D}" srcOrd="0" destOrd="0" presId="urn:microsoft.com/office/officeart/2005/8/layout/process1"/>
     <dgm:cxn modelId="{E6DC9017-72B5-4FD1-A09B-5D46CD956ECB}" type="presOf" srcId="{3AD8ABBA-48FF-4B82-9C20-90E9ED9F308D}" destId="{B9CE73D7-4B1B-4CA9-818C-7D5BB1C2D543}" srcOrd="1" destOrd="0" presId="urn:microsoft.com/office/officeart/2005/8/layout/process1"/>
     <dgm:cxn modelId="{F56B9504-2CE3-4B21-A713-182A5D64D9FE}" type="presOf" srcId="{5A3D8C74-10E1-473B-B775-3607762BE02D}" destId="{DB1A1998-783C-4820-B033-1D4EBD55FA49}" srcOrd="0" destOrd="0" presId="urn:microsoft.com/office/officeart/2005/8/layout/process1"/>
     <dgm:cxn modelId="{8028409C-2CAC-4CBA-9E9D-5A4552B7D5CD}" srcId="{F7E1F03A-6D29-43EB-9E10-3C866964116C}" destId="{3A5791E6-7570-4D89-9921-B8191DA39FC4}" srcOrd="0" destOrd="0" parTransId="{7FBBAF6D-E48C-464A-B07A-CFCD56BF3126}" sibTransId="{3AD8ABBA-48FF-4B82-9C20-90E9ED9F308D}"/>
-    <dgm:cxn modelId="{26557A68-44AF-487C-8C2A-5747030721FC}" type="presOf" srcId="{A2A082EB-F046-4C99-B21D-3E8BC09F4B05}" destId="{7EA4C4E6-A3A9-4904-ACE4-31544ED7405F}" srcOrd="0" destOrd="0" presId="urn:microsoft.com/office/officeart/2005/8/layout/process1"/>
-    <dgm:cxn modelId="{F3CC5246-F1B1-4589-B9BA-58BFBC020412}" type="presOf" srcId="{E5F8AEFF-A44A-411E-86AA-9232F63DC792}" destId="{EDF7A25A-9772-494C-9DE1-97E65E678803}" srcOrd="0" destOrd="0" presId="urn:microsoft.com/office/officeart/2005/8/layout/process1"/>
-    <dgm:cxn modelId="{A728E6F3-0B20-4679-A59A-447FA808B76B}" srcId="{F7E1F03A-6D29-43EB-9E10-3C866964116C}" destId="{ADFBD2DF-B6B2-4B99-B13D-2A660B56A8A5}" srcOrd="3" destOrd="0" parTransId="{114E9EE0-E91F-4F55-A880-D4E7E8734895}" sibTransId="{628ADFCA-8C4B-41F0-9257-0E1B574AC50E}"/>
-    <dgm:cxn modelId="{C55E8C57-5884-478C-8F37-7FE29F9737A1}" srcId="{F7E1F03A-6D29-43EB-9E10-3C866964116C}" destId="{E5F8AEFF-A44A-411E-86AA-9232F63DC792}" srcOrd="2" destOrd="0" parTransId="{E4EDCFD0-2C2D-4BDA-87B5-5C11B0F5AA6F}" sibTransId="{A2A082EB-F046-4C99-B21D-3E8BC09F4B05}"/>
+    <dgm:cxn modelId="{A728E6F3-0B20-4679-A59A-447FA808B76B}" srcId="{F7E1F03A-6D29-43EB-9E10-3C866964116C}" destId="{ADFBD2DF-B6B2-4B99-B13D-2A660B56A8A5}" srcOrd="2" destOrd="0" parTransId="{114E9EE0-E91F-4F55-A880-D4E7E8734895}" sibTransId="{628ADFCA-8C4B-41F0-9257-0E1B574AC50E}"/>
     <dgm:cxn modelId="{F4D18A88-CF6E-4BD5-8CD0-07272EB9E1E0}" type="presOf" srcId="{AD671CA5-77DD-4BFC-88E8-96367590DEDE}" destId="{C338C8C4-1378-495C-9DE2-97AAA4978DBB}" srcOrd="0" destOrd="0" presId="urn:microsoft.com/office/officeart/2005/8/layout/process1"/>
-    <dgm:cxn modelId="{7E387E7C-D141-4D6C-8151-0D942389405E}" type="presOf" srcId="{A72BFE86-8B74-4BD8-B97C-C35E78C545A2}" destId="{C8FA21CD-563A-4072-BBD7-B5D14969E46A}" srcOrd="0" destOrd="0" presId="urn:microsoft.com/office/officeart/2005/8/layout/process1"/>
     <dgm:cxn modelId="{80C98026-1874-408D-A1C3-4D42A4D1956D}" type="presOf" srcId="{3AD8ABBA-48FF-4B82-9C20-90E9ED9F308D}" destId="{52EBDF92-AF37-4AD7-9F52-7BE9A09BFBB8}" srcOrd="0" destOrd="0" presId="urn:microsoft.com/office/officeart/2005/8/layout/process1"/>
     <dgm:cxn modelId="{32E40506-E528-4903-8E8D-40E4227610D9}" type="presOf" srcId="{FFF6F28B-34DF-4BFC-8FC9-3C9BAC37A498}" destId="{539123A6-2D90-4BA6-962C-F58647152FE5}" srcOrd="0" destOrd="0" presId="urn:microsoft.com/office/officeart/2005/8/layout/process1"/>
-    <dgm:cxn modelId="{082368A7-6CD3-472C-894B-C5A1098684B5}" type="presOf" srcId="{FA1379E8-6074-43A8-8769-CC094CE8C4E5}" destId="{AA53B59D-CBD2-4C0D-BF1F-5E1913787E7A}" srcOrd="1" destOrd="0" presId="urn:microsoft.com/office/officeart/2005/8/layout/process1"/>
-    <dgm:cxn modelId="{517D112E-FD92-4071-9521-EAD8A579E4A7}" type="presOf" srcId="{FA1379E8-6074-43A8-8769-CC094CE8C4E5}" destId="{8928B395-C17B-4702-B65F-B76997A6C260}" srcOrd="0" destOrd="0" presId="urn:microsoft.com/office/officeart/2005/8/layout/process1"/>
     <dgm:cxn modelId="{9406CD91-4CE2-4DE8-B360-07A3B07CC505}" type="presOf" srcId="{628ADFCA-8C4B-41F0-9257-0E1B574AC50E}" destId="{88888D36-5D7E-40E5-88DB-E65348993F35}" srcOrd="1" destOrd="0" presId="urn:microsoft.com/office/officeart/2005/8/layout/process1"/>
     <dgm:cxn modelId="{B7EF5014-8E5A-4466-84B6-E378B9C17C26}" type="presOf" srcId="{ADFBD2DF-B6B2-4B99-B13D-2A660B56A8A5}" destId="{9B8D5B35-DE6C-4843-9C7E-9A4A5D360A71}" srcOrd="0" destOrd="0" presId="urn:microsoft.com/office/officeart/2005/8/layout/process1"/>
     <dgm:cxn modelId="{EA541297-57B0-4E48-B937-02A68F144E3F}" type="presOf" srcId="{F7E1F03A-6D29-43EB-9E10-3C866964116C}" destId="{42BEA95F-E1A4-4262-B351-A5C31D481253}" srcOrd="0" destOrd="0" presId="urn:microsoft.com/office/officeart/2005/8/layout/process1"/>
@@ -12161,16 +12097,10 @@
     <dgm:cxn modelId="{D0FD75E3-00D4-4C3E-A726-0378B45E7198}" type="presParOf" srcId="{42BEA95F-E1A4-4262-B351-A5C31D481253}" destId="{539123A6-2D90-4BA6-962C-F58647152FE5}" srcOrd="2" destOrd="0" presId="urn:microsoft.com/office/officeart/2005/8/layout/process1"/>
     <dgm:cxn modelId="{01B6BA7F-B92C-4E2B-8CC7-6FAC74E9CAC4}" type="presParOf" srcId="{42BEA95F-E1A4-4262-B351-A5C31D481253}" destId="{C338C8C4-1378-495C-9DE2-97AAA4978DBB}" srcOrd="3" destOrd="0" presId="urn:microsoft.com/office/officeart/2005/8/layout/process1"/>
     <dgm:cxn modelId="{95E649CA-C245-4FC7-91FB-A8327F7D1087}" type="presParOf" srcId="{C338C8C4-1378-495C-9DE2-97AAA4978DBB}" destId="{B858FD65-F29B-4277-B5CF-F928552FFEA3}" srcOrd="0" destOrd="0" presId="urn:microsoft.com/office/officeart/2005/8/layout/process1"/>
-    <dgm:cxn modelId="{97EE6AB0-15AE-4A1B-BDD1-D020B1CBACB6}" type="presParOf" srcId="{42BEA95F-E1A4-4262-B351-A5C31D481253}" destId="{EDF7A25A-9772-494C-9DE1-97E65E678803}" srcOrd="4" destOrd="0" presId="urn:microsoft.com/office/officeart/2005/8/layout/process1"/>
-    <dgm:cxn modelId="{7C0B3F15-C6F3-4277-8E73-C405C6D66B49}" type="presParOf" srcId="{42BEA95F-E1A4-4262-B351-A5C31D481253}" destId="{7EA4C4E6-A3A9-4904-ACE4-31544ED7405F}" srcOrd="5" destOrd="0" presId="urn:microsoft.com/office/officeart/2005/8/layout/process1"/>
-    <dgm:cxn modelId="{2CCCFB2B-0CE4-4373-9943-30D173A54A81}" type="presParOf" srcId="{7EA4C4E6-A3A9-4904-ACE4-31544ED7405F}" destId="{473298B8-AED9-4EDC-8C66-06D5DD9F4E94}" srcOrd="0" destOrd="0" presId="urn:microsoft.com/office/officeart/2005/8/layout/process1"/>
-    <dgm:cxn modelId="{7948AB66-0FF3-4927-88A8-133710B30655}" type="presParOf" srcId="{42BEA95F-E1A4-4262-B351-A5C31D481253}" destId="{9B8D5B35-DE6C-4843-9C7E-9A4A5D360A71}" srcOrd="6" destOrd="0" presId="urn:microsoft.com/office/officeart/2005/8/layout/process1"/>
-    <dgm:cxn modelId="{7FA5E92A-44C5-4E26-A65D-FBA392ABED13}" type="presParOf" srcId="{42BEA95F-E1A4-4262-B351-A5C31D481253}" destId="{678D759F-BEB3-45E9-AAEC-D0282229B63D}" srcOrd="7" destOrd="0" presId="urn:microsoft.com/office/officeart/2005/8/layout/process1"/>
+    <dgm:cxn modelId="{7948AB66-0FF3-4927-88A8-133710B30655}" type="presParOf" srcId="{42BEA95F-E1A4-4262-B351-A5C31D481253}" destId="{9B8D5B35-DE6C-4843-9C7E-9A4A5D360A71}" srcOrd="4" destOrd="0" presId="urn:microsoft.com/office/officeart/2005/8/layout/process1"/>
+    <dgm:cxn modelId="{7FA5E92A-44C5-4E26-A65D-FBA392ABED13}" type="presParOf" srcId="{42BEA95F-E1A4-4262-B351-A5C31D481253}" destId="{678D759F-BEB3-45E9-AAEC-D0282229B63D}" srcOrd="5" destOrd="0" presId="urn:microsoft.com/office/officeart/2005/8/layout/process1"/>
     <dgm:cxn modelId="{A144CDED-E8C5-4834-9EB0-DF33800213E1}" type="presParOf" srcId="{678D759F-BEB3-45E9-AAEC-D0282229B63D}" destId="{88888D36-5D7E-40E5-88DB-E65348993F35}" srcOrd="0" destOrd="0" presId="urn:microsoft.com/office/officeart/2005/8/layout/process1"/>
-    <dgm:cxn modelId="{B8A8A41D-05F2-4683-A896-2085A4348F75}" type="presParOf" srcId="{42BEA95F-E1A4-4262-B351-A5C31D481253}" destId="{DB1A1998-783C-4820-B033-1D4EBD55FA49}" srcOrd="8" destOrd="0" presId="urn:microsoft.com/office/officeart/2005/8/layout/process1"/>
-    <dgm:cxn modelId="{B14768E4-774C-49E1-88A8-E24A75DA2708}" type="presParOf" srcId="{42BEA95F-E1A4-4262-B351-A5C31D481253}" destId="{8928B395-C17B-4702-B65F-B76997A6C260}" srcOrd="9" destOrd="0" presId="urn:microsoft.com/office/officeart/2005/8/layout/process1"/>
-    <dgm:cxn modelId="{8EA22B66-BB26-4AE0-BEE0-E372B7B53C29}" type="presParOf" srcId="{8928B395-C17B-4702-B65F-B76997A6C260}" destId="{AA53B59D-CBD2-4C0D-BF1F-5E1913787E7A}" srcOrd="0" destOrd="0" presId="urn:microsoft.com/office/officeart/2005/8/layout/process1"/>
-    <dgm:cxn modelId="{C4E91144-99CD-4730-90E2-53D46EC4786D}" type="presParOf" srcId="{42BEA95F-E1A4-4262-B351-A5C31D481253}" destId="{C8FA21CD-563A-4072-BBD7-B5D14969E46A}" srcOrd="10" destOrd="0" presId="urn:microsoft.com/office/officeart/2005/8/layout/process1"/>
+    <dgm:cxn modelId="{B8A8A41D-05F2-4683-A896-2085A4348F75}" type="presParOf" srcId="{42BEA95F-E1A4-4262-B351-A5C31D481253}" destId="{DB1A1998-783C-4820-B033-1D4EBD55FA49}" srcOrd="6" destOrd="0" presId="urn:microsoft.com/office/officeart/2005/8/layout/process1"/>
   </dgm:cxnLst>
   <dgm:bg/>
   <dgm:whole/>
@@ -20050,8 +19980,8 @@
       </dsp:nvSpPr>
       <dsp:spPr>
         <a:xfrm>
-          <a:off x="0" y="2092007"/>
-          <a:ext cx="1418844" cy="1168273"/>
+          <a:off x="4988" y="1778262"/>
+          <a:ext cx="2180918" cy="1795763"/>
         </a:xfrm>
         <a:prstGeom prst="roundRect">
           <a:avLst>
@@ -20116,12 +20046,12 @@
         </a:fontRef>
       </dsp:style>
       <dsp:txBody>
-        <a:bodyPr spcFirstLastPara="0" vert="horz" wrap="square" lIns="68580" tIns="68580" rIns="68580" bIns="68580" numCol="1" spcCol="1270" anchor="ctr" anchorCtr="0">
+        <a:bodyPr spcFirstLastPara="0" vert="horz" wrap="square" lIns="106680" tIns="106680" rIns="106680" bIns="106680" numCol="1" spcCol="1270" anchor="ctr" anchorCtr="0">
           <a:noAutofit/>
         </a:bodyPr>
         <a:lstStyle/>
         <a:p>
-          <a:pPr lvl="0" algn="ctr" defTabSz="800100">
+          <a:pPr lvl="0" algn="ctr" defTabSz="1244600">
             <a:lnSpc>
               <a:spcPct val="90000"/>
             </a:lnSpc>
@@ -20133,15 +20063,15 @@
             </a:spcAft>
           </a:pPr>
           <a:r>
-            <a:rPr lang="es-AR" sz="1800" kern="1200" dirty="0" smtClean="0"/>
+            <a:rPr lang="es-AR" sz="2800" kern="1200" dirty="0" smtClean="0"/>
             <a:t>Nombre del componente</a:t>
           </a:r>
-          <a:endParaRPr lang="es-AR" sz="1800" kern="1200" dirty="0"/>
+          <a:endParaRPr lang="es-AR" sz="2800" kern="1200" dirty="0"/>
         </a:p>
       </dsp:txBody>
       <dsp:txXfrm>
-        <a:off x="34218" y="2126225"/>
-        <a:ext cx="1350408" cy="1099837"/>
+        <a:off x="57584" y="1830858"/>
+        <a:ext cx="2075726" cy="1690571"/>
       </dsp:txXfrm>
     </dsp:sp>
     <dsp:sp modelId="{52EBDF92-AF37-4AD7-9F52-7BE9A09BFBB8}">
@@ -20151,8 +20081,8 @@
       </dsp:nvSpPr>
       <dsp:spPr>
         <a:xfrm>
-          <a:off x="1560728" y="2500207"/>
-          <a:ext cx="300794" cy="351873"/>
+          <a:off x="2403998" y="2405710"/>
+          <a:ext cx="462354" cy="540867"/>
         </a:xfrm>
         <a:prstGeom prst="rightArrow">
           <a:avLst>
@@ -20223,7 +20153,7 @@
         </a:bodyPr>
         <a:lstStyle/>
         <a:p>
-          <a:pPr lvl="0" algn="ctr" defTabSz="622300">
+          <a:pPr lvl="0" algn="ctr" defTabSz="1022350">
             <a:lnSpc>
               <a:spcPct val="90000"/>
             </a:lnSpc>
@@ -20234,12 +20164,12 @@
               <a:spcPct val="35000"/>
             </a:spcAft>
           </a:pPr>
-          <a:endParaRPr lang="es-AR" sz="1400" kern="1200"/>
+          <a:endParaRPr lang="es-AR" sz="2300" kern="1200"/>
         </a:p>
       </dsp:txBody>
       <dsp:txXfrm>
-        <a:off x="1560728" y="2570582"/>
-        <a:ext cx="210556" cy="211123"/>
+        <a:off x="2403998" y="2513883"/>
+        <a:ext cx="323648" cy="324521"/>
       </dsp:txXfrm>
     </dsp:sp>
     <dsp:sp modelId="{539123A6-2D90-4BA6-962C-F58647152FE5}">
@@ -20249,8 +20179,8 @@
       </dsp:nvSpPr>
       <dsp:spPr>
         <a:xfrm>
-          <a:off x="1986381" y="2092007"/>
-          <a:ext cx="1418844" cy="1168273"/>
+          <a:off x="3058273" y="1778262"/>
+          <a:ext cx="2180918" cy="1795763"/>
         </a:xfrm>
         <a:prstGeom prst="roundRect">
           <a:avLst>
@@ -20261,9 +20191,9 @@
           <a:gsLst>
             <a:gs pos="0">
               <a:schemeClr val="accent2">
-                <a:hueOff val="-291073"/>
-                <a:satOff val="-16786"/>
-                <a:lumOff val="1726"/>
+                <a:hueOff val="-485121"/>
+                <a:satOff val="-27976"/>
+                <a:lumOff val="2876"/>
                 <a:alphaOff val="0"/>
                 <a:satMod val="103000"/>
                 <a:lumMod val="102000"/>
@@ -20272,9 +20202,9 @@
             </a:gs>
             <a:gs pos="50000">
               <a:schemeClr val="accent2">
-                <a:hueOff val="-291073"/>
-                <a:satOff val="-16786"/>
-                <a:lumOff val="1726"/>
+                <a:hueOff val="-485121"/>
+                <a:satOff val="-27976"/>
+                <a:lumOff val="2876"/>
                 <a:alphaOff val="0"/>
                 <a:satMod val="110000"/>
                 <a:lumMod val="100000"/>
@@ -20283,9 +20213,9 @@
             </a:gs>
             <a:gs pos="100000">
               <a:schemeClr val="accent2">
-                <a:hueOff val="-291073"/>
-                <a:satOff val="-16786"/>
-                <a:lumOff val="1726"/>
+                <a:hueOff val="-485121"/>
+                <a:satOff val="-27976"/>
+                <a:lumOff val="2876"/>
                 <a:alphaOff val="0"/>
                 <a:lumMod val="99000"/>
                 <a:satMod val="120000"/>
@@ -20315,12 +20245,12 @@
         </a:fontRef>
       </dsp:style>
       <dsp:txBody>
-        <a:bodyPr spcFirstLastPara="0" vert="horz" wrap="square" lIns="68580" tIns="68580" rIns="68580" bIns="68580" numCol="1" spcCol="1270" anchor="ctr" anchorCtr="0">
+        <a:bodyPr spcFirstLastPara="0" vert="horz" wrap="square" lIns="106680" tIns="106680" rIns="106680" bIns="106680" numCol="1" spcCol="1270" anchor="ctr" anchorCtr="0">
           <a:noAutofit/>
         </a:bodyPr>
         <a:lstStyle/>
         <a:p>
-          <a:pPr lvl="0" algn="ctr" defTabSz="800100">
+          <a:pPr lvl="0" algn="ctr" defTabSz="1244600">
             <a:lnSpc>
               <a:spcPct val="90000"/>
             </a:lnSpc>
@@ -20332,15 +20262,15 @@
             </a:spcAft>
           </a:pPr>
           <a:r>
-            <a:rPr lang="es-AR" sz="1800" kern="1200" dirty="0" smtClean="0"/>
+            <a:rPr lang="es-AR" sz="2800" kern="1200" dirty="0" smtClean="0"/>
             <a:t>Acción</a:t>
           </a:r>
-          <a:endParaRPr lang="es-AR" sz="1800" kern="1200" dirty="0"/>
+          <a:endParaRPr lang="es-AR" sz="2800" kern="1200" dirty="0"/>
         </a:p>
       </dsp:txBody>
       <dsp:txXfrm>
-        <a:off x="2020599" y="2126225"/>
-        <a:ext cx="1350408" cy="1099837"/>
+        <a:off x="3110869" y="1830858"/>
+        <a:ext cx="2075726" cy="1690571"/>
       </dsp:txXfrm>
     </dsp:sp>
     <dsp:sp modelId="{C338C8C4-1378-495C-9DE2-97AAA4978DBB}">
@@ -20350,207 +20280,8 @@
       </dsp:nvSpPr>
       <dsp:spPr>
         <a:xfrm>
-          <a:off x="3547110" y="2500207"/>
-          <a:ext cx="300794" cy="351873"/>
-        </a:xfrm>
-        <a:prstGeom prst="rightArrow">
-          <a:avLst>
-            <a:gd name="adj1" fmla="val 60000"/>
-            <a:gd name="adj2" fmla="val 50000"/>
-          </a:avLst>
-        </a:prstGeom>
-        <a:gradFill rotWithShape="0">
-          <a:gsLst>
-            <a:gs pos="0">
-              <a:schemeClr val="accent2">
-                <a:hueOff val="-363841"/>
-                <a:satOff val="-20982"/>
-                <a:lumOff val="2157"/>
-                <a:alphaOff val="0"/>
-                <a:satMod val="103000"/>
-                <a:lumMod val="102000"/>
-                <a:tint val="94000"/>
-              </a:schemeClr>
-            </a:gs>
-            <a:gs pos="50000">
-              <a:schemeClr val="accent2">
-                <a:hueOff val="-363841"/>
-                <a:satOff val="-20982"/>
-                <a:lumOff val="2157"/>
-                <a:alphaOff val="0"/>
-                <a:satMod val="110000"/>
-                <a:lumMod val="100000"/>
-                <a:shade val="100000"/>
-              </a:schemeClr>
-            </a:gs>
-            <a:gs pos="100000">
-              <a:schemeClr val="accent2">
-                <a:hueOff val="-363841"/>
-                <a:satOff val="-20982"/>
-                <a:lumOff val="2157"/>
-                <a:alphaOff val="0"/>
-                <a:lumMod val="99000"/>
-                <a:satMod val="120000"/>
-                <a:shade val="78000"/>
-              </a:schemeClr>
-            </a:gs>
-          </a:gsLst>
-          <a:lin ang="5400000" scaled="0"/>
-        </a:gradFill>
-        <a:ln>
-          <a:noFill/>
-        </a:ln>
-        <a:effectLst/>
-      </dsp:spPr>
-      <dsp:style>
-        <a:lnRef idx="0">
-          <a:scrgbClr r="0" g="0" b="0"/>
-        </a:lnRef>
-        <a:fillRef idx="3">
-          <a:scrgbClr r="0" g="0" b="0"/>
-        </a:fillRef>
-        <a:effectRef idx="2">
-          <a:scrgbClr r="0" g="0" b="0"/>
-        </a:effectRef>
-        <a:fontRef idx="minor">
-          <a:schemeClr val="lt1"/>
-        </a:fontRef>
-      </dsp:style>
-      <dsp:txBody>
-        <a:bodyPr spcFirstLastPara="0" vert="horz" wrap="square" lIns="0" tIns="0" rIns="0" bIns="0" numCol="1" spcCol="1270" anchor="ctr" anchorCtr="0">
-          <a:noAutofit/>
-        </a:bodyPr>
-        <a:lstStyle/>
-        <a:p>
-          <a:pPr lvl="0" algn="ctr" defTabSz="622300">
-            <a:lnSpc>
-              <a:spcPct val="90000"/>
-            </a:lnSpc>
-            <a:spcBef>
-              <a:spcPct val="0"/>
-            </a:spcBef>
-            <a:spcAft>
-              <a:spcPct val="35000"/>
-            </a:spcAft>
-          </a:pPr>
-          <a:endParaRPr lang="es-AR" sz="1400" kern="1200"/>
-        </a:p>
-      </dsp:txBody>
-      <dsp:txXfrm>
-        <a:off x="3547110" y="2570582"/>
-        <a:ext cx="210556" cy="211123"/>
-      </dsp:txXfrm>
-    </dsp:sp>
-    <dsp:sp modelId="{EDF7A25A-9772-494C-9DE1-97E65E678803}">
-      <dsp:nvSpPr>
-        <dsp:cNvPr id="0" name=""/>
-        <dsp:cNvSpPr/>
-      </dsp:nvSpPr>
-      <dsp:spPr>
-        <a:xfrm>
-          <a:off x="3972763" y="2092007"/>
-          <a:ext cx="1418844" cy="1168273"/>
-        </a:xfrm>
-        <a:prstGeom prst="roundRect">
-          <a:avLst>
-            <a:gd name="adj" fmla="val 10000"/>
-          </a:avLst>
-        </a:prstGeom>
-        <a:gradFill rotWithShape="0">
-          <a:gsLst>
-            <a:gs pos="0">
-              <a:schemeClr val="accent2">
-                <a:hueOff val="-582145"/>
-                <a:satOff val="-33571"/>
-                <a:lumOff val="3451"/>
-                <a:alphaOff val="0"/>
-                <a:satMod val="103000"/>
-                <a:lumMod val="102000"/>
-                <a:tint val="94000"/>
-              </a:schemeClr>
-            </a:gs>
-            <a:gs pos="50000">
-              <a:schemeClr val="accent2">
-                <a:hueOff val="-582145"/>
-                <a:satOff val="-33571"/>
-                <a:lumOff val="3451"/>
-                <a:alphaOff val="0"/>
-                <a:satMod val="110000"/>
-                <a:lumMod val="100000"/>
-                <a:shade val="100000"/>
-              </a:schemeClr>
-            </a:gs>
-            <a:gs pos="100000">
-              <a:schemeClr val="accent2">
-                <a:hueOff val="-582145"/>
-                <a:satOff val="-33571"/>
-                <a:lumOff val="3451"/>
-                <a:alphaOff val="0"/>
-                <a:lumMod val="99000"/>
-                <a:satMod val="120000"/>
-                <a:shade val="78000"/>
-              </a:schemeClr>
-            </a:gs>
-          </a:gsLst>
-          <a:lin ang="5400000" scaled="0"/>
-        </a:gradFill>
-        <a:ln>
-          <a:noFill/>
-        </a:ln>
-        <a:effectLst/>
-      </dsp:spPr>
-      <dsp:style>
-        <a:lnRef idx="0">
-          <a:scrgbClr r="0" g="0" b="0"/>
-        </a:lnRef>
-        <a:fillRef idx="3">
-          <a:scrgbClr r="0" g="0" b="0"/>
-        </a:fillRef>
-        <a:effectRef idx="2">
-          <a:scrgbClr r="0" g="0" b="0"/>
-        </a:effectRef>
-        <a:fontRef idx="minor">
-          <a:schemeClr val="lt1"/>
-        </a:fontRef>
-      </dsp:style>
-      <dsp:txBody>
-        <a:bodyPr spcFirstLastPara="0" vert="horz" wrap="square" lIns="68580" tIns="68580" rIns="68580" bIns="68580" numCol="1" spcCol="1270" anchor="ctr" anchorCtr="0">
-          <a:noAutofit/>
-        </a:bodyPr>
-        <a:lstStyle/>
-        <a:p>
-          <a:pPr lvl="0" algn="ctr" defTabSz="800100">
-            <a:lnSpc>
-              <a:spcPct val="90000"/>
-            </a:lnSpc>
-            <a:spcBef>
-              <a:spcPct val="0"/>
-            </a:spcBef>
-            <a:spcAft>
-              <a:spcPct val="35000"/>
-            </a:spcAft>
-          </a:pPr>
-          <a:r>
-            <a:rPr lang="es-AR" sz="1800" kern="1200" dirty="0" smtClean="0"/>
-            <a:t>Referencia a la data</a:t>
-          </a:r>
-          <a:endParaRPr lang="es-AR" sz="1800" kern="1200" dirty="0"/>
-        </a:p>
-      </dsp:txBody>
-      <dsp:txXfrm>
-        <a:off x="4006981" y="2126225"/>
-        <a:ext cx="1350408" cy="1099837"/>
-      </dsp:txXfrm>
-    </dsp:sp>
-    <dsp:sp modelId="{7EA4C4E6-A3A9-4904-ACE4-31544ED7405F}">
-      <dsp:nvSpPr>
-        <dsp:cNvPr id="0" name=""/>
-        <dsp:cNvSpPr/>
-      </dsp:nvSpPr>
-      <dsp:spPr>
-        <a:xfrm>
-          <a:off x="5533491" y="2500207"/>
-          <a:ext cx="300794" cy="351873"/>
+          <a:off x="5457284" y="2405710"/>
+          <a:ext cx="462354" cy="540867"/>
         </a:xfrm>
         <a:prstGeom prst="rightArrow">
           <a:avLst>
@@ -20621,7 +20352,7 @@
         </a:bodyPr>
         <a:lstStyle/>
         <a:p>
-          <a:pPr lvl="0" algn="ctr" defTabSz="622300">
+          <a:pPr lvl="0" algn="ctr" defTabSz="1022350">
             <a:lnSpc>
               <a:spcPct val="90000"/>
             </a:lnSpc>
@@ -20632,12 +20363,12 @@
               <a:spcPct val="35000"/>
             </a:spcAft>
           </a:pPr>
-          <a:endParaRPr lang="es-AR" sz="1400" kern="1200"/>
+          <a:endParaRPr lang="es-AR" sz="2300" kern="1200"/>
         </a:p>
       </dsp:txBody>
       <dsp:txXfrm>
-        <a:off x="5533491" y="2570582"/>
-        <a:ext cx="210556" cy="211123"/>
+        <a:off x="5457284" y="2513883"/>
+        <a:ext cx="323648" cy="324521"/>
       </dsp:txXfrm>
     </dsp:sp>
     <dsp:sp modelId="{9B8D5B35-DE6C-4843-9C7E-9A4A5D360A71}">
@@ -20647,8 +20378,8 @@
       </dsp:nvSpPr>
       <dsp:spPr>
         <a:xfrm>
-          <a:off x="5959144" y="2092007"/>
-          <a:ext cx="1418844" cy="1168273"/>
+          <a:off x="6111559" y="1778262"/>
+          <a:ext cx="2180918" cy="1795763"/>
         </a:xfrm>
         <a:prstGeom prst="roundRect">
           <a:avLst>
@@ -20659,9 +20390,9 @@
           <a:gsLst>
             <a:gs pos="0">
               <a:schemeClr val="accent2">
-                <a:hueOff val="-873218"/>
-                <a:satOff val="-50357"/>
-                <a:lumOff val="5177"/>
+                <a:hueOff val="-970242"/>
+                <a:satOff val="-55952"/>
+                <a:lumOff val="5752"/>
                 <a:alphaOff val="0"/>
                 <a:satMod val="103000"/>
                 <a:lumMod val="102000"/>
@@ -20670,9 +20401,9 @@
             </a:gs>
             <a:gs pos="50000">
               <a:schemeClr val="accent2">
-                <a:hueOff val="-873218"/>
-                <a:satOff val="-50357"/>
-                <a:lumOff val="5177"/>
+                <a:hueOff val="-970242"/>
+                <a:satOff val="-55952"/>
+                <a:lumOff val="5752"/>
                 <a:alphaOff val="0"/>
                 <a:satMod val="110000"/>
                 <a:lumMod val="100000"/>
@@ -20681,9 +20412,9 @@
             </a:gs>
             <a:gs pos="100000">
               <a:schemeClr val="accent2">
-                <a:hueOff val="-873218"/>
-                <a:satOff val="-50357"/>
-                <a:lumOff val="5177"/>
+                <a:hueOff val="-970242"/>
+                <a:satOff val="-55952"/>
+                <a:lumOff val="5752"/>
                 <a:alphaOff val="0"/>
                 <a:lumMod val="99000"/>
                 <a:satMod val="120000"/>
@@ -20713,12 +20444,12 @@
         </a:fontRef>
       </dsp:style>
       <dsp:txBody>
-        <a:bodyPr spcFirstLastPara="0" vert="horz" wrap="square" lIns="68580" tIns="68580" rIns="68580" bIns="68580" numCol="1" spcCol="1270" anchor="ctr" anchorCtr="0">
+        <a:bodyPr spcFirstLastPara="0" vert="horz" wrap="square" lIns="106680" tIns="106680" rIns="106680" bIns="106680" numCol="1" spcCol="1270" anchor="ctr" anchorCtr="0">
           <a:noAutofit/>
         </a:bodyPr>
         <a:lstStyle/>
         <a:p>
-          <a:pPr lvl="0" algn="ctr" defTabSz="800100">
+          <a:pPr lvl="0" algn="ctr" defTabSz="1244600">
             <a:lnSpc>
               <a:spcPct val="90000"/>
             </a:lnSpc>
@@ -20730,15 +20461,15 @@
             </a:spcAft>
           </a:pPr>
           <a:r>
-            <a:rPr lang="es-AR" sz="1800" kern="1200" smtClean="0"/>
+            <a:rPr lang="es-AR" sz="2800" kern="1200" smtClean="0"/>
             <a:t>Categoría</a:t>
           </a:r>
-          <a:endParaRPr lang="es-AR" sz="1800" kern="1200" dirty="0"/>
+          <a:endParaRPr lang="es-AR" sz="2800" kern="1200" dirty="0"/>
         </a:p>
       </dsp:txBody>
       <dsp:txXfrm>
-        <a:off x="5993362" y="2126225"/>
-        <a:ext cx="1350408" cy="1099837"/>
+        <a:off x="6164155" y="1830858"/>
+        <a:ext cx="2075726" cy="1690571"/>
       </dsp:txXfrm>
     </dsp:sp>
     <dsp:sp modelId="{678D759F-BEB3-45E9-AAEC-D0282229B63D}">
@@ -20748,207 +20479,8 @@
       </dsp:nvSpPr>
       <dsp:spPr>
         <a:xfrm>
-          <a:off x="7519873" y="2500207"/>
-          <a:ext cx="300794" cy="351873"/>
-        </a:xfrm>
-        <a:prstGeom prst="rightArrow">
-          <a:avLst>
-            <a:gd name="adj1" fmla="val 60000"/>
-            <a:gd name="adj2" fmla="val 50000"/>
-          </a:avLst>
-        </a:prstGeom>
-        <a:gradFill rotWithShape="0">
-          <a:gsLst>
-            <a:gs pos="0">
-              <a:schemeClr val="accent2">
-                <a:hueOff val="-1091522"/>
-                <a:satOff val="-62946"/>
-                <a:lumOff val="6471"/>
-                <a:alphaOff val="0"/>
-                <a:satMod val="103000"/>
-                <a:lumMod val="102000"/>
-                <a:tint val="94000"/>
-              </a:schemeClr>
-            </a:gs>
-            <a:gs pos="50000">
-              <a:schemeClr val="accent2">
-                <a:hueOff val="-1091522"/>
-                <a:satOff val="-62946"/>
-                <a:lumOff val="6471"/>
-                <a:alphaOff val="0"/>
-                <a:satMod val="110000"/>
-                <a:lumMod val="100000"/>
-                <a:shade val="100000"/>
-              </a:schemeClr>
-            </a:gs>
-            <a:gs pos="100000">
-              <a:schemeClr val="accent2">
-                <a:hueOff val="-1091522"/>
-                <a:satOff val="-62946"/>
-                <a:lumOff val="6471"/>
-                <a:alphaOff val="0"/>
-                <a:lumMod val="99000"/>
-                <a:satMod val="120000"/>
-                <a:shade val="78000"/>
-              </a:schemeClr>
-            </a:gs>
-          </a:gsLst>
-          <a:lin ang="5400000" scaled="0"/>
-        </a:gradFill>
-        <a:ln>
-          <a:noFill/>
-        </a:ln>
-        <a:effectLst/>
-      </dsp:spPr>
-      <dsp:style>
-        <a:lnRef idx="0">
-          <a:scrgbClr r="0" g="0" b="0"/>
-        </a:lnRef>
-        <a:fillRef idx="3">
-          <a:scrgbClr r="0" g="0" b="0"/>
-        </a:fillRef>
-        <a:effectRef idx="2">
-          <a:scrgbClr r="0" g="0" b="0"/>
-        </a:effectRef>
-        <a:fontRef idx="minor">
-          <a:schemeClr val="lt1"/>
-        </a:fontRef>
-      </dsp:style>
-      <dsp:txBody>
-        <a:bodyPr spcFirstLastPara="0" vert="horz" wrap="square" lIns="0" tIns="0" rIns="0" bIns="0" numCol="1" spcCol="1270" anchor="ctr" anchorCtr="0">
-          <a:noAutofit/>
-        </a:bodyPr>
-        <a:lstStyle/>
-        <a:p>
-          <a:pPr lvl="0" algn="ctr" defTabSz="622300">
-            <a:lnSpc>
-              <a:spcPct val="90000"/>
-            </a:lnSpc>
-            <a:spcBef>
-              <a:spcPct val="0"/>
-            </a:spcBef>
-            <a:spcAft>
-              <a:spcPct val="35000"/>
-            </a:spcAft>
-          </a:pPr>
-          <a:endParaRPr lang="es-AR" sz="1400" kern="1200"/>
-        </a:p>
-      </dsp:txBody>
-      <dsp:txXfrm>
-        <a:off x="7519873" y="2570582"/>
-        <a:ext cx="210556" cy="211123"/>
-      </dsp:txXfrm>
-    </dsp:sp>
-    <dsp:sp modelId="{DB1A1998-783C-4820-B033-1D4EBD55FA49}">
-      <dsp:nvSpPr>
-        <dsp:cNvPr id="0" name=""/>
-        <dsp:cNvSpPr/>
-      </dsp:nvSpPr>
-      <dsp:spPr>
-        <a:xfrm>
-          <a:off x="7945526" y="2092007"/>
-          <a:ext cx="1418844" cy="1168273"/>
-        </a:xfrm>
-        <a:prstGeom prst="roundRect">
-          <a:avLst>
-            <a:gd name="adj" fmla="val 10000"/>
-          </a:avLst>
-        </a:prstGeom>
-        <a:gradFill rotWithShape="0">
-          <a:gsLst>
-            <a:gs pos="0">
-              <a:schemeClr val="accent2">
-                <a:hueOff val="-1164290"/>
-                <a:satOff val="-67142"/>
-                <a:lumOff val="6902"/>
-                <a:alphaOff val="0"/>
-                <a:satMod val="103000"/>
-                <a:lumMod val="102000"/>
-                <a:tint val="94000"/>
-              </a:schemeClr>
-            </a:gs>
-            <a:gs pos="50000">
-              <a:schemeClr val="accent2">
-                <a:hueOff val="-1164290"/>
-                <a:satOff val="-67142"/>
-                <a:lumOff val="6902"/>
-                <a:alphaOff val="0"/>
-                <a:satMod val="110000"/>
-                <a:lumMod val="100000"/>
-                <a:shade val="100000"/>
-              </a:schemeClr>
-            </a:gs>
-            <a:gs pos="100000">
-              <a:schemeClr val="accent2">
-                <a:hueOff val="-1164290"/>
-                <a:satOff val="-67142"/>
-                <a:lumOff val="6902"/>
-                <a:alphaOff val="0"/>
-                <a:lumMod val="99000"/>
-                <a:satMod val="120000"/>
-                <a:shade val="78000"/>
-              </a:schemeClr>
-            </a:gs>
-          </a:gsLst>
-          <a:lin ang="5400000" scaled="0"/>
-        </a:gradFill>
-        <a:ln>
-          <a:noFill/>
-        </a:ln>
-        <a:effectLst/>
-      </dsp:spPr>
-      <dsp:style>
-        <a:lnRef idx="0">
-          <a:scrgbClr r="0" g="0" b="0"/>
-        </a:lnRef>
-        <a:fillRef idx="3">
-          <a:scrgbClr r="0" g="0" b="0"/>
-        </a:fillRef>
-        <a:effectRef idx="2">
-          <a:scrgbClr r="0" g="0" b="0"/>
-        </a:effectRef>
-        <a:fontRef idx="minor">
-          <a:schemeClr val="lt1"/>
-        </a:fontRef>
-      </dsp:style>
-      <dsp:txBody>
-        <a:bodyPr spcFirstLastPara="0" vert="horz" wrap="square" lIns="68580" tIns="68580" rIns="68580" bIns="68580" numCol="1" spcCol="1270" anchor="ctr" anchorCtr="0">
-          <a:noAutofit/>
-        </a:bodyPr>
-        <a:lstStyle/>
-        <a:p>
-          <a:pPr lvl="0" algn="ctr" defTabSz="800100">
-            <a:lnSpc>
-              <a:spcPct val="90000"/>
-            </a:lnSpc>
-            <a:spcBef>
-              <a:spcPct val="0"/>
-            </a:spcBef>
-            <a:spcAft>
-              <a:spcPct val="35000"/>
-            </a:spcAft>
-          </a:pPr>
-          <a:r>
-            <a:rPr lang="es-AR" sz="1800" kern="1200" dirty="0" smtClean="0"/>
-            <a:t>Información adicional</a:t>
-          </a:r>
-          <a:endParaRPr lang="es-AR" sz="1800" kern="1200" dirty="0"/>
-        </a:p>
-      </dsp:txBody>
-      <dsp:txXfrm>
-        <a:off x="7979744" y="2126225"/>
-        <a:ext cx="1350408" cy="1099837"/>
-      </dsp:txXfrm>
-    </dsp:sp>
-    <dsp:sp modelId="{8928B395-C17B-4702-B65F-B76997A6C260}">
-      <dsp:nvSpPr>
-        <dsp:cNvPr id="0" name=""/>
-        <dsp:cNvSpPr/>
-      </dsp:nvSpPr>
-      <dsp:spPr>
-        <a:xfrm>
-          <a:off x="9506254" y="2500207"/>
-          <a:ext cx="300794" cy="351873"/>
+          <a:off x="8510569" y="2405710"/>
+          <a:ext cx="462354" cy="540867"/>
         </a:xfrm>
         <a:prstGeom prst="rightArrow">
           <a:avLst>
@@ -21019,7 +20551,7 @@
         </a:bodyPr>
         <a:lstStyle/>
         <a:p>
-          <a:pPr lvl="0" algn="ctr" defTabSz="622300">
+          <a:pPr lvl="0" algn="ctr" defTabSz="1022350">
             <a:lnSpc>
               <a:spcPct val="90000"/>
             </a:lnSpc>
@@ -21030,23 +20562,23 @@
               <a:spcPct val="35000"/>
             </a:spcAft>
           </a:pPr>
-          <a:endParaRPr lang="es-AR" sz="1400" kern="1200"/>
+          <a:endParaRPr lang="es-AR" sz="2300" kern="1200"/>
         </a:p>
       </dsp:txBody>
       <dsp:txXfrm>
-        <a:off x="9506254" y="2570582"/>
-        <a:ext cx="210556" cy="211123"/>
+        <a:off x="8510569" y="2513883"/>
+        <a:ext cx="323648" cy="324521"/>
       </dsp:txXfrm>
     </dsp:sp>
-    <dsp:sp modelId="{C8FA21CD-563A-4072-BBD7-B5D14969E46A}">
+    <dsp:sp modelId="{DB1A1998-783C-4820-B033-1D4EBD55FA49}">
       <dsp:nvSpPr>
         <dsp:cNvPr id="0" name=""/>
         <dsp:cNvSpPr/>
       </dsp:nvSpPr>
       <dsp:spPr>
         <a:xfrm>
-          <a:off x="9931908" y="2092007"/>
-          <a:ext cx="1418844" cy="1168273"/>
+          <a:off x="9164845" y="1778262"/>
+          <a:ext cx="2180918" cy="1795763"/>
         </a:xfrm>
         <a:prstGeom prst="roundRect">
           <a:avLst>
@@ -21111,12 +20643,12 @@
         </a:fontRef>
       </dsp:style>
       <dsp:txBody>
-        <a:bodyPr spcFirstLastPara="0" vert="horz" wrap="square" lIns="68580" tIns="68580" rIns="68580" bIns="68580" numCol="1" spcCol="1270" anchor="ctr" anchorCtr="0">
+        <a:bodyPr spcFirstLastPara="0" vert="horz" wrap="square" lIns="106680" tIns="106680" rIns="106680" bIns="106680" numCol="1" spcCol="1270" anchor="ctr" anchorCtr="0">
           <a:noAutofit/>
         </a:bodyPr>
         <a:lstStyle/>
         <a:p>
-          <a:pPr lvl="0" algn="ctr" defTabSz="800100">
+          <a:pPr lvl="0" algn="ctr" defTabSz="1244600">
             <a:lnSpc>
               <a:spcPct val="90000"/>
             </a:lnSpc>
@@ -21128,15 +20660,15 @@
             </a:spcAft>
           </a:pPr>
           <a:r>
-            <a:rPr lang="es-AR" sz="1800" kern="1200" dirty="0" err="1" smtClean="0"/>
-            <a:t>Flags</a:t>
+            <a:rPr lang="es-AR" sz="2800" kern="1200" dirty="0" smtClean="0"/>
+            <a:t>Información adicional</a:t>
           </a:r>
-          <a:endParaRPr lang="es-AR" sz="1800" kern="1200" dirty="0"/>
+          <a:endParaRPr lang="es-AR" sz="2800" kern="1200" dirty="0"/>
         </a:p>
       </dsp:txBody>
       <dsp:txXfrm>
-        <a:off x="9966126" y="2126225"/>
-        <a:ext cx="1350408" cy="1099837"/>
+        <a:off x="9217441" y="1830858"/>
+        <a:ext cx="2075726" cy="1690571"/>
       </dsp:txXfrm>
     </dsp:sp>
   </dsp:spTree>
@@ -30970,7 +30502,7 @@
           <a:p>
             <a:fld id="{8AFC8558-17CB-4184-A4FF-CF17D394E4EE}" type="datetimeFigureOut">
               <a:rPr lang="es-AR" smtClean="0"/>
-              <a:t>04/03/2015</a:t>
+              <a:t>10/03/2015</a:t>
             </a:fld>
             <a:endParaRPr lang="es-AR"/>
           </a:p>
@@ -31140,7 +30672,7 @@
           <a:p>
             <a:fld id="{8AFC8558-17CB-4184-A4FF-CF17D394E4EE}" type="datetimeFigureOut">
               <a:rPr lang="es-AR" smtClean="0"/>
-              <a:t>04/03/2015</a:t>
+              <a:t>10/03/2015</a:t>
             </a:fld>
             <a:endParaRPr lang="es-AR"/>
           </a:p>
@@ -31320,7 +30852,7 @@
           <a:p>
             <a:fld id="{8AFC8558-17CB-4184-A4FF-CF17D394E4EE}" type="datetimeFigureOut">
               <a:rPr lang="es-AR" smtClean="0"/>
-              <a:t>04/03/2015</a:t>
+              <a:t>10/03/2015</a:t>
             </a:fld>
             <a:endParaRPr lang="es-AR"/>
           </a:p>
@@ -31490,7 +31022,7 @@
           <a:p>
             <a:fld id="{8AFC8558-17CB-4184-A4FF-CF17D394E4EE}" type="datetimeFigureOut">
               <a:rPr lang="es-AR" smtClean="0"/>
-              <a:t>04/03/2015</a:t>
+              <a:t>10/03/2015</a:t>
             </a:fld>
             <a:endParaRPr lang="es-AR"/>
           </a:p>
@@ -31736,7 +31268,7 @@
           <a:p>
             <a:fld id="{8AFC8558-17CB-4184-A4FF-CF17D394E4EE}" type="datetimeFigureOut">
               <a:rPr lang="es-AR" smtClean="0"/>
-              <a:t>04/03/2015</a:t>
+              <a:t>10/03/2015</a:t>
             </a:fld>
             <a:endParaRPr lang="es-AR"/>
           </a:p>
@@ -31968,7 +31500,7 @@
           <a:p>
             <a:fld id="{8AFC8558-17CB-4184-A4FF-CF17D394E4EE}" type="datetimeFigureOut">
               <a:rPr lang="es-AR" smtClean="0"/>
-              <a:t>04/03/2015</a:t>
+              <a:t>10/03/2015</a:t>
             </a:fld>
             <a:endParaRPr lang="es-AR"/>
           </a:p>
@@ -32335,7 +31867,7 @@
           <a:p>
             <a:fld id="{8AFC8558-17CB-4184-A4FF-CF17D394E4EE}" type="datetimeFigureOut">
               <a:rPr lang="es-AR" smtClean="0"/>
-              <a:t>04/03/2015</a:t>
+              <a:t>10/03/2015</a:t>
             </a:fld>
             <a:endParaRPr lang="es-AR"/>
           </a:p>
@@ -32453,7 +31985,7 @@
           <a:p>
             <a:fld id="{8AFC8558-17CB-4184-A4FF-CF17D394E4EE}" type="datetimeFigureOut">
               <a:rPr lang="es-AR" smtClean="0"/>
-              <a:t>04/03/2015</a:t>
+              <a:t>10/03/2015</a:t>
             </a:fld>
             <a:endParaRPr lang="es-AR"/>
           </a:p>
@@ -32548,7 +32080,7 @@
           <a:p>
             <a:fld id="{8AFC8558-17CB-4184-A4FF-CF17D394E4EE}" type="datetimeFigureOut">
               <a:rPr lang="es-AR" smtClean="0"/>
-              <a:t>04/03/2015</a:t>
+              <a:t>10/03/2015</a:t>
             </a:fld>
             <a:endParaRPr lang="es-AR"/>
           </a:p>
@@ -32825,7 +32357,7 @@
           <a:p>
             <a:fld id="{8AFC8558-17CB-4184-A4FF-CF17D394E4EE}" type="datetimeFigureOut">
               <a:rPr lang="es-AR" smtClean="0"/>
-              <a:t>04/03/2015</a:t>
+              <a:t>10/03/2015</a:t>
             </a:fld>
             <a:endParaRPr lang="es-AR"/>
           </a:p>
@@ -33078,7 +32610,7 @@
           <a:p>
             <a:fld id="{8AFC8558-17CB-4184-A4FF-CF17D394E4EE}" type="datetimeFigureOut">
               <a:rPr lang="es-AR" smtClean="0"/>
-              <a:t>04/03/2015</a:t>
+              <a:t>10/03/2015</a:t>
             </a:fld>
             <a:endParaRPr lang="es-AR"/>
           </a:p>
@@ -33291,7 +32823,7 @@
           <a:p>
             <a:fld id="{8AFC8558-17CB-4184-A4FF-CF17D394E4EE}" type="datetimeFigureOut">
               <a:rPr lang="es-AR" smtClean="0"/>
-              <a:t>04/03/2015</a:t>
+              <a:t>10/03/2015</a:t>
             </a:fld>
             <a:endParaRPr lang="es-AR"/>
           </a:p>
@@ -33704,6 +33236,3058 @@
           <a:chExt cx="0" cy="0"/>
         </a:xfrm>
       </p:grpSpPr>
+      <p:sp>
+        <p:nvSpPr>
+          <p:cNvPr id="30" name="PanelBluetoothAdapter" hidden="1"/>
+          <p:cNvSpPr/>
+          <p:nvPr/>
+        </p:nvSpPr>
+        <p:spPr>
+          <a:xfrm>
+            <a:off x="762000" y="1085850"/>
+            <a:ext cx="10972800" cy="5326238"/>
+          </a:xfrm>
+          <a:prstGeom prst="rect">
+            <a:avLst/>
+          </a:prstGeom>
+          <a:solidFill>
+            <a:srgbClr val="989898">
+              <a:alpha val="50196"/>
+            </a:srgbClr>
+          </a:solidFill>
+          <a:scene3d>
+            <a:camera prst="perspectiveHeroicExtremeLeftFacing" fov="0">
+              <a:rot lat="21000000" lon="21000000" rev="120000"/>
+            </a:camera>
+            <a:lightRig rig="threePt" dir="t"/>
+          </a:scene3d>
+        </p:spPr>
+        <p:style>
+          <a:lnRef idx="2">
+            <a:schemeClr val="accent1">
+              <a:shade val="50000"/>
+            </a:schemeClr>
+          </a:lnRef>
+          <a:fillRef idx="1">
+            <a:schemeClr val="accent1"/>
+          </a:fillRef>
+          <a:effectRef idx="0">
+            <a:schemeClr val="accent1"/>
+          </a:effectRef>
+          <a:fontRef idx="minor">
+            <a:schemeClr val="lt1"/>
+          </a:fontRef>
+        </p:style>
+        <p:txBody>
+          <a:bodyPr rtlCol="0" anchor="t"/>
+          <a:lstStyle/>
+          <a:p>
+            <a:r>
+              <a:rPr lang="es-AR" sz="2800" b="1" dirty="0" err="1" smtClean="0"/>
+              <a:t>BluetoothAdapter</a:t>
+            </a:r>
+            <a:endParaRPr lang="es-AR" sz="2800" b="1" dirty="0" smtClean="0"/>
+          </a:p>
+          <a:p>
+            <a:endParaRPr lang="es-AR" sz="2800" b="1" dirty="0"/>
+          </a:p>
+        </p:txBody>
+      </p:sp>
+      <p:grpSp>
+        <p:nvGrpSpPr>
+          <p:cNvPr id="9" name="Group 8"/>
+          <p:cNvGrpSpPr/>
+          <p:nvPr/>
+        </p:nvGrpSpPr>
+        <p:grpSpPr>
+          <a:xfrm>
+            <a:off x="9449215" y="3740317"/>
+            <a:ext cx="2391515" cy="2794769"/>
+            <a:chOff x="9449215" y="3740317"/>
+            <a:chExt cx="2391515" cy="2794769"/>
+          </a:xfrm>
+        </p:grpSpPr>
+        <p:grpSp>
+          <p:nvGrpSpPr>
+            <p:cNvPr id="20" name="Group 19"/>
+            <p:cNvGrpSpPr/>
+            <p:nvPr/>
+          </p:nvGrpSpPr>
+          <p:grpSpPr>
+            <a:xfrm>
+              <a:off x="9449215" y="3740317"/>
+              <a:ext cx="454240" cy="2779699"/>
+              <a:chOff x="4423332" y="2137119"/>
+              <a:chExt cx="454240" cy="2779699"/>
+            </a:xfrm>
+          </p:grpSpPr>
+          <p:pic>
+            <p:nvPicPr>
+              <p:cNvPr id="24" name="Picture 23"/>
+              <p:cNvPicPr>
+                <a:picLocks noChangeAspect="1"/>
+              </p:cNvPicPr>
+              <p:nvPr/>
+            </p:nvPicPr>
+            <p:blipFill rotWithShape="1">
+              <a:blip r:embed="rId2">
+                <a:extLst>
+                  <a:ext uri="{28A0092B-C50C-407E-A947-70E740481C1C}">
+                    <a14:useLocalDpi xmlns:a14="http://schemas.microsoft.com/office/drawing/2010/main" val="0"/>
+                  </a:ext>
+                </a:extLst>
+              </a:blip>
+              <a:srcRect r="83432"/>
+              <a:stretch/>
+            </p:blipFill>
+            <p:spPr>
+              <a:xfrm>
+                <a:off x="4423332" y="2137119"/>
+                <a:ext cx="392208" cy="2779699"/>
+              </a:xfrm>
+              <a:prstGeom prst="rect">
+                <a:avLst/>
+              </a:prstGeom>
+            </p:spPr>
+          </p:pic>
+          <p:pic>
+            <p:nvPicPr>
+              <p:cNvPr id="25" name="Picture 24"/>
+              <p:cNvPicPr>
+                <a:picLocks noChangeAspect="1"/>
+              </p:cNvPicPr>
+              <p:nvPr/>
+            </p:nvPicPr>
+            <p:blipFill rotWithShape="1">
+              <a:blip r:embed="rId2">
+                <a:extLst>
+                  <a:ext uri="{28A0092B-C50C-407E-A947-70E740481C1C}">
+                    <a14:useLocalDpi xmlns:a14="http://schemas.microsoft.com/office/drawing/2010/main" val="0"/>
+                  </a:ext>
+                </a:extLst>
+              </a:blip>
+              <a:srcRect l="97380"/>
+              <a:stretch/>
+            </p:blipFill>
+            <p:spPr>
+              <a:xfrm>
+                <a:off x="4815540" y="2137119"/>
+                <a:ext cx="62032" cy="2779699"/>
+              </a:xfrm>
+              <a:prstGeom prst="rect">
+                <a:avLst/>
+              </a:prstGeom>
+            </p:spPr>
+          </p:pic>
+        </p:grpSp>
+        <p:grpSp>
+          <p:nvGrpSpPr>
+            <p:cNvPr id="27" name="Group 26"/>
+            <p:cNvGrpSpPr/>
+            <p:nvPr/>
+          </p:nvGrpSpPr>
+          <p:grpSpPr>
+            <a:xfrm>
+              <a:off x="11386490" y="3755385"/>
+              <a:ext cx="454240" cy="2779699"/>
+              <a:chOff x="4423332" y="2137119"/>
+              <a:chExt cx="454240" cy="2779699"/>
+            </a:xfrm>
+          </p:grpSpPr>
+          <p:pic>
+            <p:nvPicPr>
+              <p:cNvPr id="28" name="Picture 27"/>
+              <p:cNvPicPr>
+                <a:picLocks noChangeAspect="1"/>
+              </p:cNvPicPr>
+              <p:nvPr/>
+            </p:nvPicPr>
+            <p:blipFill rotWithShape="1">
+              <a:blip r:embed="rId2">
+                <a:extLst>
+                  <a:ext uri="{28A0092B-C50C-407E-A947-70E740481C1C}">
+                    <a14:useLocalDpi xmlns:a14="http://schemas.microsoft.com/office/drawing/2010/main" val="0"/>
+                  </a:ext>
+                </a:extLst>
+              </a:blip>
+              <a:srcRect r="83432"/>
+              <a:stretch/>
+            </p:blipFill>
+            <p:spPr>
+              <a:xfrm>
+                <a:off x="4423332" y="2137119"/>
+                <a:ext cx="392208" cy="2779699"/>
+              </a:xfrm>
+              <a:prstGeom prst="rect">
+                <a:avLst/>
+              </a:prstGeom>
+            </p:spPr>
+          </p:pic>
+          <p:pic>
+            <p:nvPicPr>
+              <p:cNvPr id="31" name="Picture 30"/>
+              <p:cNvPicPr>
+                <a:picLocks noChangeAspect="1"/>
+              </p:cNvPicPr>
+              <p:nvPr/>
+            </p:nvPicPr>
+            <p:blipFill rotWithShape="1">
+              <a:blip r:embed="rId2">
+                <a:extLst>
+                  <a:ext uri="{28A0092B-C50C-407E-A947-70E740481C1C}">
+                    <a14:useLocalDpi xmlns:a14="http://schemas.microsoft.com/office/drawing/2010/main" val="0"/>
+                  </a:ext>
+                </a:extLst>
+              </a:blip>
+              <a:srcRect l="97380"/>
+              <a:stretch/>
+            </p:blipFill>
+            <p:spPr>
+              <a:xfrm>
+                <a:off x="4815540" y="2137119"/>
+                <a:ext cx="62032" cy="2779699"/>
+              </a:xfrm>
+              <a:prstGeom prst="rect">
+                <a:avLst/>
+              </a:prstGeom>
+            </p:spPr>
+          </p:pic>
+        </p:grpSp>
+        <p:pic>
+          <p:nvPicPr>
+            <p:cNvPr id="19" name="Picture 18"/>
+            <p:cNvPicPr>
+              <a:picLocks noChangeAspect="1"/>
+            </p:cNvPicPr>
+            <p:nvPr/>
+          </p:nvPicPr>
+          <p:blipFill rotWithShape="1">
+            <a:blip r:embed="rId2">
+              <a:extLst>
+                <a:ext uri="{28A0092B-C50C-407E-A947-70E740481C1C}">
+                  <a14:useLocalDpi xmlns:a14="http://schemas.microsoft.com/office/drawing/2010/main" val="0"/>
+                </a:ext>
+              </a:extLst>
+            </a:blip>
+            <a:srcRect l="16660" r="16264"/>
+            <a:stretch/>
+          </p:blipFill>
+          <p:spPr>
+            <a:xfrm>
+              <a:off x="9860591" y="3755387"/>
+              <a:ext cx="1587931" cy="2779699"/>
+            </a:xfrm>
+            <a:prstGeom prst="rect">
+              <a:avLst/>
+            </a:prstGeom>
+          </p:spPr>
+        </p:pic>
+      </p:grpSp>
+      <p:grpSp>
+        <p:nvGrpSpPr>
+          <p:cNvPr id="3" name="Group 2"/>
+          <p:cNvGrpSpPr/>
+          <p:nvPr/>
+        </p:nvGrpSpPr>
+        <p:grpSpPr>
+          <a:xfrm>
+            <a:off x="-4882938" y="114300"/>
+            <a:ext cx="4682915" cy="762000"/>
+            <a:chOff x="5605501" y="4738334"/>
+            <a:chExt cx="4682915" cy="762000"/>
+          </a:xfrm>
+        </p:grpSpPr>
+        <p:pic>
+          <p:nvPicPr>
+            <p:cNvPr id="45" name="Picture 44"/>
+            <p:cNvPicPr>
+              <a:picLocks noChangeAspect="1"/>
+            </p:cNvPicPr>
+            <p:nvPr/>
+          </p:nvPicPr>
+          <p:blipFill>
+            <a:blip r:embed="rId3" cstate="print">
+              <a:extLst>
+                <a:ext uri="{28A0092B-C50C-407E-A947-70E740481C1C}">
+                  <a14:useLocalDpi xmlns:a14="http://schemas.microsoft.com/office/drawing/2010/main" val="0"/>
+                </a:ext>
+              </a:extLst>
+            </a:blip>
+            <a:stretch>
+              <a:fillRect/>
+            </a:stretch>
+          </p:blipFill>
+          <p:spPr>
+            <a:xfrm>
+              <a:off x="5605501" y="4738334"/>
+              <a:ext cx="2278480" cy="762000"/>
+            </a:xfrm>
+            <a:prstGeom prst="rect">
+              <a:avLst/>
+            </a:prstGeom>
+          </p:spPr>
+        </p:pic>
+        <p:pic>
+          <p:nvPicPr>
+            <p:cNvPr id="46" name="Picture 45"/>
+            <p:cNvPicPr>
+              <a:picLocks noChangeAspect="1"/>
+            </p:cNvPicPr>
+            <p:nvPr/>
+          </p:nvPicPr>
+          <p:blipFill>
+            <a:blip r:embed="rId3" cstate="print">
+              <a:extLst>
+                <a:ext uri="{28A0092B-C50C-407E-A947-70E740481C1C}">
+                  <a14:useLocalDpi xmlns:a14="http://schemas.microsoft.com/office/drawing/2010/main" val="0"/>
+                </a:ext>
+              </a:extLst>
+            </a:blip>
+            <a:stretch>
+              <a:fillRect/>
+            </a:stretch>
+          </p:blipFill>
+          <p:spPr>
+            <a:xfrm>
+              <a:off x="8009936" y="4738334"/>
+              <a:ext cx="2278480" cy="762000"/>
+            </a:xfrm>
+            <a:prstGeom prst="rect">
+              <a:avLst/>
+            </a:prstGeom>
+          </p:spPr>
+        </p:pic>
+      </p:grpSp>
+      <p:sp>
+        <p:nvSpPr>
+          <p:cNvPr id="4" name="TextBox 3"/>
+          <p:cNvSpPr txBox="1"/>
+          <p:nvPr/>
+        </p:nvSpPr>
+        <p:spPr>
+          <a:xfrm>
+            <a:off x="650271" y="1728101"/>
+            <a:ext cx="5796673" cy="1631216"/>
+          </a:xfrm>
+          <a:prstGeom prst="rect">
+            <a:avLst/>
+          </a:prstGeom>
+          <a:noFill/>
+        </p:spPr>
+        <p:txBody>
+          <a:bodyPr wrap="square" rtlCol="0">
+            <a:spAutoFit/>
+          </a:bodyPr>
+          <a:lstStyle/>
+          <a:p>
+            <a:r>
+              <a:rPr lang="es-AR" sz="10000" b="1" dirty="0" smtClean="0">
+                <a:ln w="12700">
+                  <a:solidFill>
+                    <a:schemeClr val="accent3">
+                      <a:lumMod val="50000"/>
+                    </a:schemeClr>
+                  </a:solidFill>
+                  <a:prstDash val="solid"/>
+                </a:ln>
+                <a:pattFill prst="narHorz">
+                  <a:fgClr>
+                    <a:schemeClr val="accent3"/>
+                  </a:fgClr>
+                  <a:bgClr>
+                    <a:schemeClr val="accent3">
+                      <a:lumMod val="40000"/>
+                      <a:lumOff val="60000"/>
+                    </a:schemeClr>
+                  </a:bgClr>
+                </a:pattFill>
+                <a:effectLst>
+                  <a:innerShdw blurRad="177800">
+                    <a:schemeClr val="accent3">
+                      <a:lumMod val="50000"/>
+                    </a:schemeClr>
+                  </a:innerShdw>
+                </a:effectLst>
+              </a:rPr>
+              <a:t>Android</a:t>
+            </a:r>
+            <a:endParaRPr lang="es-AR" sz="10000" b="1" dirty="0">
+              <a:ln w="12700">
+                <a:solidFill>
+                  <a:schemeClr val="accent3">
+                    <a:lumMod val="50000"/>
+                  </a:schemeClr>
+                </a:solidFill>
+                <a:prstDash val="solid"/>
+              </a:ln>
+              <a:pattFill prst="narHorz">
+                <a:fgClr>
+                  <a:schemeClr val="accent3"/>
+                </a:fgClr>
+                <a:bgClr>
+                  <a:schemeClr val="accent3">
+                    <a:lumMod val="40000"/>
+                    <a:lumOff val="60000"/>
+                  </a:schemeClr>
+                </a:bgClr>
+              </a:pattFill>
+              <a:effectLst>
+                <a:innerShdw blurRad="177800">
+                  <a:schemeClr val="accent3">
+                    <a:lumMod val="50000"/>
+                  </a:schemeClr>
+                </a:innerShdw>
+              </a:effectLst>
+            </a:endParaRPr>
+          </a:p>
+        </p:txBody>
+      </p:sp>
+      <p:cxnSp>
+        <p:nvCxnSpPr>
+          <p:cNvPr id="7" name="Straight Connector 6"/>
+          <p:cNvCxnSpPr/>
+          <p:nvPr/>
+        </p:nvCxnSpPr>
+        <p:spPr>
+          <a:xfrm>
+            <a:off x="0" y="3198259"/>
+            <a:ext cx="12192000" cy="0"/>
+          </a:xfrm>
+          <a:prstGeom prst="line">
+            <a:avLst/>
+          </a:prstGeom>
+          <a:ln/>
+        </p:spPr>
+        <p:style>
+          <a:lnRef idx="3">
+            <a:schemeClr val="accent6"/>
+          </a:lnRef>
+          <a:fillRef idx="0">
+            <a:schemeClr val="accent6"/>
+          </a:fillRef>
+          <a:effectRef idx="2">
+            <a:schemeClr val="accent6"/>
+          </a:effectRef>
+          <a:fontRef idx="minor">
+            <a:schemeClr val="tx1"/>
+          </a:fontRef>
+        </p:style>
+      </p:cxnSp>
+      <p:sp>
+        <p:nvSpPr>
+          <p:cNvPr id="8" name="TextBox 7"/>
+          <p:cNvSpPr txBox="1"/>
+          <p:nvPr/>
+        </p:nvSpPr>
+        <p:spPr>
+          <a:xfrm>
+            <a:off x="796342" y="3552650"/>
+            <a:ext cx="5104396" cy="2862322"/>
+          </a:xfrm>
+          <a:prstGeom prst="rect">
+            <a:avLst/>
+          </a:prstGeom>
+          <a:noFill/>
+        </p:spPr>
+        <p:txBody>
+          <a:bodyPr wrap="square" rtlCol="0">
+            <a:spAutoFit/>
+            <a:scene3d>
+              <a:camera prst="orthographicFront"/>
+              <a:lightRig rig="harsh" dir="t"/>
+            </a:scene3d>
+            <a:sp3d extrusionH="57150" prstMaterial="matte">
+              <a:bevelT w="63500" h="12700" prst="angle"/>
+              <a:contourClr>
+                <a:schemeClr val="bg1">
+                  <a:lumMod val="65000"/>
+                </a:schemeClr>
+              </a:contourClr>
+            </a:sp3d>
+          </a:bodyPr>
+          <a:lstStyle/>
+          <a:p>
+            <a:pPr marL="285750" indent="-285750">
+              <a:lnSpc>
+                <a:spcPct val="150000"/>
+              </a:lnSpc>
+              <a:buFont typeface="Arial" panose="020B0604020202020204" pitchFamily="34" charset="0"/>
+              <a:buChar char="•"/>
+            </a:pPr>
+            <a:r>
+              <a:rPr lang="es-AR" sz="3000" b="1" dirty="0" smtClean="0">
+                <a:ln/>
+                <a:solidFill>
+                  <a:schemeClr val="accent3"/>
+                </a:solidFill>
+              </a:rPr>
+              <a:t>Mauricio Fontana</a:t>
+            </a:r>
+          </a:p>
+          <a:p>
+            <a:pPr marL="285750" indent="-285750">
+              <a:lnSpc>
+                <a:spcPct val="150000"/>
+              </a:lnSpc>
+              <a:buFont typeface="Arial" panose="020B0604020202020204" pitchFamily="34" charset="0"/>
+              <a:buChar char="•"/>
+            </a:pPr>
+            <a:r>
+              <a:rPr lang="es-AR" sz="3000" b="1" dirty="0" smtClean="0">
+                <a:ln/>
+                <a:solidFill>
+                  <a:schemeClr val="accent3"/>
+                </a:solidFill>
+              </a:rPr>
+              <a:t>José Cullen</a:t>
+            </a:r>
+          </a:p>
+          <a:p>
+            <a:pPr marL="285750" indent="-285750">
+              <a:lnSpc>
+                <a:spcPct val="150000"/>
+              </a:lnSpc>
+              <a:buFont typeface="Arial" panose="020B0604020202020204" pitchFamily="34" charset="0"/>
+              <a:buChar char="•"/>
+            </a:pPr>
+            <a:r>
+              <a:rPr lang="es-AR" sz="3000" b="1" dirty="0" smtClean="0">
+                <a:ln/>
+                <a:solidFill>
+                  <a:schemeClr val="accent3"/>
+                </a:solidFill>
+              </a:rPr>
+              <a:t>Mara Jerkovic</a:t>
+            </a:r>
+          </a:p>
+          <a:p>
+            <a:pPr marL="285750" indent="-285750">
+              <a:lnSpc>
+                <a:spcPct val="150000"/>
+              </a:lnSpc>
+              <a:buFont typeface="Arial" panose="020B0604020202020204" pitchFamily="34" charset="0"/>
+              <a:buChar char="•"/>
+            </a:pPr>
+            <a:r>
+              <a:rPr lang="es-AR" sz="3000" b="1" dirty="0" smtClean="0">
+                <a:ln/>
+                <a:solidFill>
+                  <a:schemeClr val="accent3"/>
+                </a:solidFill>
+              </a:rPr>
+              <a:t>Fernando Iglesias</a:t>
+            </a:r>
+            <a:endParaRPr lang="es-AR" sz="3000" b="1" dirty="0">
+              <a:ln/>
+              <a:solidFill>
+                <a:schemeClr val="accent3"/>
+              </a:solidFill>
+            </a:endParaRPr>
+          </a:p>
+        </p:txBody>
+      </p:sp>
+    </p:spTree>
+    <p:extLst>
+      <p:ext uri="{BB962C8B-B14F-4D97-AF65-F5344CB8AC3E}">
+        <p14:creationId xmlns:p14="http://schemas.microsoft.com/office/powerpoint/2010/main" val="843876661"/>
+      </p:ext>
+    </p:extLst>
+  </p:cSld>
+  <p:clrMapOvr>
+    <a:masterClrMapping/>
+  </p:clrMapOvr>
+  <p:timing>
+    <p:tnLst>
+      <p:par>
+        <p:cTn id="1" dur="indefinite" restart="never" nodeType="tmRoot">
+          <p:childTnLst>
+            <p:seq concurrent="1" nextAc="seek">
+              <p:cTn id="2" dur="indefinite" nodeType="mainSeq">
+                <p:childTnLst>
+                  <p:par>
+                    <p:cTn id="3" fill="hold">
+                      <p:stCondLst>
+                        <p:cond delay="indefinite"/>
+                        <p:cond evt="onBegin" delay="0">
+                          <p:tn val="2"/>
+                        </p:cond>
+                      </p:stCondLst>
+                      <p:childTnLst>
+                        <p:par>
+                          <p:cTn id="4" fill="hold">
+                            <p:stCondLst>
+                              <p:cond delay="0"/>
+                            </p:stCondLst>
+                            <p:childTnLst>
+                              <p:par>
+                                <p:cTn id="5" presetID="42" presetClass="path" presetSubtype="0" repeatCount="10000" accel="50000" decel="50000" fill="hold" nodeType="withEffect">
+                                  <p:stCondLst>
+                                    <p:cond delay="0"/>
+                                  </p:stCondLst>
+                                  <p:childTnLst>
+                                    <p:animMotion origin="layout" path="M 0.0151 -0.00347 L 1.40143 -0.00347 " pathEditMode="relative" rAng="0" ptsTypes="AA">
+                                      <p:cBhvr>
+                                        <p:cTn id="6" dur="5000" fill="hold"/>
+                                        <p:tgtEl>
+                                          <p:spTgt spid="3"/>
+                                        </p:tgtEl>
+                                        <p:attrNameLst>
+                                          <p:attrName>ppt_x</p:attrName>
+                                          <p:attrName>ppt_y</p:attrName>
+                                        </p:attrNameLst>
+                                      </p:cBhvr>
+                                      <p:rCtr x="69310" y="0"/>
+                                    </p:animMotion>
+                                  </p:childTnLst>
+                                </p:cTn>
+                              </p:par>
+                            </p:childTnLst>
+                          </p:cTn>
+                        </p:par>
+                      </p:childTnLst>
+                    </p:cTn>
+                  </p:par>
+                </p:childTnLst>
+              </p:cTn>
+              <p:prevCondLst>
+                <p:cond evt="onPrev" delay="0">
+                  <p:tgtEl>
+                    <p:sldTgt/>
+                  </p:tgtEl>
+                </p:cond>
+              </p:prevCondLst>
+              <p:nextCondLst>
+                <p:cond evt="onNext" delay="0">
+                  <p:tgtEl>
+                    <p:sldTgt/>
+                  </p:tgtEl>
+                </p:cond>
+              </p:nextCondLst>
+            </p:seq>
+          </p:childTnLst>
+        </p:cTn>
+      </p:par>
+    </p:tnLst>
+  </p:timing>
+</p:sld>
+</file>
+
+<file path=ppt/slides/slide10.xml><?xml version="1.0" encoding="utf-8"?>
+<p:sld xmlns:a="http://schemas.openxmlformats.org/drawingml/2006/main" xmlns:r="http://schemas.openxmlformats.org/officeDocument/2006/relationships" xmlns:p="http://schemas.openxmlformats.org/presentationml/2006/main">
+  <p:cSld>
+    <p:bg>
+      <p:bgPr>
+        <a:solidFill>
+          <a:schemeClr val="tx2"/>
+        </a:solidFill>
+        <a:effectLst/>
+      </p:bgPr>
+    </p:bg>
+    <p:spTree>
+      <p:nvGrpSpPr>
+        <p:cNvPr id="1" name=""/>
+        <p:cNvGrpSpPr/>
+        <p:nvPr/>
+      </p:nvGrpSpPr>
+      <p:grpSpPr>
+        <a:xfrm>
+          <a:off x="0" y="0"/>
+          <a:ext cx="0" cy="0"/>
+          <a:chOff x="0" y="0"/>
+          <a:chExt cx="0" cy="0"/>
+        </a:xfrm>
+      </p:grpSpPr>
+      <p:sp>
+        <p:nvSpPr>
+          <p:cNvPr id="22" name="Título"/>
+          <p:cNvSpPr txBox="1"/>
+          <p:nvPr/>
+        </p:nvSpPr>
+        <p:spPr>
+          <a:xfrm>
+            <a:off x="246159" y="263053"/>
+            <a:ext cx="5991384" cy="646331"/>
+          </a:xfrm>
+          <a:prstGeom prst="rect">
+            <a:avLst/>
+          </a:prstGeom>
+          <a:noFill/>
+        </p:spPr>
+        <p:txBody>
+          <a:bodyPr wrap="none" rtlCol="0">
+            <a:spAutoFit/>
+          </a:bodyPr>
+          <a:lstStyle/>
+          <a:p>
+            <a:r>
+              <a:rPr lang="es-AR" sz="3600" dirty="0" smtClean="0">
+                <a:solidFill>
+                  <a:schemeClr val="bg1"/>
+                </a:solidFill>
+              </a:rPr>
+              <a:t>¿Cómo se construye un Intent?</a:t>
+            </a:r>
+            <a:endParaRPr lang="es-AR" sz="3600" dirty="0">
+              <a:solidFill>
+                <a:schemeClr val="bg1"/>
+              </a:solidFill>
+            </a:endParaRPr>
+          </a:p>
+        </p:txBody>
+      </p:sp>
+      <p:sp>
+        <p:nvSpPr>
+          <p:cNvPr id="23" name="btnVerCodigo"/>
+          <p:cNvSpPr/>
+          <p:nvPr/>
+        </p:nvSpPr>
+        <p:spPr>
+          <a:xfrm>
+            <a:off x="155414" y="6100647"/>
+            <a:ext cx="2697500" cy="476250"/>
+          </a:xfrm>
+          <a:prstGeom prst="roundRect">
+            <a:avLst/>
+          </a:prstGeom>
+        </p:spPr>
+        <p:style>
+          <a:lnRef idx="0">
+            <a:schemeClr val="accent5"/>
+          </a:lnRef>
+          <a:fillRef idx="3">
+            <a:schemeClr val="accent5"/>
+          </a:fillRef>
+          <a:effectRef idx="3">
+            <a:schemeClr val="accent5"/>
+          </a:effectRef>
+          <a:fontRef idx="minor">
+            <a:schemeClr val="lt1"/>
+          </a:fontRef>
+        </p:style>
+        <p:txBody>
+          <a:bodyPr rtlCol="0" anchor="ctr"/>
+          <a:lstStyle/>
+          <a:p>
+            <a:pPr algn="ctr"/>
+            <a:r>
+              <a:rPr lang="es-AR" sz="2400" dirty="0" smtClean="0"/>
+              <a:t>Ver Código</a:t>
+            </a:r>
+            <a:endParaRPr lang="es-AR" sz="2400" dirty="0"/>
+          </a:p>
+        </p:txBody>
+      </p:sp>
+      <p:sp>
+        <p:nvSpPr>
+          <p:cNvPr id="29" name="btnOcultarCodigo"/>
+          <p:cNvSpPr/>
+          <p:nvPr/>
+        </p:nvSpPr>
+        <p:spPr>
+          <a:xfrm>
+            <a:off x="3048620" y="6100647"/>
+            <a:ext cx="2697500" cy="476250"/>
+          </a:xfrm>
+          <a:prstGeom prst="roundRect">
+            <a:avLst/>
+          </a:prstGeom>
+        </p:spPr>
+        <p:style>
+          <a:lnRef idx="0">
+            <a:schemeClr val="accent5"/>
+          </a:lnRef>
+          <a:fillRef idx="3">
+            <a:schemeClr val="accent5"/>
+          </a:fillRef>
+          <a:effectRef idx="3">
+            <a:schemeClr val="accent5"/>
+          </a:effectRef>
+          <a:fontRef idx="minor">
+            <a:schemeClr val="lt1"/>
+          </a:fontRef>
+        </p:style>
+        <p:txBody>
+          <a:bodyPr rtlCol="0" anchor="ctr"/>
+          <a:lstStyle/>
+          <a:p>
+            <a:pPr algn="ctr"/>
+            <a:r>
+              <a:rPr lang="es-AR" sz="2400" dirty="0" smtClean="0"/>
+              <a:t>Ocultar Código</a:t>
+            </a:r>
+            <a:endParaRPr lang="es-AR" sz="2400" dirty="0"/>
+          </a:p>
+        </p:txBody>
+      </p:sp>
+      <p:sp>
+        <p:nvSpPr>
+          <p:cNvPr id="30" name="PanelBluetoothAdapter" hidden="1"/>
+          <p:cNvSpPr/>
+          <p:nvPr/>
+        </p:nvSpPr>
+        <p:spPr>
+          <a:xfrm>
+            <a:off x="762000" y="1085850"/>
+            <a:ext cx="10972800" cy="5326238"/>
+          </a:xfrm>
+          <a:prstGeom prst="rect">
+            <a:avLst/>
+          </a:prstGeom>
+          <a:solidFill>
+            <a:srgbClr val="989898">
+              <a:alpha val="50196"/>
+            </a:srgbClr>
+          </a:solidFill>
+          <a:scene3d>
+            <a:camera prst="perspectiveHeroicExtremeLeftFacing" fov="0">
+              <a:rot lat="21000000" lon="21000000" rev="120000"/>
+            </a:camera>
+            <a:lightRig rig="threePt" dir="t"/>
+          </a:scene3d>
+        </p:spPr>
+        <p:style>
+          <a:lnRef idx="2">
+            <a:schemeClr val="accent1">
+              <a:shade val="50000"/>
+            </a:schemeClr>
+          </a:lnRef>
+          <a:fillRef idx="1">
+            <a:schemeClr val="accent1"/>
+          </a:fillRef>
+          <a:effectRef idx="0">
+            <a:schemeClr val="accent1"/>
+          </a:effectRef>
+          <a:fontRef idx="minor">
+            <a:schemeClr val="lt1"/>
+          </a:fontRef>
+        </p:style>
+        <p:txBody>
+          <a:bodyPr rtlCol="0" anchor="t"/>
+          <a:lstStyle/>
+          <a:p>
+            <a:r>
+              <a:rPr lang="es-AR" sz="2800" b="1" dirty="0" err="1" smtClean="0"/>
+              <a:t>BluetoothAdapter</a:t>
+            </a:r>
+            <a:endParaRPr lang="es-AR" sz="2800" b="1" dirty="0" smtClean="0"/>
+          </a:p>
+          <a:p>
+            <a:endParaRPr lang="es-AR" sz="2800" b="1" dirty="0"/>
+          </a:p>
+        </p:txBody>
+      </p:sp>
+      <p:sp>
+        <p:nvSpPr>
+          <p:cNvPr id="15" name="TextBox 14"/>
+          <p:cNvSpPr txBox="1"/>
+          <p:nvPr/>
+        </p:nvSpPr>
+        <p:spPr>
+          <a:xfrm>
+            <a:off x="589118" y="1188985"/>
+            <a:ext cx="10710764" cy="1200329"/>
+          </a:xfrm>
+          <a:prstGeom prst="rect">
+            <a:avLst/>
+          </a:prstGeom>
+          <a:noFill/>
+        </p:spPr>
+        <p:txBody>
+          <a:bodyPr wrap="square" rtlCol="0">
+            <a:spAutoFit/>
+          </a:bodyPr>
+          <a:lstStyle/>
+          <a:p>
+            <a:pPr marL="285750" indent="-285750">
+              <a:buFont typeface="Wingdings" panose="05000000000000000000" pitchFamily="2" charset="2"/>
+              <a:buChar char="§"/>
+            </a:pPr>
+            <a:r>
+              <a:rPr lang="en-US" sz="2400" b="1" dirty="0" err="1" smtClean="0">
+                <a:ln w="12700" cmpd="sng">
+                  <a:noFill/>
+                  <a:prstDash val="solid"/>
+                </a:ln>
+                <a:solidFill>
+                  <a:srgbClr val="FF9999"/>
+                </a:solidFill>
+              </a:rPr>
+              <a:t>Lleva</a:t>
+            </a:r>
+            <a:r>
+              <a:rPr lang="en-US" sz="2400" b="1" dirty="0" smtClean="0">
+                <a:ln w="12700" cmpd="sng">
+                  <a:noFill/>
+                  <a:prstDash val="solid"/>
+                </a:ln>
+                <a:solidFill>
+                  <a:srgbClr val="FF9999"/>
+                </a:solidFill>
+              </a:rPr>
+              <a:t> </a:t>
+            </a:r>
+            <a:r>
+              <a:rPr lang="en-US" sz="2400" b="1" dirty="0" err="1" smtClean="0">
+                <a:ln w="12700" cmpd="sng">
+                  <a:noFill/>
+                  <a:prstDash val="solid"/>
+                </a:ln>
+                <a:solidFill>
+                  <a:srgbClr val="FF9999"/>
+                </a:solidFill>
+              </a:rPr>
+              <a:t>información</a:t>
+            </a:r>
+            <a:r>
+              <a:rPr lang="en-US" sz="2400" b="1" dirty="0" smtClean="0">
+                <a:ln w="12700" cmpd="sng">
+                  <a:noFill/>
+                  <a:prstDash val="solid"/>
+                </a:ln>
+                <a:solidFill>
+                  <a:srgbClr val="FF9999"/>
+                </a:solidFill>
+              </a:rPr>
+              <a:t> </a:t>
+            </a:r>
+            <a:r>
+              <a:rPr lang="en-US" sz="2400" b="1" dirty="0" err="1" smtClean="0">
+                <a:ln w="12700" cmpd="sng">
+                  <a:noFill/>
+                  <a:prstDash val="solid"/>
+                </a:ln>
+                <a:solidFill>
+                  <a:srgbClr val="FF9999"/>
+                </a:solidFill>
+              </a:rPr>
+              <a:t>que</a:t>
+            </a:r>
+            <a:r>
+              <a:rPr lang="en-US" sz="2400" b="1" dirty="0" smtClean="0">
+                <a:ln w="12700" cmpd="sng">
+                  <a:noFill/>
+                  <a:prstDash val="solid"/>
+                </a:ln>
+                <a:solidFill>
+                  <a:srgbClr val="FF9999"/>
+                </a:solidFill>
+              </a:rPr>
+              <a:t> Android </a:t>
+            </a:r>
+            <a:r>
+              <a:rPr lang="en-US" sz="2400" b="1" dirty="0" err="1" smtClean="0">
+                <a:ln w="12700" cmpd="sng">
+                  <a:noFill/>
+                  <a:prstDash val="solid"/>
+                </a:ln>
+                <a:solidFill>
+                  <a:srgbClr val="FF9999"/>
+                </a:solidFill>
+              </a:rPr>
+              <a:t>usa</a:t>
+            </a:r>
+            <a:r>
+              <a:rPr lang="en-US" sz="2400" b="1" dirty="0" smtClean="0">
+                <a:ln w="12700" cmpd="sng">
+                  <a:noFill/>
+                  <a:prstDash val="solid"/>
+                </a:ln>
+                <a:solidFill>
+                  <a:srgbClr val="FF9999"/>
+                </a:solidFill>
+              </a:rPr>
+              <a:t> para </a:t>
+            </a:r>
+            <a:r>
+              <a:rPr lang="en-US" sz="2400" b="1" dirty="0" err="1" smtClean="0">
+                <a:ln w="12700" cmpd="sng">
+                  <a:noFill/>
+                  <a:prstDash val="solid"/>
+                </a:ln>
+                <a:solidFill>
+                  <a:srgbClr val="FF9999"/>
+                </a:solidFill>
+              </a:rPr>
+              <a:t>determinar</a:t>
+            </a:r>
+            <a:r>
+              <a:rPr lang="en-US" sz="2400" b="1" dirty="0" smtClean="0">
+                <a:ln w="12700" cmpd="sng">
+                  <a:noFill/>
+                  <a:prstDash val="solid"/>
+                </a:ln>
+                <a:solidFill>
+                  <a:srgbClr val="FF9999"/>
+                </a:solidFill>
+              </a:rPr>
+              <a:t> </a:t>
+            </a:r>
+            <a:r>
+              <a:rPr lang="en-US" sz="2400" b="1" dirty="0" err="1" smtClean="0">
+                <a:ln w="12700" cmpd="sng">
+                  <a:noFill/>
+                  <a:prstDash val="solid"/>
+                </a:ln>
+                <a:solidFill>
+                  <a:srgbClr val="FF9999"/>
+                </a:solidFill>
+              </a:rPr>
+              <a:t>qué</a:t>
+            </a:r>
+            <a:r>
+              <a:rPr lang="en-US" sz="2400" b="1" dirty="0" smtClean="0">
+                <a:ln w="12700" cmpd="sng">
+                  <a:noFill/>
+                  <a:prstDash val="solid"/>
+                </a:ln>
+                <a:solidFill>
+                  <a:srgbClr val="FF9999"/>
+                </a:solidFill>
+              </a:rPr>
+              <a:t> </a:t>
+            </a:r>
+            <a:r>
+              <a:rPr lang="en-US" sz="2400" b="1" dirty="0" err="1" smtClean="0">
+                <a:ln w="12700" cmpd="sng">
+                  <a:noFill/>
+                  <a:prstDash val="solid"/>
+                </a:ln>
+                <a:solidFill>
+                  <a:srgbClr val="FF9999"/>
+                </a:solidFill>
+              </a:rPr>
+              <a:t>componente</a:t>
+            </a:r>
+            <a:r>
+              <a:rPr lang="en-US" sz="2400" b="1" dirty="0" smtClean="0">
+                <a:ln w="12700" cmpd="sng">
+                  <a:noFill/>
+                  <a:prstDash val="solid"/>
+                </a:ln>
+                <a:solidFill>
+                  <a:srgbClr val="FF9999"/>
+                </a:solidFill>
+              </a:rPr>
+              <a:t> </a:t>
+            </a:r>
+            <a:r>
+              <a:rPr lang="en-US" sz="2400" b="1" dirty="0" err="1" smtClean="0">
+                <a:ln w="12700" cmpd="sng">
+                  <a:noFill/>
+                  <a:prstDash val="solid"/>
+                </a:ln>
+                <a:solidFill>
+                  <a:srgbClr val="FF9999"/>
+                </a:solidFill>
+              </a:rPr>
+              <a:t>empezar</a:t>
+            </a:r>
+            <a:r>
+              <a:rPr lang="en-US" sz="2400" b="1" dirty="0" smtClean="0">
+                <a:ln w="12700" cmpd="sng">
+                  <a:noFill/>
+                  <a:prstDash val="solid"/>
+                </a:ln>
+                <a:solidFill>
+                  <a:srgbClr val="FF9999"/>
+                </a:solidFill>
+              </a:rPr>
+              <a:t>, e </a:t>
+            </a:r>
+            <a:r>
+              <a:rPr lang="en-US" sz="2400" b="1" dirty="0" err="1" smtClean="0">
+                <a:ln w="12700" cmpd="sng">
+                  <a:noFill/>
+                  <a:prstDash val="solid"/>
+                </a:ln>
+                <a:solidFill>
+                  <a:srgbClr val="FF9999"/>
+                </a:solidFill>
+              </a:rPr>
+              <a:t>información</a:t>
+            </a:r>
+            <a:r>
+              <a:rPr lang="en-US" sz="2400" b="1" dirty="0" smtClean="0">
+                <a:ln w="12700" cmpd="sng">
+                  <a:noFill/>
+                  <a:prstDash val="solid"/>
+                </a:ln>
+                <a:solidFill>
+                  <a:srgbClr val="FF9999"/>
+                </a:solidFill>
+              </a:rPr>
+              <a:t> </a:t>
+            </a:r>
+            <a:r>
+              <a:rPr lang="en-US" sz="2400" b="1" dirty="0" err="1" smtClean="0">
+                <a:ln w="12700" cmpd="sng">
+                  <a:noFill/>
+                  <a:prstDash val="solid"/>
+                </a:ln>
+                <a:solidFill>
+                  <a:srgbClr val="FF9999"/>
+                </a:solidFill>
+              </a:rPr>
+              <a:t>que</a:t>
+            </a:r>
+            <a:r>
+              <a:rPr lang="en-US" sz="2400" b="1" dirty="0" smtClean="0">
+                <a:ln w="12700" cmpd="sng">
+                  <a:noFill/>
+                  <a:prstDash val="solid"/>
+                </a:ln>
+                <a:solidFill>
+                  <a:srgbClr val="FF9999"/>
+                </a:solidFill>
+              </a:rPr>
+              <a:t> el </a:t>
+            </a:r>
+            <a:r>
+              <a:rPr lang="en-US" sz="2400" b="1" dirty="0" err="1" smtClean="0">
+                <a:ln w="12700" cmpd="sng">
+                  <a:noFill/>
+                  <a:prstDash val="solid"/>
+                </a:ln>
+                <a:solidFill>
+                  <a:srgbClr val="FF9999"/>
+                </a:solidFill>
+              </a:rPr>
+              <a:t>componente</a:t>
+            </a:r>
+            <a:r>
+              <a:rPr lang="en-US" sz="2400" b="1" dirty="0" smtClean="0">
+                <a:ln w="12700" cmpd="sng">
+                  <a:noFill/>
+                  <a:prstDash val="solid"/>
+                </a:ln>
+                <a:solidFill>
+                  <a:srgbClr val="FF9999"/>
+                </a:solidFill>
+              </a:rPr>
+              <a:t> receptor </a:t>
+            </a:r>
+            <a:r>
+              <a:rPr lang="en-US" sz="2400" b="1" dirty="0" err="1" smtClean="0">
+                <a:ln w="12700" cmpd="sng">
+                  <a:noFill/>
+                  <a:prstDash val="solid"/>
+                </a:ln>
+                <a:solidFill>
+                  <a:srgbClr val="FF9999"/>
+                </a:solidFill>
+              </a:rPr>
+              <a:t>usa</a:t>
+            </a:r>
+            <a:r>
+              <a:rPr lang="en-US" sz="2400" b="1" dirty="0" smtClean="0">
+                <a:ln w="12700" cmpd="sng">
+                  <a:noFill/>
+                  <a:prstDash val="solid"/>
+                </a:ln>
+                <a:solidFill>
+                  <a:srgbClr val="FF9999"/>
+                </a:solidFill>
+              </a:rPr>
+              <a:t> para </a:t>
+            </a:r>
+            <a:r>
+              <a:rPr lang="en-US" sz="2400" b="1" dirty="0" err="1" smtClean="0">
+                <a:ln w="12700" cmpd="sng">
+                  <a:noFill/>
+                  <a:prstDash val="solid"/>
+                </a:ln>
+                <a:solidFill>
+                  <a:srgbClr val="FF9999"/>
+                </a:solidFill>
+              </a:rPr>
+              <a:t>realizar</a:t>
+            </a:r>
+            <a:r>
+              <a:rPr lang="en-US" sz="2400" b="1" dirty="0" smtClean="0">
+                <a:ln w="12700" cmpd="sng">
+                  <a:noFill/>
+                  <a:prstDash val="solid"/>
+                </a:ln>
+                <a:solidFill>
+                  <a:srgbClr val="FF9999"/>
+                </a:solidFill>
+              </a:rPr>
+              <a:t> </a:t>
+            </a:r>
+            <a:r>
+              <a:rPr lang="en-US" sz="2400" b="1" dirty="0" err="1" smtClean="0">
+                <a:ln w="12700" cmpd="sng">
+                  <a:noFill/>
+                  <a:prstDash val="solid"/>
+                </a:ln>
+                <a:solidFill>
+                  <a:srgbClr val="FF9999"/>
+                </a:solidFill>
+              </a:rPr>
+              <a:t>correctamente</a:t>
+            </a:r>
+            <a:r>
+              <a:rPr lang="en-US" sz="2400" b="1" dirty="0" smtClean="0">
+                <a:ln w="12700" cmpd="sng">
+                  <a:noFill/>
+                  <a:prstDash val="solid"/>
+                </a:ln>
+                <a:solidFill>
+                  <a:srgbClr val="FF9999"/>
+                </a:solidFill>
+              </a:rPr>
+              <a:t> la </a:t>
+            </a:r>
+            <a:r>
+              <a:rPr lang="en-US" sz="2400" b="1" dirty="0" err="1" smtClean="0">
+                <a:ln w="12700" cmpd="sng">
+                  <a:noFill/>
+                  <a:prstDash val="solid"/>
+                </a:ln>
+                <a:solidFill>
+                  <a:srgbClr val="FF9999"/>
+                </a:solidFill>
+              </a:rPr>
+              <a:t>acción</a:t>
+            </a:r>
+            <a:endParaRPr lang="en-US" i="1" dirty="0">
+              <a:solidFill>
+                <a:srgbClr val="FF9999"/>
+              </a:solidFill>
+            </a:endParaRPr>
+          </a:p>
+        </p:txBody>
+      </p:sp>
+      <p:graphicFrame>
+        <p:nvGraphicFramePr>
+          <p:cNvPr id="5" name="Diagram 4"/>
+          <p:cNvGraphicFramePr/>
+          <p:nvPr>
+            <p:extLst>
+              <p:ext uri="{D42A27DB-BD31-4B8C-83A1-F6EECF244321}">
+                <p14:modId xmlns:p14="http://schemas.microsoft.com/office/powerpoint/2010/main" val="331839883"/>
+              </p:ext>
+            </p:extLst>
+          </p:nvPr>
+        </p:nvGraphicFramePr>
+        <p:xfrm>
+          <a:off x="390144" y="982536"/>
+          <a:ext cx="11350752" cy="5352288"/>
+        </p:xfrm>
+        <a:graphic>
+          <a:graphicData uri="http://schemas.openxmlformats.org/drawingml/2006/diagram">
+            <dgm:relIds xmlns:dgm="http://schemas.openxmlformats.org/drawingml/2006/diagram" xmlns:r="http://schemas.openxmlformats.org/officeDocument/2006/relationships" r:dm="rId2" r:lo="rId3" r:qs="rId4" r:cs="rId5"/>
+          </a:graphicData>
+        </a:graphic>
+      </p:graphicFrame>
+      <p:sp>
+        <p:nvSpPr>
+          <p:cNvPr id="8" name="Código tiene Bluetooth?"/>
+          <p:cNvSpPr txBox="1"/>
+          <p:nvPr/>
+        </p:nvSpPr>
+        <p:spPr>
+          <a:xfrm>
+            <a:off x="183990" y="216781"/>
+            <a:ext cx="11803225" cy="5755422"/>
+          </a:xfrm>
+          <a:prstGeom prst="rect">
+            <a:avLst/>
+          </a:prstGeom>
+          <a:solidFill>
+            <a:srgbClr val="EAEAEA">
+              <a:alpha val="90000"/>
+            </a:srgbClr>
+          </a:solidFill>
+        </p:spPr>
+        <p:txBody>
+          <a:bodyPr wrap="square" rtlCol="0">
+            <a:spAutoFit/>
+          </a:bodyPr>
+          <a:lstStyle/>
+          <a:p>
+            <a:pPr fontAlgn="base"/>
+            <a:r>
+              <a:rPr lang="en-US" sz="1600" b="1" dirty="0">
+                <a:solidFill>
+                  <a:srgbClr val="7F0055"/>
+                </a:solidFill>
+                <a:latin typeface="Courier New" panose="02070309020205020404" pitchFamily="49" charset="0"/>
+              </a:rPr>
+              <a:t>public class</a:t>
+            </a:r>
+            <a:r>
+              <a:rPr lang="en-US" sz="1600" dirty="0">
+                <a:solidFill>
+                  <a:srgbClr val="000000"/>
+                </a:solidFill>
+                <a:latin typeface="Courier New" panose="02070309020205020404" pitchFamily="49" charset="0"/>
+                <a:cs typeface="Courier New" panose="02070309020205020404" pitchFamily="49" charset="0"/>
+              </a:rPr>
+              <a:t> </a:t>
+            </a:r>
+            <a:r>
+              <a:rPr lang="en-US" sz="1600" dirty="0" err="1">
+                <a:solidFill>
+                  <a:srgbClr val="000000"/>
+                </a:solidFill>
+                <a:latin typeface="Courier New" panose="02070309020205020404" pitchFamily="49" charset="0"/>
+                <a:cs typeface="Courier New" panose="02070309020205020404" pitchFamily="49" charset="0"/>
+              </a:rPr>
+              <a:t>SecondActivity</a:t>
+            </a:r>
+            <a:r>
+              <a:rPr lang="en-US" sz="1600" dirty="0">
+                <a:solidFill>
+                  <a:srgbClr val="000000"/>
+                </a:solidFill>
+                <a:latin typeface="Courier New" panose="02070309020205020404" pitchFamily="49" charset="0"/>
+                <a:cs typeface="Courier New" panose="02070309020205020404" pitchFamily="49" charset="0"/>
+              </a:rPr>
+              <a:t> </a:t>
+            </a:r>
+            <a:r>
+              <a:rPr lang="en-US" sz="1600" b="1" dirty="0">
+                <a:solidFill>
+                  <a:srgbClr val="7F0055"/>
+                </a:solidFill>
+                <a:latin typeface="Courier New" panose="02070309020205020404" pitchFamily="49" charset="0"/>
+              </a:rPr>
+              <a:t>extends</a:t>
+            </a:r>
+            <a:r>
+              <a:rPr lang="en-US" sz="1600" b="1" dirty="0">
+                <a:solidFill>
+                  <a:srgbClr val="000000"/>
+                </a:solidFill>
+                <a:highlight>
+                  <a:srgbClr val="E8F2FE"/>
+                </a:highlight>
+                <a:latin typeface="Courier New" panose="02070309020205020404" pitchFamily="49" charset="0"/>
+              </a:rPr>
+              <a:t> </a:t>
+            </a:r>
+            <a:r>
+              <a:rPr lang="en-US" sz="1600" dirty="0">
+                <a:solidFill>
+                  <a:srgbClr val="000000"/>
+                </a:solidFill>
+                <a:latin typeface="Courier New" panose="02070309020205020404" pitchFamily="49" charset="0"/>
+                <a:cs typeface="Courier New" panose="02070309020205020404" pitchFamily="49" charset="0"/>
+              </a:rPr>
+              <a:t>Activity {</a:t>
+            </a:r>
+          </a:p>
+          <a:p>
+            <a:pPr lvl="1" fontAlgn="base"/>
+            <a:endParaRPr lang="es-AR" sz="1600" b="1" dirty="0">
+              <a:solidFill>
+                <a:srgbClr val="000000"/>
+              </a:solidFill>
+              <a:highlight>
+                <a:srgbClr val="E8F2FE"/>
+              </a:highlight>
+              <a:latin typeface="Courier New" panose="02070309020205020404" pitchFamily="49" charset="0"/>
+            </a:endParaRPr>
+          </a:p>
+          <a:p>
+            <a:pPr lvl="1" fontAlgn="base"/>
+            <a:r>
+              <a:rPr lang="es-AR" sz="1600" b="1" dirty="0" err="1" smtClean="0">
+                <a:solidFill>
+                  <a:srgbClr val="7F0055"/>
+                </a:solidFill>
+                <a:latin typeface="Courier New" panose="02070309020205020404" pitchFamily="49" charset="0"/>
+              </a:rPr>
+              <a:t>public</a:t>
+            </a:r>
+            <a:r>
+              <a:rPr lang="es-AR" sz="1600" b="1" dirty="0" smtClean="0">
+                <a:solidFill>
+                  <a:srgbClr val="000000"/>
+                </a:solidFill>
+                <a:latin typeface="Courier New" panose="02070309020205020404" pitchFamily="49" charset="0"/>
+              </a:rPr>
+              <a:t> </a:t>
+            </a:r>
+            <a:r>
+              <a:rPr lang="es-AR" sz="1600" b="1" dirty="0" err="1">
+                <a:solidFill>
+                  <a:srgbClr val="7F0055"/>
+                </a:solidFill>
+                <a:latin typeface="Courier New" panose="02070309020205020404" pitchFamily="49" charset="0"/>
+              </a:rPr>
+              <a:t>void</a:t>
+            </a:r>
+            <a:r>
+              <a:rPr lang="es-AR" sz="1600" b="1" dirty="0">
+                <a:solidFill>
+                  <a:srgbClr val="000000"/>
+                </a:solidFill>
+                <a:latin typeface="Courier New" panose="02070309020205020404" pitchFamily="49" charset="0"/>
+              </a:rPr>
+              <a:t> </a:t>
+            </a:r>
+            <a:r>
+              <a:rPr lang="es-AR" sz="1600" dirty="0" err="1">
+                <a:solidFill>
+                  <a:srgbClr val="000000"/>
+                </a:solidFill>
+                <a:latin typeface="Courier New" panose="02070309020205020404" pitchFamily="49" charset="0"/>
+              </a:rPr>
+              <a:t>onClick</a:t>
+            </a:r>
+            <a:r>
+              <a:rPr lang="es-AR" sz="1600" dirty="0">
+                <a:solidFill>
+                  <a:srgbClr val="000000"/>
+                </a:solidFill>
+                <a:latin typeface="Courier New" panose="02070309020205020404" pitchFamily="49" charset="0"/>
+              </a:rPr>
+              <a:t>(View v)  {</a:t>
+            </a:r>
+          </a:p>
+          <a:p>
+            <a:pPr lvl="2"/>
+            <a:r>
+              <a:rPr lang="en-US" sz="1600" dirty="0">
+                <a:solidFill>
+                  <a:srgbClr val="000000"/>
+                </a:solidFill>
+                <a:latin typeface="Courier New" panose="02070309020205020404" pitchFamily="49" charset="0"/>
+                <a:cs typeface="Courier New" panose="02070309020205020404" pitchFamily="49" charset="0"/>
+              </a:rPr>
+              <a:t>Intent </a:t>
+            </a:r>
+            <a:r>
+              <a:rPr lang="en-US" sz="1600" dirty="0" err="1">
+                <a:solidFill>
+                  <a:srgbClr val="000000"/>
+                </a:solidFill>
+                <a:latin typeface="Courier New" panose="02070309020205020404" pitchFamily="49" charset="0"/>
+                <a:cs typeface="Courier New" panose="02070309020205020404" pitchFamily="49" charset="0"/>
+              </a:rPr>
+              <a:t>returnIntent</a:t>
+            </a:r>
+            <a:r>
+              <a:rPr lang="en-US" sz="1600" dirty="0">
+                <a:solidFill>
+                  <a:srgbClr val="000000"/>
+                </a:solidFill>
+                <a:latin typeface="Courier New" panose="02070309020205020404" pitchFamily="49" charset="0"/>
+                <a:cs typeface="Courier New" panose="02070309020205020404" pitchFamily="49" charset="0"/>
+              </a:rPr>
+              <a:t> = new Intent();</a:t>
+            </a:r>
+          </a:p>
+          <a:p>
+            <a:pPr lvl="2"/>
+            <a:r>
+              <a:rPr lang="en-US" sz="1600" dirty="0" err="1">
+                <a:solidFill>
+                  <a:srgbClr val="000000"/>
+                </a:solidFill>
+                <a:latin typeface="Courier New" panose="02070309020205020404" pitchFamily="49" charset="0"/>
+                <a:cs typeface="Courier New" panose="02070309020205020404" pitchFamily="49" charset="0"/>
+              </a:rPr>
+              <a:t>returnIntent.putExtra</a:t>
+            </a:r>
+            <a:r>
+              <a:rPr lang="en-US" sz="1600" dirty="0">
+                <a:solidFill>
+                  <a:srgbClr val="000000"/>
+                </a:solidFill>
+                <a:latin typeface="Courier New" panose="02070309020205020404" pitchFamily="49" charset="0"/>
+                <a:cs typeface="Courier New" panose="02070309020205020404" pitchFamily="49" charset="0"/>
+              </a:rPr>
+              <a:t>(</a:t>
+            </a:r>
+            <a:r>
+              <a:rPr lang="en-US" sz="1600" dirty="0">
+                <a:solidFill>
+                  <a:srgbClr val="0070C0"/>
+                </a:solidFill>
+                <a:latin typeface="Courier New" panose="02070309020205020404" pitchFamily="49" charset="0"/>
+                <a:cs typeface="Courier New" panose="02070309020205020404" pitchFamily="49" charset="0"/>
+              </a:rPr>
+              <a:t>"result</a:t>
+            </a:r>
+            <a:r>
+              <a:rPr lang="en-US" sz="1600" dirty="0" smtClean="0">
+                <a:solidFill>
+                  <a:srgbClr val="0070C0"/>
+                </a:solidFill>
+                <a:latin typeface="Courier New" panose="02070309020205020404" pitchFamily="49" charset="0"/>
+                <a:cs typeface="Courier New" panose="02070309020205020404" pitchFamily="49" charset="0"/>
+              </a:rPr>
+              <a:t>"</a:t>
+            </a:r>
+            <a:r>
+              <a:rPr lang="en-US" sz="1600" dirty="0" smtClean="0">
+                <a:solidFill>
+                  <a:srgbClr val="000000"/>
+                </a:solidFill>
+                <a:latin typeface="Courier New" panose="02070309020205020404" pitchFamily="49" charset="0"/>
+                <a:cs typeface="Courier New" panose="02070309020205020404" pitchFamily="49" charset="0"/>
+              </a:rPr>
+              <a:t>, result</a:t>
+            </a:r>
+            <a:r>
+              <a:rPr lang="en-US" sz="1600" dirty="0">
+                <a:solidFill>
+                  <a:srgbClr val="000000"/>
+                </a:solidFill>
+                <a:latin typeface="Courier New" panose="02070309020205020404" pitchFamily="49" charset="0"/>
+                <a:cs typeface="Courier New" panose="02070309020205020404" pitchFamily="49" charset="0"/>
+              </a:rPr>
+              <a:t>);</a:t>
+            </a:r>
+          </a:p>
+          <a:p>
+            <a:pPr lvl="2"/>
+            <a:r>
+              <a:rPr lang="en-US" sz="1600" dirty="0" err="1" smtClean="0">
+                <a:solidFill>
+                  <a:srgbClr val="000000"/>
+                </a:solidFill>
+                <a:latin typeface="Courier New" panose="02070309020205020404" pitchFamily="49" charset="0"/>
+                <a:cs typeface="Courier New" panose="02070309020205020404" pitchFamily="49" charset="0"/>
+              </a:rPr>
+              <a:t>setResult</a:t>
+            </a:r>
+            <a:r>
+              <a:rPr lang="en-US" sz="1600" dirty="0" smtClean="0">
+                <a:solidFill>
+                  <a:srgbClr val="000000"/>
+                </a:solidFill>
+                <a:latin typeface="Courier New" panose="02070309020205020404" pitchFamily="49" charset="0"/>
+                <a:cs typeface="Courier New" panose="02070309020205020404" pitchFamily="49" charset="0"/>
+              </a:rPr>
+              <a:t>(</a:t>
+            </a:r>
+            <a:r>
+              <a:rPr lang="en-US" sz="1600" i="1" dirty="0" smtClean="0">
+                <a:solidFill>
+                  <a:srgbClr val="0070C0"/>
+                </a:solidFill>
+                <a:latin typeface="Courier New" panose="02070309020205020404" pitchFamily="49" charset="0"/>
+                <a:cs typeface="Courier New" panose="02070309020205020404" pitchFamily="49" charset="0"/>
+              </a:rPr>
+              <a:t>RESULT_OK</a:t>
+            </a:r>
+            <a:r>
+              <a:rPr lang="en-US" sz="1600" dirty="0" smtClean="0">
+                <a:solidFill>
+                  <a:srgbClr val="000000"/>
+                </a:solidFill>
+                <a:latin typeface="Courier New" panose="02070309020205020404" pitchFamily="49" charset="0"/>
+                <a:cs typeface="Courier New" panose="02070309020205020404" pitchFamily="49" charset="0"/>
+              </a:rPr>
+              <a:t>, </a:t>
+            </a:r>
+            <a:r>
+              <a:rPr lang="en-US" sz="1600" dirty="0" err="1" smtClean="0">
+                <a:solidFill>
+                  <a:srgbClr val="000000"/>
+                </a:solidFill>
+                <a:latin typeface="Courier New" panose="02070309020205020404" pitchFamily="49" charset="0"/>
+                <a:cs typeface="Courier New" panose="02070309020205020404" pitchFamily="49" charset="0"/>
+              </a:rPr>
+              <a:t>returnIntent</a:t>
+            </a:r>
+            <a:r>
+              <a:rPr lang="en-US" sz="1600" dirty="0">
+                <a:solidFill>
+                  <a:srgbClr val="000000"/>
+                </a:solidFill>
+                <a:latin typeface="Courier New" panose="02070309020205020404" pitchFamily="49" charset="0"/>
+                <a:cs typeface="Courier New" panose="02070309020205020404" pitchFamily="49" charset="0"/>
+              </a:rPr>
+              <a:t>);</a:t>
+            </a:r>
+          </a:p>
+          <a:p>
+            <a:pPr lvl="2"/>
+            <a:r>
+              <a:rPr lang="en-US" sz="1600" dirty="0">
+                <a:solidFill>
+                  <a:srgbClr val="000000"/>
+                </a:solidFill>
+                <a:latin typeface="Courier New" panose="02070309020205020404" pitchFamily="49" charset="0"/>
+                <a:cs typeface="Courier New" panose="02070309020205020404" pitchFamily="49" charset="0"/>
+              </a:rPr>
+              <a:t>finish</a:t>
+            </a:r>
+            <a:r>
+              <a:rPr lang="en-US" sz="1600" dirty="0" smtClean="0">
+                <a:solidFill>
+                  <a:srgbClr val="000000"/>
+                </a:solidFill>
+                <a:latin typeface="Courier New" panose="02070309020205020404" pitchFamily="49" charset="0"/>
+                <a:cs typeface="Courier New" panose="02070309020205020404" pitchFamily="49" charset="0"/>
+              </a:rPr>
+              <a:t>();</a:t>
+            </a:r>
+          </a:p>
+          <a:p>
+            <a:pPr lvl="1"/>
+            <a:r>
+              <a:rPr lang="en-US" sz="1600" dirty="0" smtClean="0">
+                <a:solidFill>
+                  <a:srgbClr val="000000"/>
+                </a:solidFill>
+                <a:latin typeface="Courier New" panose="02070309020205020404" pitchFamily="49" charset="0"/>
+                <a:cs typeface="Courier New" panose="02070309020205020404" pitchFamily="49" charset="0"/>
+              </a:rPr>
+              <a:t>}</a:t>
+            </a:r>
+            <a:endParaRPr lang="es-AR" sz="1600" dirty="0">
+              <a:solidFill>
+                <a:srgbClr val="000000"/>
+              </a:solidFill>
+              <a:latin typeface="Courier New" panose="02070309020205020404" pitchFamily="49" charset="0"/>
+              <a:cs typeface="Courier New" panose="02070309020205020404" pitchFamily="49" charset="0"/>
+            </a:endParaRPr>
+          </a:p>
+          <a:p>
+            <a:endParaRPr lang="es-AR" sz="1600" dirty="0" smtClean="0">
+              <a:solidFill>
+                <a:srgbClr val="000000"/>
+              </a:solidFill>
+              <a:latin typeface="Courier New" panose="02070309020205020404" pitchFamily="49" charset="0"/>
+              <a:cs typeface="Courier New" panose="02070309020205020404" pitchFamily="49" charset="0"/>
+            </a:endParaRPr>
+          </a:p>
+          <a:p>
+            <a:r>
+              <a:rPr lang="es-AR" sz="1600" b="1" dirty="0" err="1">
+                <a:solidFill>
+                  <a:srgbClr val="7F0055"/>
+                </a:solidFill>
+                <a:latin typeface="Courier New" panose="02070309020205020404" pitchFamily="49" charset="0"/>
+              </a:rPr>
+              <a:t>p</a:t>
+            </a:r>
+            <a:r>
+              <a:rPr lang="es-AR" sz="1600" b="1" dirty="0" err="1">
+                <a:solidFill>
+                  <a:srgbClr val="7F0055"/>
+                </a:solidFill>
+                <a:latin typeface="Courier New" panose="02070309020205020404" pitchFamily="49" charset="0"/>
+              </a:rPr>
+              <a:t>ublic</a:t>
+            </a:r>
+            <a:r>
+              <a:rPr lang="es-AR" sz="1600" b="1" dirty="0">
+                <a:solidFill>
+                  <a:srgbClr val="7F0055"/>
+                </a:solidFill>
+                <a:latin typeface="Courier New" panose="02070309020205020404" pitchFamily="49" charset="0"/>
+              </a:rPr>
+              <a:t> </a:t>
+            </a:r>
+            <a:r>
+              <a:rPr lang="es-AR" sz="1600" b="1" dirty="0" err="1">
+                <a:solidFill>
+                  <a:srgbClr val="7F0055"/>
+                </a:solidFill>
+                <a:latin typeface="Courier New" panose="02070309020205020404" pitchFamily="49" charset="0"/>
+              </a:rPr>
+              <a:t>class</a:t>
+            </a:r>
+            <a:r>
+              <a:rPr lang="es-AR" sz="1600" b="1" dirty="0">
+                <a:solidFill>
+                  <a:srgbClr val="7F0055"/>
+                </a:solidFill>
+                <a:latin typeface="Courier New" panose="02070309020205020404" pitchFamily="49" charset="0"/>
+              </a:rPr>
+              <a:t> </a:t>
+            </a:r>
+            <a:r>
+              <a:rPr lang="es-AR" sz="1600" dirty="0" err="1" smtClean="0">
+                <a:solidFill>
+                  <a:srgbClr val="000000"/>
+                </a:solidFill>
+                <a:latin typeface="Courier New" panose="02070309020205020404" pitchFamily="49" charset="0"/>
+                <a:cs typeface="Courier New" panose="02070309020205020404" pitchFamily="49" charset="0"/>
+              </a:rPr>
+              <a:t>MainActivity</a:t>
+            </a:r>
+            <a:r>
+              <a:rPr lang="es-AR" sz="1600" dirty="0" smtClean="0">
+                <a:solidFill>
+                  <a:srgbClr val="000000"/>
+                </a:solidFill>
+                <a:latin typeface="Courier New" panose="02070309020205020404" pitchFamily="49" charset="0"/>
+                <a:cs typeface="Courier New" panose="02070309020205020404" pitchFamily="49" charset="0"/>
+              </a:rPr>
+              <a:t> </a:t>
+            </a:r>
+            <a:r>
+              <a:rPr lang="es-AR" sz="1600" b="1" dirty="0" err="1">
+                <a:solidFill>
+                  <a:srgbClr val="7F0055"/>
+                </a:solidFill>
+                <a:latin typeface="Courier New" panose="02070309020205020404" pitchFamily="49" charset="0"/>
+              </a:rPr>
+              <a:t>extends</a:t>
+            </a:r>
+            <a:r>
+              <a:rPr lang="es-AR" sz="1600" dirty="0" smtClean="0">
+                <a:solidFill>
+                  <a:srgbClr val="000000"/>
+                </a:solidFill>
+                <a:latin typeface="Courier New" panose="02070309020205020404" pitchFamily="49" charset="0"/>
+                <a:cs typeface="Courier New" panose="02070309020205020404" pitchFamily="49" charset="0"/>
+              </a:rPr>
+              <a:t> </a:t>
+            </a:r>
+            <a:r>
+              <a:rPr lang="es-AR" sz="1600" dirty="0" err="1" smtClean="0">
+                <a:solidFill>
+                  <a:srgbClr val="000000"/>
+                </a:solidFill>
+                <a:latin typeface="Courier New" panose="02070309020205020404" pitchFamily="49" charset="0"/>
+                <a:cs typeface="Courier New" panose="02070309020205020404" pitchFamily="49" charset="0"/>
+              </a:rPr>
+              <a:t>Activity</a:t>
+            </a:r>
+            <a:r>
+              <a:rPr lang="es-AR" sz="1600" dirty="0" smtClean="0">
+                <a:solidFill>
+                  <a:srgbClr val="000000"/>
+                </a:solidFill>
+                <a:latin typeface="Courier New" panose="02070309020205020404" pitchFamily="49" charset="0"/>
+                <a:cs typeface="Courier New" panose="02070309020205020404" pitchFamily="49" charset="0"/>
+              </a:rPr>
+              <a:t> { </a:t>
+            </a:r>
+          </a:p>
+          <a:p>
+            <a:endParaRPr lang="es-AR" sz="1600" dirty="0" smtClean="0">
+              <a:solidFill>
+                <a:srgbClr val="000000"/>
+              </a:solidFill>
+              <a:latin typeface="Courier New" panose="02070309020205020404" pitchFamily="49" charset="0"/>
+              <a:cs typeface="Courier New" panose="02070309020205020404" pitchFamily="49" charset="0"/>
+            </a:endParaRPr>
+          </a:p>
+          <a:p>
+            <a:pPr lvl="1"/>
+            <a:r>
+              <a:rPr lang="es-AR" sz="1600" b="1" dirty="0" err="1">
+                <a:solidFill>
+                  <a:srgbClr val="7F0055"/>
+                </a:solidFill>
+                <a:latin typeface="Courier New" panose="02070309020205020404" pitchFamily="49" charset="0"/>
+              </a:rPr>
+              <a:t>protected</a:t>
+            </a:r>
+            <a:r>
+              <a:rPr lang="es-AR" sz="1600" b="1" dirty="0">
+                <a:solidFill>
+                  <a:srgbClr val="7F0055"/>
+                </a:solidFill>
+                <a:latin typeface="Courier New" panose="02070309020205020404" pitchFamily="49" charset="0"/>
+              </a:rPr>
+              <a:t> </a:t>
+            </a:r>
+            <a:r>
+              <a:rPr lang="es-AR" sz="1600" b="1" dirty="0" err="1">
+                <a:solidFill>
+                  <a:srgbClr val="7F0055"/>
+                </a:solidFill>
+                <a:latin typeface="Courier New" panose="02070309020205020404" pitchFamily="49" charset="0"/>
+              </a:rPr>
+              <a:t>void</a:t>
+            </a:r>
+            <a:r>
+              <a:rPr lang="es-AR" sz="1600" b="1" dirty="0">
+                <a:solidFill>
+                  <a:srgbClr val="7F0055"/>
+                </a:solidFill>
+                <a:latin typeface="Courier New" panose="02070309020205020404" pitchFamily="49" charset="0"/>
+              </a:rPr>
+              <a:t> </a:t>
+            </a:r>
+            <a:r>
+              <a:rPr lang="es-AR" sz="1600" dirty="0" err="1" smtClean="0">
+                <a:solidFill>
+                  <a:srgbClr val="000000"/>
+                </a:solidFill>
+                <a:latin typeface="Courier New" panose="02070309020205020404" pitchFamily="49" charset="0"/>
+                <a:cs typeface="Courier New" panose="02070309020205020404" pitchFamily="49" charset="0"/>
+              </a:rPr>
+              <a:t>onActivityResult</a:t>
+            </a:r>
+            <a:r>
+              <a:rPr lang="es-AR" sz="1600" dirty="0" smtClean="0">
+                <a:solidFill>
+                  <a:srgbClr val="000000"/>
+                </a:solidFill>
+                <a:latin typeface="Courier New" panose="02070309020205020404" pitchFamily="49" charset="0"/>
+                <a:cs typeface="Courier New" panose="02070309020205020404" pitchFamily="49" charset="0"/>
+              </a:rPr>
+              <a:t>(</a:t>
+            </a:r>
+            <a:r>
+              <a:rPr lang="es-AR" sz="1600" b="1" dirty="0" err="1" smtClean="0">
+                <a:solidFill>
+                  <a:srgbClr val="7F0055"/>
+                </a:solidFill>
+                <a:latin typeface="Courier New" panose="02070309020205020404" pitchFamily="49" charset="0"/>
+              </a:rPr>
+              <a:t>int</a:t>
+            </a:r>
+            <a:r>
+              <a:rPr lang="es-AR" sz="1600" dirty="0" smtClean="0">
+                <a:solidFill>
+                  <a:srgbClr val="000000"/>
+                </a:solidFill>
+                <a:latin typeface="Courier New" panose="02070309020205020404" pitchFamily="49" charset="0"/>
+                <a:cs typeface="Courier New" panose="02070309020205020404" pitchFamily="49" charset="0"/>
+              </a:rPr>
+              <a:t> </a:t>
+            </a:r>
+            <a:r>
+              <a:rPr lang="es-AR" sz="1600" dirty="0" err="1">
+                <a:solidFill>
+                  <a:srgbClr val="000000"/>
+                </a:solidFill>
+                <a:latin typeface="Courier New" panose="02070309020205020404" pitchFamily="49" charset="0"/>
+                <a:cs typeface="Courier New" panose="02070309020205020404" pitchFamily="49" charset="0"/>
+              </a:rPr>
+              <a:t>requestCode</a:t>
+            </a:r>
+            <a:r>
+              <a:rPr lang="es-AR" sz="1600" dirty="0">
+                <a:solidFill>
+                  <a:srgbClr val="000000"/>
+                </a:solidFill>
+                <a:latin typeface="Courier New" panose="02070309020205020404" pitchFamily="49" charset="0"/>
+                <a:cs typeface="Courier New" panose="02070309020205020404" pitchFamily="49" charset="0"/>
+              </a:rPr>
+              <a:t>, </a:t>
+            </a:r>
+            <a:r>
+              <a:rPr lang="es-AR" sz="1600" b="1" dirty="0" err="1">
+                <a:solidFill>
+                  <a:srgbClr val="7F0055"/>
+                </a:solidFill>
+                <a:latin typeface="Courier New" panose="02070309020205020404" pitchFamily="49" charset="0"/>
+              </a:rPr>
+              <a:t>int</a:t>
+            </a:r>
+            <a:r>
+              <a:rPr lang="es-AR" sz="1600" dirty="0" smtClean="0">
+                <a:solidFill>
+                  <a:srgbClr val="000000"/>
+                </a:solidFill>
+                <a:latin typeface="Courier New" panose="02070309020205020404" pitchFamily="49" charset="0"/>
+                <a:cs typeface="Courier New" panose="02070309020205020404" pitchFamily="49" charset="0"/>
+              </a:rPr>
+              <a:t> </a:t>
+            </a:r>
+            <a:r>
+              <a:rPr lang="es-AR" sz="1600" dirty="0" err="1">
+                <a:solidFill>
+                  <a:srgbClr val="000000"/>
+                </a:solidFill>
+                <a:latin typeface="Courier New" panose="02070309020205020404" pitchFamily="49" charset="0"/>
+                <a:cs typeface="Courier New" panose="02070309020205020404" pitchFamily="49" charset="0"/>
+              </a:rPr>
+              <a:t>resultCode</a:t>
+            </a:r>
+            <a:r>
+              <a:rPr lang="es-AR" sz="1600" dirty="0">
+                <a:solidFill>
+                  <a:srgbClr val="000000"/>
+                </a:solidFill>
+                <a:latin typeface="Courier New" panose="02070309020205020404" pitchFamily="49" charset="0"/>
+                <a:cs typeface="Courier New" panose="02070309020205020404" pitchFamily="49" charset="0"/>
+              </a:rPr>
+              <a:t>, Intent data) {</a:t>
+            </a:r>
+          </a:p>
+          <a:p>
+            <a:pPr lvl="1"/>
+            <a:endParaRPr lang="es-AR" sz="1600" dirty="0">
+              <a:solidFill>
+                <a:srgbClr val="000000"/>
+              </a:solidFill>
+              <a:latin typeface="Courier New" panose="02070309020205020404" pitchFamily="49" charset="0"/>
+              <a:cs typeface="Courier New" panose="02070309020205020404" pitchFamily="49" charset="0"/>
+            </a:endParaRPr>
+          </a:p>
+          <a:p>
+            <a:pPr lvl="1"/>
+            <a:r>
+              <a:rPr lang="es-AR" sz="1600" dirty="0">
+                <a:solidFill>
+                  <a:srgbClr val="000000"/>
+                </a:solidFill>
+                <a:latin typeface="Courier New" panose="02070309020205020404" pitchFamily="49" charset="0"/>
+                <a:cs typeface="Courier New" panose="02070309020205020404" pitchFamily="49" charset="0"/>
+              </a:rPr>
+              <a:t>    </a:t>
+            </a:r>
+            <a:r>
+              <a:rPr lang="es-AR" sz="1600" dirty="0" err="1">
+                <a:solidFill>
+                  <a:srgbClr val="000000"/>
+                </a:solidFill>
+                <a:latin typeface="Courier New" panose="02070309020205020404" pitchFamily="49" charset="0"/>
+                <a:cs typeface="Courier New" panose="02070309020205020404" pitchFamily="49" charset="0"/>
+              </a:rPr>
+              <a:t>if</a:t>
+            </a:r>
+            <a:r>
+              <a:rPr lang="es-AR" sz="1600" dirty="0">
+                <a:solidFill>
+                  <a:srgbClr val="000000"/>
+                </a:solidFill>
+                <a:latin typeface="Courier New" panose="02070309020205020404" pitchFamily="49" charset="0"/>
+                <a:cs typeface="Courier New" panose="02070309020205020404" pitchFamily="49" charset="0"/>
+              </a:rPr>
+              <a:t> (</a:t>
+            </a:r>
+            <a:r>
+              <a:rPr lang="es-AR" sz="1600" dirty="0" err="1">
+                <a:solidFill>
+                  <a:srgbClr val="000000"/>
+                </a:solidFill>
+                <a:latin typeface="Courier New" panose="02070309020205020404" pitchFamily="49" charset="0"/>
+                <a:cs typeface="Courier New" panose="02070309020205020404" pitchFamily="49" charset="0"/>
+              </a:rPr>
+              <a:t>requestCode</a:t>
+            </a:r>
+            <a:r>
+              <a:rPr lang="es-AR" sz="1600" dirty="0">
+                <a:solidFill>
+                  <a:srgbClr val="000000"/>
+                </a:solidFill>
+                <a:latin typeface="Courier New" panose="02070309020205020404" pitchFamily="49" charset="0"/>
+                <a:cs typeface="Courier New" panose="02070309020205020404" pitchFamily="49" charset="0"/>
+              </a:rPr>
+              <a:t> == 1) {</a:t>
+            </a:r>
+          </a:p>
+          <a:p>
+            <a:pPr lvl="1"/>
+            <a:r>
+              <a:rPr lang="es-AR" sz="1600" dirty="0">
+                <a:solidFill>
+                  <a:srgbClr val="000000"/>
+                </a:solidFill>
+                <a:latin typeface="Courier New" panose="02070309020205020404" pitchFamily="49" charset="0"/>
+                <a:cs typeface="Courier New" panose="02070309020205020404" pitchFamily="49" charset="0"/>
+              </a:rPr>
+              <a:t>        </a:t>
+            </a:r>
+            <a:r>
+              <a:rPr lang="es-AR" sz="1600" dirty="0" err="1">
+                <a:solidFill>
+                  <a:srgbClr val="000000"/>
+                </a:solidFill>
+                <a:latin typeface="Courier New" panose="02070309020205020404" pitchFamily="49" charset="0"/>
+                <a:cs typeface="Courier New" panose="02070309020205020404" pitchFamily="49" charset="0"/>
+              </a:rPr>
+              <a:t>if</a:t>
+            </a:r>
+            <a:r>
+              <a:rPr lang="es-AR" sz="1600" dirty="0">
+                <a:solidFill>
+                  <a:srgbClr val="000000"/>
+                </a:solidFill>
+                <a:latin typeface="Courier New" panose="02070309020205020404" pitchFamily="49" charset="0"/>
+                <a:cs typeface="Courier New" panose="02070309020205020404" pitchFamily="49" charset="0"/>
+              </a:rPr>
+              <a:t>(</a:t>
+            </a:r>
+            <a:r>
+              <a:rPr lang="es-AR" sz="1600" dirty="0" err="1">
+                <a:solidFill>
+                  <a:srgbClr val="000000"/>
+                </a:solidFill>
+                <a:latin typeface="Courier New" panose="02070309020205020404" pitchFamily="49" charset="0"/>
+                <a:cs typeface="Courier New" panose="02070309020205020404" pitchFamily="49" charset="0"/>
+              </a:rPr>
+              <a:t>resultCode</a:t>
+            </a:r>
+            <a:r>
+              <a:rPr lang="es-AR" sz="1600" dirty="0">
+                <a:solidFill>
+                  <a:srgbClr val="000000"/>
+                </a:solidFill>
+                <a:latin typeface="Courier New" panose="02070309020205020404" pitchFamily="49" charset="0"/>
+                <a:cs typeface="Courier New" panose="02070309020205020404" pitchFamily="49" charset="0"/>
+              </a:rPr>
+              <a:t> == </a:t>
+            </a:r>
+            <a:r>
+              <a:rPr lang="es-AR" sz="1600" i="1" dirty="0">
+                <a:solidFill>
+                  <a:srgbClr val="0070C0"/>
+                </a:solidFill>
+                <a:latin typeface="Courier New" panose="02070309020205020404" pitchFamily="49" charset="0"/>
+                <a:cs typeface="Courier New" panose="02070309020205020404" pitchFamily="49" charset="0"/>
+              </a:rPr>
+              <a:t>RESULT_OK</a:t>
+            </a:r>
+            <a:r>
+              <a:rPr lang="es-AR" sz="1600" dirty="0">
+                <a:solidFill>
+                  <a:srgbClr val="000000"/>
+                </a:solidFill>
+                <a:latin typeface="Courier New" panose="02070309020205020404" pitchFamily="49" charset="0"/>
+                <a:cs typeface="Courier New" panose="02070309020205020404" pitchFamily="49" charset="0"/>
+              </a:rPr>
+              <a:t>){</a:t>
+            </a:r>
+          </a:p>
+          <a:p>
+            <a:pPr lvl="1"/>
+            <a:r>
+              <a:rPr lang="es-AR" sz="1600" dirty="0">
+                <a:solidFill>
+                  <a:srgbClr val="000000"/>
+                </a:solidFill>
+                <a:latin typeface="Courier New" panose="02070309020205020404" pitchFamily="49" charset="0"/>
+                <a:cs typeface="Courier New" panose="02070309020205020404" pitchFamily="49" charset="0"/>
+              </a:rPr>
+              <a:t>            </a:t>
+            </a:r>
+            <a:r>
+              <a:rPr lang="es-AR" sz="1600" dirty="0">
+                <a:solidFill>
+                  <a:srgbClr val="008080"/>
+                </a:solidFill>
+                <a:latin typeface="Courier New" panose="02070309020205020404" pitchFamily="49" charset="0"/>
+                <a:cs typeface="Courier New" panose="02070309020205020404" pitchFamily="49" charset="0"/>
+              </a:rPr>
+              <a:t>//</a:t>
+            </a:r>
+            <a:r>
+              <a:rPr lang="es-AR" sz="1600" dirty="0" err="1">
+                <a:solidFill>
+                  <a:srgbClr val="008080"/>
+                </a:solidFill>
+                <a:latin typeface="Courier New" panose="02070309020205020404" pitchFamily="49" charset="0"/>
+                <a:cs typeface="Courier New" panose="02070309020205020404" pitchFamily="49" charset="0"/>
+              </a:rPr>
+              <a:t>Write</a:t>
+            </a:r>
+            <a:r>
+              <a:rPr lang="es-AR" sz="1600" dirty="0">
+                <a:solidFill>
+                  <a:srgbClr val="008080"/>
+                </a:solidFill>
+                <a:latin typeface="Courier New" panose="02070309020205020404" pitchFamily="49" charset="0"/>
+                <a:cs typeface="Courier New" panose="02070309020205020404" pitchFamily="49" charset="0"/>
+              </a:rPr>
+              <a:t> </a:t>
+            </a:r>
+            <a:r>
+              <a:rPr lang="es-AR" sz="1600" dirty="0" err="1">
+                <a:solidFill>
+                  <a:srgbClr val="008080"/>
+                </a:solidFill>
+                <a:latin typeface="Courier New" panose="02070309020205020404" pitchFamily="49" charset="0"/>
+                <a:cs typeface="Courier New" panose="02070309020205020404" pitchFamily="49" charset="0"/>
+              </a:rPr>
+              <a:t>your</a:t>
+            </a:r>
+            <a:r>
+              <a:rPr lang="es-AR" sz="1600" dirty="0">
+                <a:solidFill>
+                  <a:srgbClr val="008080"/>
+                </a:solidFill>
+                <a:latin typeface="Courier New" panose="02070309020205020404" pitchFamily="49" charset="0"/>
+                <a:cs typeface="Courier New" panose="02070309020205020404" pitchFamily="49" charset="0"/>
+              </a:rPr>
+              <a:t> </a:t>
+            </a:r>
+            <a:r>
+              <a:rPr lang="es-AR" sz="1600" dirty="0" err="1">
+                <a:solidFill>
+                  <a:srgbClr val="008080"/>
+                </a:solidFill>
+                <a:latin typeface="Courier New" panose="02070309020205020404" pitchFamily="49" charset="0"/>
+                <a:cs typeface="Courier New" panose="02070309020205020404" pitchFamily="49" charset="0"/>
+              </a:rPr>
+              <a:t>code</a:t>
+            </a:r>
+            <a:r>
+              <a:rPr lang="es-AR" sz="1600" dirty="0">
+                <a:solidFill>
+                  <a:srgbClr val="008080"/>
+                </a:solidFill>
+                <a:latin typeface="Courier New" panose="02070309020205020404" pitchFamily="49" charset="0"/>
+                <a:cs typeface="Courier New" panose="02070309020205020404" pitchFamily="49" charset="0"/>
+              </a:rPr>
+              <a:t> </a:t>
+            </a:r>
+            <a:r>
+              <a:rPr lang="es-AR" sz="1600" dirty="0" err="1">
+                <a:solidFill>
+                  <a:srgbClr val="008080"/>
+                </a:solidFill>
+                <a:latin typeface="Courier New" panose="02070309020205020404" pitchFamily="49" charset="0"/>
+                <a:cs typeface="Courier New" panose="02070309020205020404" pitchFamily="49" charset="0"/>
+              </a:rPr>
+              <a:t>if</a:t>
+            </a:r>
+            <a:r>
+              <a:rPr lang="es-AR" sz="1600" dirty="0">
+                <a:solidFill>
+                  <a:srgbClr val="008080"/>
+                </a:solidFill>
+                <a:latin typeface="Courier New" panose="02070309020205020404" pitchFamily="49" charset="0"/>
+                <a:cs typeface="Courier New" panose="02070309020205020404" pitchFamily="49" charset="0"/>
+              </a:rPr>
+              <a:t> </a:t>
+            </a:r>
+            <a:r>
+              <a:rPr lang="es-AR" sz="1600" dirty="0" err="1">
+                <a:solidFill>
+                  <a:srgbClr val="008080"/>
+                </a:solidFill>
+                <a:latin typeface="Courier New" panose="02070309020205020404" pitchFamily="49" charset="0"/>
+                <a:cs typeface="Courier New" panose="02070309020205020404" pitchFamily="49" charset="0"/>
+              </a:rPr>
+              <a:t>there's</a:t>
+            </a:r>
+            <a:r>
+              <a:rPr lang="es-AR" sz="1600" dirty="0">
+                <a:solidFill>
+                  <a:srgbClr val="008080"/>
+                </a:solidFill>
+                <a:latin typeface="Courier New" panose="02070309020205020404" pitchFamily="49" charset="0"/>
+                <a:cs typeface="Courier New" panose="02070309020205020404" pitchFamily="49" charset="0"/>
+              </a:rPr>
+              <a:t> a</a:t>
+            </a:r>
+            <a:r>
+              <a:rPr lang="es-AR" sz="1600" dirty="0">
+                <a:solidFill>
+                  <a:srgbClr val="008080"/>
+                </a:solidFill>
+                <a:latin typeface="Courier New" panose="02070309020205020404" pitchFamily="49" charset="0"/>
+                <a:cs typeface="Courier New" panose="02070309020205020404" pitchFamily="49" charset="0"/>
+              </a:rPr>
+              <a:t> </a:t>
+            </a:r>
+            <a:r>
+              <a:rPr lang="es-AR" sz="1600" dirty="0" err="1">
+                <a:solidFill>
+                  <a:srgbClr val="008080"/>
+                </a:solidFill>
+                <a:latin typeface="Courier New" panose="02070309020205020404" pitchFamily="49" charset="0"/>
+                <a:cs typeface="Courier New" panose="02070309020205020404" pitchFamily="49" charset="0"/>
+              </a:rPr>
+              <a:t>result</a:t>
+            </a:r>
+            <a:endParaRPr lang="es-AR" sz="1600" dirty="0">
+              <a:solidFill>
+                <a:srgbClr val="008080"/>
+              </a:solidFill>
+              <a:latin typeface="Courier New" panose="02070309020205020404" pitchFamily="49" charset="0"/>
+              <a:cs typeface="Courier New" panose="02070309020205020404" pitchFamily="49" charset="0"/>
+            </a:endParaRPr>
+          </a:p>
+          <a:p>
+            <a:pPr lvl="1"/>
+            <a:r>
+              <a:rPr lang="es-AR" sz="1600" dirty="0" smtClean="0">
+                <a:solidFill>
+                  <a:srgbClr val="000000"/>
+                </a:solidFill>
+                <a:latin typeface="Courier New" panose="02070309020205020404" pitchFamily="49" charset="0"/>
+                <a:cs typeface="Courier New" panose="02070309020205020404" pitchFamily="49" charset="0"/>
+              </a:rPr>
+              <a:t>        </a:t>
+            </a:r>
+            <a:r>
+              <a:rPr lang="es-AR" sz="1600" dirty="0">
+                <a:solidFill>
+                  <a:srgbClr val="000000"/>
+                </a:solidFill>
+                <a:latin typeface="Courier New" panose="02070309020205020404" pitchFamily="49" charset="0"/>
+                <a:cs typeface="Courier New" panose="02070309020205020404" pitchFamily="49" charset="0"/>
+              </a:rPr>
+              <a:t>}</a:t>
+            </a:r>
+          </a:p>
+          <a:p>
+            <a:pPr lvl="1"/>
+            <a:r>
+              <a:rPr lang="es-AR" sz="1600" dirty="0">
+                <a:solidFill>
+                  <a:srgbClr val="000000"/>
+                </a:solidFill>
+                <a:latin typeface="Courier New" panose="02070309020205020404" pitchFamily="49" charset="0"/>
+                <a:cs typeface="Courier New" panose="02070309020205020404" pitchFamily="49" charset="0"/>
+              </a:rPr>
+              <a:t>        </a:t>
+            </a:r>
+            <a:r>
+              <a:rPr lang="es-AR" sz="1600" dirty="0" err="1">
+                <a:solidFill>
+                  <a:srgbClr val="000000"/>
+                </a:solidFill>
+                <a:latin typeface="Courier New" panose="02070309020205020404" pitchFamily="49" charset="0"/>
+                <a:cs typeface="Courier New" panose="02070309020205020404" pitchFamily="49" charset="0"/>
+              </a:rPr>
+              <a:t>if</a:t>
+            </a:r>
+            <a:r>
+              <a:rPr lang="es-AR" sz="1600" dirty="0">
+                <a:solidFill>
+                  <a:srgbClr val="000000"/>
+                </a:solidFill>
+                <a:latin typeface="Courier New" panose="02070309020205020404" pitchFamily="49" charset="0"/>
+                <a:cs typeface="Courier New" panose="02070309020205020404" pitchFamily="49" charset="0"/>
+              </a:rPr>
+              <a:t> (</a:t>
+            </a:r>
+            <a:r>
+              <a:rPr lang="es-AR" sz="1600" dirty="0" err="1">
+                <a:solidFill>
+                  <a:srgbClr val="000000"/>
+                </a:solidFill>
+                <a:latin typeface="Courier New" panose="02070309020205020404" pitchFamily="49" charset="0"/>
+                <a:cs typeface="Courier New" panose="02070309020205020404" pitchFamily="49" charset="0"/>
+              </a:rPr>
+              <a:t>resultCode</a:t>
+            </a:r>
+            <a:r>
+              <a:rPr lang="es-AR" sz="1600" dirty="0">
+                <a:solidFill>
+                  <a:srgbClr val="000000"/>
+                </a:solidFill>
+                <a:latin typeface="Courier New" panose="02070309020205020404" pitchFamily="49" charset="0"/>
+                <a:cs typeface="Courier New" panose="02070309020205020404" pitchFamily="49" charset="0"/>
+              </a:rPr>
+              <a:t> == </a:t>
+            </a:r>
+            <a:r>
+              <a:rPr lang="es-AR" sz="1600" i="1" dirty="0">
+                <a:solidFill>
+                  <a:srgbClr val="0070C0"/>
+                </a:solidFill>
+                <a:latin typeface="Courier New" panose="02070309020205020404" pitchFamily="49" charset="0"/>
+                <a:cs typeface="Courier New" panose="02070309020205020404" pitchFamily="49" charset="0"/>
+              </a:rPr>
+              <a:t>RESULT_CANCELED</a:t>
+            </a:r>
+            <a:r>
+              <a:rPr lang="es-AR" sz="1600" dirty="0">
+                <a:solidFill>
+                  <a:srgbClr val="000000"/>
+                </a:solidFill>
+                <a:latin typeface="Courier New" panose="02070309020205020404" pitchFamily="49" charset="0"/>
+                <a:cs typeface="Courier New" panose="02070309020205020404" pitchFamily="49" charset="0"/>
+              </a:rPr>
+              <a:t>) {</a:t>
+            </a:r>
+          </a:p>
+          <a:p>
+            <a:pPr lvl="1"/>
+            <a:r>
+              <a:rPr lang="es-AR" sz="1600" dirty="0">
+                <a:solidFill>
+                  <a:srgbClr val="000000"/>
+                </a:solidFill>
+                <a:latin typeface="Courier New" panose="02070309020205020404" pitchFamily="49" charset="0"/>
+                <a:cs typeface="Courier New" panose="02070309020205020404" pitchFamily="49" charset="0"/>
+              </a:rPr>
+              <a:t>            </a:t>
+            </a:r>
+            <a:r>
+              <a:rPr lang="es-AR" sz="1600" dirty="0">
+                <a:solidFill>
+                  <a:srgbClr val="008080"/>
+                </a:solidFill>
+                <a:latin typeface="Courier New" panose="02070309020205020404" pitchFamily="49" charset="0"/>
+                <a:cs typeface="Courier New" panose="02070309020205020404" pitchFamily="49" charset="0"/>
+              </a:rPr>
+              <a:t>//</a:t>
+            </a:r>
+            <a:r>
+              <a:rPr lang="es-AR" sz="1600" dirty="0" err="1">
+                <a:solidFill>
+                  <a:srgbClr val="008080"/>
+                </a:solidFill>
+                <a:latin typeface="Courier New" panose="02070309020205020404" pitchFamily="49" charset="0"/>
+                <a:cs typeface="Courier New" panose="02070309020205020404" pitchFamily="49" charset="0"/>
+              </a:rPr>
+              <a:t>Write</a:t>
+            </a:r>
+            <a:r>
+              <a:rPr lang="es-AR" sz="1600" dirty="0">
+                <a:solidFill>
+                  <a:srgbClr val="008080"/>
+                </a:solidFill>
+                <a:latin typeface="Courier New" panose="02070309020205020404" pitchFamily="49" charset="0"/>
+                <a:cs typeface="Courier New" panose="02070309020205020404" pitchFamily="49" charset="0"/>
+              </a:rPr>
+              <a:t> </a:t>
+            </a:r>
+            <a:r>
+              <a:rPr lang="es-AR" sz="1600" dirty="0" err="1">
+                <a:solidFill>
+                  <a:srgbClr val="008080"/>
+                </a:solidFill>
+                <a:latin typeface="Courier New" panose="02070309020205020404" pitchFamily="49" charset="0"/>
+                <a:cs typeface="Courier New" panose="02070309020205020404" pitchFamily="49" charset="0"/>
+              </a:rPr>
+              <a:t>your</a:t>
+            </a:r>
+            <a:r>
+              <a:rPr lang="es-AR" sz="1600" dirty="0">
+                <a:solidFill>
+                  <a:srgbClr val="008080"/>
+                </a:solidFill>
+                <a:latin typeface="Courier New" panose="02070309020205020404" pitchFamily="49" charset="0"/>
+                <a:cs typeface="Courier New" panose="02070309020205020404" pitchFamily="49" charset="0"/>
+              </a:rPr>
+              <a:t> </a:t>
+            </a:r>
+            <a:r>
+              <a:rPr lang="es-AR" sz="1600" dirty="0" err="1">
+                <a:solidFill>
+                  <a:srgbClr val="008080"/>
+                </a:solidFill>
+                <a:latin typeface="Courier New" panose="02070309020205020404" pitchFamily="49" charset="0"/>
+                <a:cs typeface="Courier New" panose="02070309020205020404" pitchFamily="49" charset="0"/>
+              </a:rPr>
+              <a:t>code</a:t>
+            </a:r>
+            <a:r>
+              <a:rPr lang="es-AR" sz="1600" dirty="0">
+                <a:solidFill>
+                  <a:srgbClr val="008080"/>
+                </a:solidFill>
+                <a:latin typeface="Courier New" panose="02070309020205020404" pitchFamily="49" charset="0"/>
+                <a:cs typeface="Courier New" panose="02070309020205020404" pitchFamily="49" charset="0"/>
+              </a:rPr>
+              <a:t> </a:t>
+            </a:r>
+            <a:r>
+              <a:rPr lang="es-AR" sz="1600" dirty="0" err="1">
+                <a:solidFill>
+                  <a:srgbClr val="008080"/>
+                </a:solidFill>
+                <a:latin typeface="Courier New" panose="02070309020205020404" pitchFamily="49" charset="0"/>
+                <a:cs typeface="Courier New" panose="02070309020205020404" pitchFamily="49" charset="0"/>
+              </a:rPr>
+              <a:t>if</a:t>
+            </a:r>
+            <a:r>
+              <a:rPr lang="es-AR" sz="1600" dirty="0">
+                <a:solidFill>
+                  <a:srgbClr val="008080"/>
+                </a:solidFill>
+                <a:latin typeface="Courier New" panose="02070309020205020404" pitchFamily="49" charset="0"/>
+                <a:cs typeface="Courier New" panose="02070309020205020404" pitchFamily="49" charset="0"/>
+              </a:rPr>
+              <a:t> </a:t>
+            </a:r>
+            <a:r>
+              <a:rPr lang="es-AR" sz="1600" dirty="0" err="1">
+                <a:solidFill>
+                  <a:srgbClr val="008080"/>
+                </a:solidFill>
+                <a:latin typeface="Courier New" panose="02070309020205020404" pitchFamily="49" charset="0"/>
+                <a:cs typeface="Courier New" panose="02070309020205020404" pitchFamily="49" charset="0"/>
+              </a:rPr>
+              <a:t>there's</a:t>
+            </a:r>
+            <a:r>
+              <a:rPr lang="es-AR" sz="1600" dirty="0">
+                <a:solidFill>
+                  <a:srgbClr val="008080"/>
+                </a:solidFill>
+                <a:latin typeface="Courier New" panose="02070309020205020404" pitchFamily="49" charset="0"/>
+                <a:cs typeface="Courier New" panose="02070309020205020404" pitchFamily="49" charset="0"/>
+              </a:rPr>
+              <a:t> no </a:t>
+            </a:r>
+            <a:r>
+              <a:rPr lang="es-AR" sz="1600" dirty="0" err="1">
+                <a:solidFill>
+                  <a:srgbClr val="008080"/>
+                </a:solidFill>
+                <a:latin typeface="Courier New" panose="02070309020205020404" pitchFamily="49" charset="0"/>
+                <a:cs typeface="Courier New" panose="02070309020205020404" pitchFamily="49" charset="0"/>
+              </a:rPr>
+              <a:t>result</a:t>
+            </a:r>
+            <a:endParaRPr lang="es-AR" sz="1600" dirty="0">
+              <a:solidFill>
+                <a:srgbClr val="008080"/>
+              </a:solidFill>
+              <a:latin typeface="Courier New" panose="02070309020205020404" pitchFamily="49" charset="0"/>
+              <a:cs typeface="Courier New" panose="02070309020205020404" pitchFamily="49" charset="0"/>
+            </a:endParaRPr>
+          </a:p>
+          <a:p>
+            <a:pPr lvl="1"/>
+            <a:r>
+              <a:rPr lang="es-AR" sz="1600" dirty="0">
+                <a:solidFill>
+                  <a:srgbClr val="000000"/>
+                </a:solidFill>
+                <a:latin typeface="Courier New" panose="02070309020205020404" pitchFamily="49" charset="0"/>
+                <a:cs typeface="Courier New" panose="02070309020205020404" pitchFamily="49" charset="0"/>
+              </a:rPr>
+              <a:t>        }</a:t>
+            </a:r>
+          </a:p>
+          <a:p>
+            <a:pPr lvl="1"/>
+            <a:r>
+              <a:rPr lang="es-AR" sz="1600" dirty="0">
+                <a:solidFill>
+                  <a:srgbClr val="000000"/>
+                </a:solidFill>
+                <a:latin typeface="Courier New" panose="02070309020205020404" pitchFamily="49" charset="0"/>
+                <a:cs typeface="Courier New" panose="02070309020205020404" pitchFamily="49" charset="0"/>
+              </a:rPr>
+              <a:t>    }</a:t>
+            </a:r>
+          </a:p>
+          <a:p>
+            <a:pPr lvl="1"/>
+            <a:r>
+              <a:rPr lang="es-AR" sz="1600" dirty="0" smtClean="0">
+                <a:solidFill>
+                  <a:srgbClr val="000000"/>
+                </a:solidFill>
+                <a:latin typeface="Courier New" panose="02070309020205020404" pitchFamily="49" charset="0"/>
+                <a:cs typeface="Courier New" panose="02070309020205020404" pitchFamily="49" charset="0"/>
+              </a:rPr>
+              <a:t>}</a:t>
+            </a:r>
+            <a:endParaRPr lang="es-AR" sz="1600" dirty="0" smtClean="0">
+              <a:latin typeface="Courier New" panose="02070309020205020404" pitchFamily="49" charset="0"/>
+              <a:cs typeface="Courier New" panose="02070309020205020404" pitchFamily="49" charset="0"/>
+            </a:endParaRPr>
+          </a:p>
+          <a:p>
+            <a:r>
+              <a:rPr lang="es-AR" sz="1600" dirty="0" smtClean="0">
+                <a:latin typeface="Courier New" panose="02070309020205020404" pitchFamily="49" charset="0"/>
+                <a:cs typeface="Courier New" panose="02070309020205020404" pitchFamily="49" charset="0"/>
+              </a:rPr>
+              <a:t>}</a:t>
+            </a:r>
+          </a:p>
+        </p:txBody>
+      </p:sp>
+    </p:spTree>
+    <p:extLst>
+      <p:ext uri="{BB962C8B-B14F-4D97-AF65-F5344CB8AC3E}">
+        <p14:creationId xmlns:p14="http://schemas.microsoft.com/office/powerpoint/2010/main" val="2801082956"/>
+      </p:ext>
+    </p:extLst>
+  </p:cSld>
+  <p:clrMapOvr>
+    <a:masterClrMapping/>
+  </p:clrMapOvr>
+  <p:timing>
+    <p:tnLst>
+      <p:par>
+        <p:cTn id="1" dur="indefinite" restart="never" nodeType="tmRoot">
+          <p:childTnLst>
+            <p:seq concurrent="1" nextAc="seek">
+              <p:cTn id="2" dur="indefinite" nodeType="mainSeq">
+                <p:childTnLst>
+                  <p:par>
+                    <p:cTn id="3" fill="hold">
+                      <p:stCondLst>
+                        <p:cond delay="indefinite"/>
+                      </p:stCondLst>
+                      <p:childTnLst>
+                        <p:par>
+                          <p:cTn id="4" fill="hold">
+                            <p:stCondLst>
+                              <p:cond delay="0"/>
+                            </p:stCondLst>
+                            <p:childTnLst>
+                              <p:par>
+                                <p:cTn id="5" presetID="10" presetClass="entr" presetSubtype="0" fill="hold" grpId="0" nodeType="clickEffect">
+                                  <p:stCondLst>
+                                    <p:cond delay="0"/>
+                                  </p:stCondLst>
+                                  <p:childTnLst>
+                                    <p:set>
+                                      <p:cBhvr>
+                                        <p:cTn id="6" dur="1" fill="hold">
+                                          <p:stCondLst>
+                                            <p:cond delay="0"/>
+                                          </p:stCondLst>
+                                        </p:cTn>
+                                        <p:tgtEl>
+                                          <p:spTgt spid="5">
+                                            <p:graphicEl>
+                                              <a:dgm id="{626AD544-BDE4-4CF4-9969-99758CB37DAE}"/>
+                                            </p:graphicEl>
+                                          </p:spTgt>
+                                        </p:tgtEl>
+                                        <p:attrNameLst>
+                                          <p:attrName>style.visibility</p:attrName>
+                                        </p:attrNameLst>
+                                      </p:cBhvr>
+                                      <p:to>
+                                        <p:strVal val="visible"/>
+                                      </p:to>
+                                    </p:set>
+                                    <p:animEffect transition="in" filter="fade">
+                                      <p:cBhvr>
+                                        <p:cTn id="7" dur="500"/>
+                                        <p:tgtEl>
+                                          <p:spTgt spid="5">
+                                            <p:graphicEl>
+                                              <a:dgm id="{626AD544-BDE4-4CF4-9969-99758CB37DAE}"/>
+                                            </p:graphicEl>
+                                          </p:spTgt>
+                                        </p:tgtEl>
+                                      </p:cBhvr>
+                                    </p:animEffect>
+                                  </p:childTnLst>
+                                </p:cTn>
+                              </p:par>
+                            </p:childTnLst>
+                          </p:cTn>
+                        </p:par>
+                      </p:childTnLst>
+                    </p:cTn>
+                  </p:par>
+                  <p:par>
+                    <p:cTn id="8" fill="hold">
+                      <p:stCondLst>
+                        <p:cond delay="indefinite"/>
+                      </p:stCondLst>
+                      <p:childTnLst>
+                        <p:par>
+                          <p:cTn id="9" fill="hold">
+                            <p:stCondLst>
+                              <p:cond delay="0"/>
+                            </p:stCondLst>
+                            <p:childTnLst>
+                              <p:par>
+                                <p:cTn id="10" presetID="10" presetClass="entr" presetSubtype="0" fill="hold" grpId="0" nodeType="clickEffect">
+                                  <p:stCondLst>
+                                    <p:cond delay="0"/>
+                                  </p:stCondLst>
+                                  <p:childTnLst>
+                                    <p:set>
+                                      <p:cBhvr>
+                                        <p:cTn id="11" dur="1" fill="hold">
+                                          <p:stCondLst>
+                                            <p:cond delay="0"/>
+                                          </p:stCondLst>
+                                        </p:cTn>
+                                        <p:tgtEl>
+                                          <p:spTgt spid="5">
+                                            <p:graphicEl>
+                                              <a:dgm id="{52EBDF92-AF37-4AD7-9F52-7BE9A09BFBB8}"/>
+                                            </p:graphicEl>
+                                          </p:spTgt>
+                                        </p:tgtEl>
+                                        <p:attrNameLst>
+                                          <p:attrName>style.visibility</p:attrName>
+                                        </p:attrNameLst>
+                                      </p:cBhvr>
+                                      <p:to>
+                                        <p:strVal val="visible"/>
+                                      </p:to>
+                                    </p:set>
+                                    <p:animEffect transition="in" filter="fade">
+                                      <p:cBhvr>
+                                        <p:cTn id="12" dur="500"/>
+                                        <p:tgtEl>
+                                          <p:spTgt spid="5">
+                                            <p:graphicEl>
+                                              <a:dgm id="{52EBDF92-AF37-4AD7-9F52-7BE9A09BFBB8}"/>
+                                            </p:graphicEl>
+                                          </p:spTgt>
+                                        </p:tgtEl>
+                                      </p:cBhvr>
+                                    </p:animEffect>
+                                  </p:childTnLst>
+                                </p:cTn>
+                              </p:par>
+                              <p:par>
+                                <p:cTn id="13" presetID="10" presetClass="entr" presetSubtype="0" fill="hold" grpId="0" nodeType="withEffect">
+                                  <p:stCondLst>
+                                    <p:cond delay="0"/>
+                                  </p:stCondLst>
+                                  <p:childTnLst>
+                                    <p:set>
+                                      <p:cBhvr>
+                                        <p:cTn id="14" dur="1" fill="hold">
+                                          <p:stCondLst>
+                                            <p:cond delay="0"/>
+                                          </p:stCondLst>
+                                        </p:cTn>
+                                        <p:tgtEl>
+                                          <p:spTgt spid="5">
+                                            <p:graphicEl>
+                                              <a:dgm id="{539123A6-2D90-4BA6-962C-F58647152FE5}"/>
+                                            </p:graphicEl>
+                                          </p:spTgt>
+                                        </p:tgtEl>
+                                        <p:attrNameLst>
+                                          <p:attrName>style.visibility</p:attrName>
+                                        </p:attrNameLst>
+                                      </p:cBhvr>
+                                      <p:to>
+                                        <p:strVal val="visible"/>
+                                      </p:to>
+                                    </p:set>
+                                    <p:animEffect transition="in" filter="fade">
+                                      <p:cBhvr>
+                                        <p:cTn id="15" dur="500"/>
+                                        <p:tgtEl>
+                                          <p:spTgt spid="5">
+                                            <p:graphicEl>
+                                              <a:dgm id="{539123A6-2D90-4BA6-962C-F58647152FE5}"/>
+                                            </p:graphicEl>
+                                          </p:spTgt>
+                                        </p:tgtEl>
+                                      </p:cBhvr>
+                                    </p:animEffect>
+                                  </p:childTnLst>
+                                </p:cTn>
+                              </p:par>
+                            </p:childTnLst>
+                          </p:cTn>
+                        </p:par>
+                      </p:childTnLst>
+                    </p:cTn>
+                  </p:par>
+                  <p:par>
+                    <p:cTn id="16" fill="hold">
+                      <p:stCondLst>
+                        <p:cond delay="indefinite"/>
+                      </p:stCondLst>
+                      <p:childTnLst>
+                        <p:par>
+                          <p:cTn id="17" fill="hold">
+                            <p:stCondLst>
+                              <p:cond delay="0"/>
+                            </p:stCondLst>
+                            <p:childTnLst>
+                              <p:par>
+                                <p:cTn id="18" presetID="10" presetClass="entr" presetSubtype="0" fill="hold" grpId="0" nodeType="clickEffect">
+                                  <p:stCondLst>
+                                    <p:cond delay="0"/>
+                                  </p:stCondLst>
+                                  <p:childTnLst>
+                                    <p:set>
+                                      <p:cBhvr>
+                                        <p:cTn id="19" dur="1" fill="hold">
+                                          <p:stCondLst>
+                                            <p:cond delay="0"/>
+                                          </p:stCondLst>
+                                        </p:cTn>
+                                        <p:tgtEl>
+                                          <p:spTgt spid="5">
+                                            <p:graphicEl>
+                                              <a:dgm id="{C338C8C4-1378-495C-9DE2-97AAA4978DBB}"/>
+                                            </p:graphicEl>
+                                          </p:spTgt>
+                                        </p:tgtEl>
+                                        <p:attrNameLst>
+                                          <p:attrName>style.visibility</p:attrName>
+                                        </p:attrNameLst>
+                                      </p:cBhvr>
+                                      <p:to>
+                                        <p:strVal val="visible"/>
+                                      </p:to>
+                                    </p:set>
+                                    <p:animEffect transition="in" filter="fade">
+                                      <p:cBhvr>
+                                        <p:cTn id="20" dur="500"/>
+                                        <p:tgtEl>
+                                          <p:spTgt spid="5">
+                                            <p:graphicEl>
+                                              <a:dgm id="{C338C8C4-1378-495C-9DE2-97AAA4978DBB}"/>
+                                            </p:graphicEl>
+                                          </p:spTgt>
+                                        </p:tgtEl>
+                                      </p:cBhvr>
+                                    </p:animEffect>
+                                  </p:childTnLst>
+                                </p:cTn>
+                              </p:par>
+                              <p:par>
+                                <p:cTn id="21" presetID="10" presetClass="entr" presetSubtype="0" fill="hold" grpId="0" nodeType="withEffect">
+                                  <p:stCondLst>
+                                    <p:cond delay="0"/>
+                                  </p:stCondLst>
+                                  <p:childTnLst>
+                                    <p:set>
+                                      <p:cBhvr>
+                                        <p:cTn id="22" dur="1" fill="hold">
+                                          <p:stCondLst>
+                                            <p:cond delay="0"/>
+                                          </p:stCondLst>
+                                        </p:cTn>
+                                        <p:tgtEl>
+                                          <p:spTgt spid="5">
+                                            <p:graphicEl>
+                                              <a:dgm id="{9B8D5B35-DE6C-4843-9C7E-9A4A5D360A71}"/>
+                                            </p:graphicEl>
+                                          </p:spTgt>
+                                        </p:tgtEl>
+                                        <p:attrNameLst>
+                                          <p:attrName>style.visibility</p:attrName>
+                                        </p:attrNameLst>
+                                      </p:cBhvr>
+                                      <p:to>
+                                        <p:strVal val="visible"/>
+                                      </p:to>
+                                    </p:set>
+                                    <p:animEffect transition="in" filter="fade">
+                                      <p:cBhvr>
+                                        <p:cTn id="23" dur="500"/>
+                                        <p:tgtEl>
+                                          <p:spTgt spid="5">
+                                            <p:graphicEl>
+                                              <a:dgm id="{9B8D5B35-DE6C-4843-9C7E-9A4A5D360A71}"/>
+                                            </p:graphicEl>
+                                          </p:spTgt>
+                                        </p:tgtEl>
+                                      </p:cBhvr>
+                                    </p:animEffect>
+                                  </p:childTnLst>
+                                </p:cTn>
+                              </p:par>
+                            </p:childTnLst>
+                          </p:cTn>
+                        </p:par>
+                      </p:childTnLst>
+                    </p:cTn>
+                  </p:par>
+                  <p:par>
+                    <p:cTn id="24" fill="hold">
+                      <p:stCondLst>
+                        <p:cond delay="indefinite"/>
+                      </p:stCondLst>
+                      <p:childTnLst>
+                        <p:par>
+                          <p:cTn id="25" fill="hold">
+                            <p:stCondLst>
+                              <p:cond delay="0"/>
+                            </p:stCondLst>
+                            <p:childTnLst>
+                              <p:par>
+                                <p:cTn id="26" presetID="10" presetClass="entr" presetSubtype="0" fill="hold" grpId="0" nodeType="clickEffect">
+                                  <p:stCondLst>
+                                    <p:cond delay="0"/>
+                                  </p:stCondLst>
+                                  <p:childTnLst>
+                                    <p:set>
+                                      <p:cBhvr>
+                                        <p:cTn id="27" dur="1" fill="hold">
+                                          <p:stCondLst>
+                                            <p:cond delay="0"/>
+                                          </p:stCondLst>
+                                        </p:cTn>
+                                        <p:tgtEl>
+                                          <p:spTgt spid="5">
+                                            <p:graphicEl>
+                                              <a:dgm id="{678D759F-BEB3-45E9-AAEC-D0282229B63D}"/>
+                                            </p:graphicEl>
+                                          </p:spTgt>
+                                        </p:tgtEl>
+                                        <p:attrNameLst>
+                                          <p:attrName>style.visibility</p:attrName>
+                                        </p:attrNameLst>
+                                      </p:cBhvr>
+                                      <p:to>
+                                        <p:strVal val="visible"/>
+                                      </p:to>
+                                    </p:set>
+                                    <p:animEffect transition="in" filter="fade">
+                                      <p:cBhvr>
+                                        <p:cTn id="28" dur="500"/>
+                                        <p:tgtEl>
+                                          <p:spTgt spid="5">
+                                            <p:graphicEl>
+                                              <a:dgm id="{678D759F-BEB3-45E9-AAEC-D0282229B63D}"/>
+                                            </p:graphicEl>
+                                          </p:spTgt>
+                                        </p:tgtEl>
+                                      </p:cBhvr>
+                                    </p:animEffect>
+                                  </p:childTnLst>
+                                </p:cTn>
+                              </p:par>
+                              <p:par>
+                                <p:cTn id="29" presetID="10" presetClass="entr" presetSubtype="0" fill="hold" grpId="0" nodeType="withEffect">
+                                  <p:stCondLst>
+                                    <p:cond delay="0"/>
+                                  </p:stCondLst>
+                                  <p:childTnLst>
+                                    <p:set>
+                                      <p:cBhvr>
+                                        <p:cTn id="30" dur="1" fill="hold">
+                                          <p:stCondLst>
+                                            <p:cond delay="0"/>
+                                          </p:stCondLst>
+                                        </p:cTn>
+                                        <p:tgtEl>
+                                          <p:spTgt spid="5">
+                                            <p:graphicEl>
+                                              <a:dgm id="{DB1A1998-783C-4820-B033-1D4EBD55FA49}"/>
+                                            </p:graphicEl>
+                                          </p:spTgt>
+                                        </p:tgtEl>
+                                        <p:attrNameLst>
+                                          <p:attrName>style.visibility</p:attrName>
+                                        </p:attrNameLst>
+                                      </p:cBhvr>
+                                      <p:to>
+                                        <p:strVal val="visible"/>
+                                      </p:to>
+                                    </p:set>
+                                    <p:animEffect transition="in" filter="fade">
+                                      <p:cBhvr>
+                                        <p:cTn id="31" dur="500"/>
+                                        <p:tgtEl>
+                                          <p:spTgt spid="5">
+                                            <p:graphicEl>
+                                              <a:dgm id="{DB1A1998-783C-4820-B033-1D4EBD55FA49}"/>
+                                            </p:graphicEl>
+                                          </p:spTgt>
+                                        </p:tgtEl>
+                                      </p:cBhvr>
+                                    </p:animEffect>
+                                  </p:childTnLst>
+                                </p:cTn>
+                              </p:par>
+                            </p:childTnLst>
+                          </p:cTn>
+                        </p:par>
+                      </p:childTnLst>
+                    </p:cTn>
+                  </p:par>
+                </p:childTnLst>
+              </p:cTn>
+              <p:prevCondLst>
+                <p:cond evt="onPrev" delay="0">
+                  <p:tgtEl>
+                    <p:sldTgt/>
+                  </p:tgtEl>
+                </p:cond>
+              </p:prevCondLst>
+              <p:nextCondLst>
+                <p:cond evt="onNext" delay="0">
+                  <p:tgtEl>
+                    <p:sldTgt/>
+                  </p:tgtEl>
+                </p:cond>
+              </p:nextCondLst>
+            </p:seq>
+            <p:seq concurrent="1" nextAc="seek">
+              <p:cTn id="32" restart="whenNotActive" fill="hold" evtFilter="cancelBubble" nodeType="interactiveSeq">
+                <p:stCondLst>
+                  <p:cond evt="onClick" delay="0">
+                    <p:tgtEl>
+                      <p:spTgt spid="23"/>
+                    </p:tgtEl>
+                  </p:cond>
+                </p:stCondLst>
+                <p:endSync evt="end" delay="0">
+                  <p:rtn val="all"/>
+                </p:endSync>
+                <p:childTnLst>
+                  <p:par>
+                    <p:cTn id="33" fill="hold">
+                      <p:stCondLst>
+                        <p:cond delay="0"/>
+                      </p:stCondLst>
+                      <p:childTnLst>
+                        <p:par>
+                          <p:cTn id="34" fill="hold">
+                            <p:stCondLst>
+                              <p:cond delay="0"/>
+                            </p:stCondLst>
+                            <p:childTnLst>
+                              <p:par>
+                                <p:cTn id="35" presetID="10" presetClass="entr" presetSubtype="0" fill="hold" grpId="0" nodeType="clickEffect">
+                                  <p:stCondLst>
+                                    <p:cond delay="0"/>
+                                  </p:stCondLst>
+                                  <p:childTnLst>
+                                    <p:set>
+                                      <p:cBhvr>
+                                        <p:cTn id="36" dur="1" fill="hold">
+                                          <p:stCondLst>
+                                            <p:cond delay="0"/>
+                                          </p:stCondLst>
+                                        </p:cTn>
+                                        <p:tgtEl>
+                                          <p:spTgt spid="8"/>
+                                        </p:tgtEl>
+                                        <p:attrNameLst>
+                                          <p:attrName>style.visibility</p:attrName>
+                                        </p:attrNameLst>
+                                      </p:cBhvr>
+                                      <p:to>
+                                        <p:strVal val="visible"/>
+                                      </p:to>
+                                    </p:set>
+                                    <p:animEffect transition="in" filter="fade">
+                                      <p:cBhvr>
+                                        <p:cTn id="37" dur="500"/>
+                                        <p:tgtEl>
+                                          <p:spTgt spid="8"/>
+                                        </p:tgtEl>
+                                      </p:cBhvr>
+                                    </p:animEffect>
+                                  </p:childTnLst>
+                                </p:cTn>
+                              </p:par>
+                            </p:childTnLst>
+                          </p:cTn>
+                        </p:par>
+                      </p:childTnLst>
+                    </p:cTn>
+                  </p:par>
+                </p:childTnLst>
+              </p:cTn>
+              <p:nextCondLst>
+                <p:cond evt="onClick" delay="0">
+                  <p:tgtEl>
+                    <p:spTgt spid="23"/>
+                  </p:tgtEl>
+                </p:cond>
+              </p:nextCondLst>
+            </p:seq>
+            <p:seq concurrent="1" nextAc="seek">
+              <p:cTn id="38" restart="whenNotActive" fill="hold" evtFilter="cancelBubble" nodeType="interactiveSeq">
+                <p:stCondLst>
+                  <p:cond evt="onClick" delay="0">
+                    <p:tgtEl>
+                      <p:spTgt spid="29"/>
+                    </p:tgtEl>
+                  </p:cond>
+                </p:stCondLst>
+                <p:endSync evt="end" delay="0">
+                  <p:rtn val="all"/>
+                </p:endSync>
+                <p:childTnLst>
+                  <p:par>
+                    <p:cTn id="39" fill="hold">
+                      <p:stCondLst>
+                        <p:cond delay="0"/>
+                      </p:stCondLst>
+                      <p:childTnLst>
+                        <p:par>
+                          <p:cTn id="40" fill="hold">
+                            <p:stCondLst>
+                              <p:cond delay="0"/>
+                            </p:stCondLst>
+                            <p:childTnLst>
+                              <p:par>
+                                <p:cTn id="41" presetID="10" presetClass="exit" presetSubtype="0" fill="hold" grpId="1" nodeType="clickEffect">
+                                  <p:stCondLst>
+                                    <p:cond delay="0"/>
+                                  </p:stCondLst>
+                                  <p:childTnLst>
+                                    <p:animEffect transition="out" filter="fade">
+                                      <p:cBhvr>
+                                        <p:cTn id="42" dur="500"/>
+                                        <p:tgtEl>
+                                          <p:spTgt spid="8"/>
+                                        </p:tgtEl>
+                                      </p:cBhvr>
+                                    </p:animEffect>
+                                    <p:set>
+                                      <p:cBhvr>
+                                        <p:cTn id="43" dur="1" fill="hold">
+                                          <p:stCondLst>
+                                            <p:cond delay="499"/>
+                                          </p:stCondLst>
+                                        </p:cTn>
+                                        <p:tgtEl>
+                                          <p:spTgt spid="8"/>
+                                        </p:tgtEl>
+                                        <p:attrNameLst>
+                                          <p:attrName>style.visibility</p:attrName>
+                                        </p:attrNameLst>
+                                      </p:cBhvr>
+                                      <p:to>
+                                        <p:strVal val="hidden"/>
+                                      </p:to>
+                                    </p:set>
+                                  </p:childTnLst>
+                                </p:cTn>
+                              </p:par>
+                            </p:childTnLst>
+                          </p:cTn>
+                        </p:par>
+                      </p:childTnLst>
+                    </p:cTn>
+                  </p:par>
+                </p:childTnLst>
+              </p:cTn>
+              <p:nextCondLst>
+                <p:cond evt="onClick" delay="0">
+                  <p:tgtEl>
+                    <p:spTgt spid="29"/>
+                  </p:tgtEl>
+                </p:cond>
+              </p:nextCondLst>
+            </p:seq>
+          </p:childTnLst>
+        </p:cTn>
+      </p:par>
+    </p:tnLst>
+    <p:bldLst>
+      <p:bldGraphic spid="5" grpId="0" uiExpand="1">
+        <p:bldSub>
+          <a:bldDgm bld="one"/>
+        </p:bldSub>
+      </p:bldGraphic>
+      <p:bldP spid="8" grpId="0" animBg="1"/>
+      <p:bldP spid="8" grpId="1" animBg="1"/>
+    </p:bldLst>
+  </p:timing>
+</p:sld>
+</file>
+
+<file path=ppt/slides/slide2.xml><?xml version="1.0" encoding="utf-8"?>
+<p:sld xmlns:a="http://schemas.openxmlformats.org/drawingml/2006/main" xmlns:r="http://schemas.openxmlformats.org/officeDocument/2006/relationships" xmlns:p="http://schemas.openxmlformats.org/presentationml/2006/main">
+  <p:cSld>
+    <p:bg>
+      <p:bgPr>
+        <a:solidFill>
+          <a:schemeClr val="tx2"/>
+        </a:solidFill>
+        <a:effectLst/>
+      </p:bgPr>
+    </p:bg>
+    <p:spTree>
+      <p:nvGrpSpPr>
+        <p:cNvPr id="1" name=""/>
+        <p:cNvGrpSpPr/>
+        <p:nvPr/>
+      </p:nvGrpSpPr>
+      <p:grpSpPr>
+        <a:xfrm>
+          <a:off x="0" y="0"/>
+          <a:ext cx="0" cy="0"/>
+          <a:chOff x="0" y="0"/>
+          <a:chExt cx="0" cy="0"/>
+        </a:xfrm>
+      </p:grpSpPr>
       <p:cxnSp>
         <p:nvCxnSpPr>
           <p:cNvPr id="29" name="Straight Connector 28"/>
@@ -34364,7 +36948,7 @@
           <a:p>
             <a:pPr algn="ctr"/>
             <a:r>
-              <a:rPr lang="es-AR" sz="3000" dirty="0" err="1" smtClean="0">
+              <a:rPr lang="es-AR" sz="3000" dirty="0" smtClean="0">
                 <a:ln w="0"/>
                 <a:solidFill>
                   <a:srgbClr val="A4C639"/>
@@ -34449,7 +37033,7 @@
           <a:p>
             <a:pPr algn="ctr"/>
             <a:r>
-              <a:rPr lang="es-AR" sz="3000" dirty="0" err="1" smtClean="0">
+              <a:rPr lang="es-AR" sz="3000" dirty="0" smtClean="0">
                 <a:ln w="0"/>
                 <a:solidFill>
                   <a:srgbClr val="A4C639"/>
@@ -34881,7 +37465,7 @@
 </p:sld>
 </file>
 
-<file path=ppt/slides/slide2.xml><?xml version="1.0" encoding="utf-8"?>
+<file path=ppt/slides/slide3.xml><?xml version="1.0" encoding="utf-8"?>
 <p:sld xmlns:a="http://schemas.openxmlformats.org/drawingml/2006/main" xmlns:r="http://schemas.openxmlformats.org/officeDocument/2006/relationships" xmlns:p="http://schemas.openxmlformats.org/presentationml/2006/main">
   <p:cSld>
     <p:bg>
@@ -36998,7 +39582,7 @@
 </p:sld>
 </file>
 
-<file path=ppt/slides/slide3.xml><?xml version="1.0" encoding="utf-8"?>
+<file path=ppt/slides/slide4.xml><?xml version="1.0" encoding="utf-8"?>
 <p:sld xmlns:a="http://schemas.openxmlformats.org/drawingml/2006/main" xmlns:r="http://schemas.openxmlformats.org/officeDocument/2006/relationships" xmlns:p="http://schemas.openxmlformats.org/presentationml/2006/main">
   <p:cSld>
     <p:bg>
@@ -40393,7 +42977,7 @@
 </p:sld>
 </file>
 
-<file path=ppt/slides/slide4.xml><?xml version="1.0" encoding="utf-8"?>
+<file path=ppt/slides/slide5.xml><?xml version="1.0" encoding="utf-8"?>
 <p:sld xmlns:a="http://schemas.openxmlformats.org/drawingml/2006/main" xmlns:r="http://schemas.openxmlformats.org/officeDocument/2006/relationships" xmlns:p="http://schemas.openxmlformats.org/presentationml/2006/main">
   <p:cSld>
     <p:bg>
@@ -42717,7 +45301,7 @@
 </p:sld>
 </file>
 
-<file path=ppt/slides/slide5.xml><?xml version="1.0" encoding="utf-8"?>
+<file path=ppt/slides/slide6.xml><?xml version="1.0" encoding="utf-8"?>
 <p:sld xmlns:a="http://schemas.openxmlformats.org/drawingml/2006/main" xmlns:r="http://schemas.openxmlformats.org/officeDocument/2006/relationships" xmlns:p="http://schemas.openxmlformats.org/presentationml/2006/main">
   <p:cSld>
     <p:bg>
@@ -42816,7 +45400,11 @@
             <a:pPr algn="ctr"/>
             <a:r>
               <a:rPr lang="es-AR" sz="2400" dirty="0" smtClean="0"/>
-              <a:t>Ver Diagrama</a:t>
+              <a:t>Ver </a:t>
+            </a:r>
+            <a:r>
+              <a:rPr lang="es-AR" sz="2400" dirty="0" smtClean="0"/>
+              <a:t>Imagen</a:t>
             </a:r>
             <a:endParaRPr lang="es-AR" sz="2400" dirty="0"/>
           </a:p>
@@ -42858,7 +45446,11 @@
             <a:pPr algn="ctr"/>
             <a:r>
               <a:rPr lang="es-AR" sz="2400" dirty="0" smtClean="0"/>
-              <a:t>Ocultar Diagrama</a:t>
+              <a:t>Ocultar </a:t>
+            </a:r>
+            <a:r>
+              <a:rPr lang="es-AR" sz="2400" dirty="0" smtClean="0"/>
+              <a:t>Imagen</a:t>
             </a:r>
             <a:endParaRPr lang="es-AR" sz="2400" dirty="0"/>
           </a:p>
@@ -44080,7 +46672,7 @@
 </p:sld>
 </file>
 
-<file path=ppt/slides/slide6.xml><?xml version="1.0" encoding="utf-8"?>
+<file path=ppt/slides/slide7.xml><?xml version="1.0" encoding="utf-8"?>
 <p:sld xmlns:a="http://schemas.openxmlformats.org/drawingml/2006/main" xmlns:r="http://schemas.openxmlformats.org/officeDocument/2006/relationships" xmlns:p="http://schemas.openxmlformats.org/presentationml/2006/main">
   <p:cSld>
     <p:bg>
@@ -44630,7 +47222,7 @@
 </p:sld>
 </file>
 
-<file path=ppt/slides/slide7.xml><?xml version="1.0" encoding="utf-8"?>
+<file path=ppt/slides/slide8.xml><?xml version="1.0" encoding="utf-8"?>
 <p:sld xmlns:a="http://schemas.openxmlformats.org/drawingml/2006/main" xmlns:r="http://schemas.openxmlformats.org/officeDocument/2006/relationships" xmlns:p="http://schemas.openxmlformats.org/presentationml/2006/main">
   <p:cSld>
     <p:bg>
@@ -44665,7 +47257,7 @@
         </p:nvSpPr>
         <p:spPr>
           <a:xfrm>
-            <a:off x="9256528" y="6105293"/>
+            <a:off x="8861081" y="6110056"/>
             <a:ext cx="2697500" cy="476250"/>
           </a:xfrm>
           <a:prstGeom prst="roundRect">
@@ -45437,13 +48029,55 @@
       </p:sp>
       <p:sp>
         <p:nvSpPr>
+          <p:cNvPr id="12" name="btnBluetoothAdapter"/>
+          <p:cNvSpPr/>
+          <p:nvPr/>
+        </p:nvSpPr>
+        <p:spPr>
+          <a:xfrm>
+            <a:off x="5941826" y="6100647"/>
+            <a:ext cx="2697500" cy="476250"/>
+          </a:xfrm>
+          <a:prstGeom prst="roundRect">
+            <a:avLst/>
+          </a:prstGeom>
+        </p:spPr>
+        <p:style>
+          <a:lnRef idx="0">
+            <a:schemeClr val="accent5"/>
+          </a:lnRef>
+          <a:fillRef idx="3">
+            <a:schemeClr val="accent5"/>
+          </a:fillRef>
+          <a:effectRef idx="3">
+            <a:schemeClr val="accent5"/>
+          </a:effectRef>
+          <a:fontRef idx="minor">
+            <a:schemeClr val="lt1"/>
+          </a:fontRef>
+        </p:style>
+        <p:txBody>
+          <a:bodyPr rtlCol="0" anchor="ctr"/>
+          <a:lstStyle/>
+          <a:p>
+            <a:pPr algn="ctr"/>
+            <a:r>
+              <a:rPr lang="es-AR" sz="2400" dirty="0" smtClean="0"/>
+              <a:t>Ver Emulador</a:t>
+            </a:r>
+            <a:endParaRPr lang="es-AR" sz="2400" dirty="0"/>
+          </a:p>
+        </p:txBody>
+      </p:sp>
+      <p:sp>
+        <p:nvSpPr>
           <p:cNvPr id="11" name="Rectangle 10"/>
           <p:cNvSpPr/>
           <p:nvPr/>
         </p:nvSpPr>
         <p:spPr>
           <a:xfrm>
-            <a:off x="6193631" y="5364182"/>
+            <a:off x="5887868" y="5298303"/>
             <a:ext cx="5946425" cy="1357357"/>
           </a:xfrm>
           <a:prstGeom prst="rect">
@@ -46076,7 +48710,7 @@
 </p:sld>
 </file>
 
-<file path=ppt/slides/slide8.xml><?xml version="1.0" encoding="utf-8"?>
+<file path=ppt/slides/slide9.xml><?xml version="1.0" encoding="utf-8"?>
 <p:sld xmlns:a="http://schemas.openxmlformats.org/drawingml/2006/main" xmlns:r="http://schemas.openxmlformats.org/officeDocument/2006/relationships" xmlns:p="http://schemas.openxmlformats.org/presentationml/2006/main">
   <p:cSld>
     <p:bg>
@@ -46199,23 +48833,7 @@
                   <a:schemeClr val="bg1"/>
                 </a:solidFill>
               </a:rPr>
-              <a:t>¿Qué es un </a:t>
-            </a:r>
-            <a:r>
-              <a:rPr lang="es-AR" sz="3600" dirty="0" err="1" smtClean="0">
-                <a:solidFill>
-                  <a:schemeClr val="bg1"/>
-                </a:solidFill>
-              </a:rPr>
-              <a:t>Intent</a:t>
-            </a:r>
-            <a:r>
-              <a:rPr lang="es-AR" sz="3600" dirty="0" smtClean="0">
-                <a:solidFill>
-                  <a:schemeClr val="bg1"/>
-                </a:solidFill>
-              </a:rPr>
-              <a:t>?</a:t>
+              <a:t>¿Qué es un Intent?</a:t>
             </a:r>
             <a:endParaRPr lang="es-AR" sz="3600" dirty="0">
               <a:solidFill>
@@ -46260,8 +48878,8 @@
           <a:p>
             <a:pPr algn="ctr"/>
             <a:r>
-              <a:rPr lang="es-AR" sz="2400" dirty="0"/>
-              <a:t>a</a:t>
+              <a:rPr lang="es-AR" sz="2400" dirty="0" smtClean="0"/>
+              <a:t>Ver código</a:t>
             </a:r>
             <a:endParaRPr lang="es-AR" sz="2400" dirty="0"/>
           </a:p>
@@ -46303,7 +48921,7 @@
             <a:pPr algn="ctr"/>
             <a:r>
               <a:rPr lang="es-AR" sz="2400" dirty="0" smtClean="0"/>
-              <a:t>b</a:t>
+              <a:t>Ocultar código</a:t>
             </a:r>
             <a:endParaRPr lang="es-AR" sz="2400" dirty="0"/>
           </a:p>
@@ -46483,7 +49101,7 @@
         <p:spPr>
           <a:xfrm>
             <a:off x="2592124" y="2600389"/>
-            <a:ext cx="9256776" cy="1231106"/>
+            <a:ext cx="9256776" cy="1508105"/>
           </a:xfrm>
           <a:prstGeom prst="rect">
             <a:avLst/>
@@ -46806,7 +49424,23 @@
                   <a:srgbClr val="C4D5EB"/>
                 </a:solidFill>
               </a:rPr>
-              <a:t>, se llama a </a:t>
+              <a:t>, se </a:t>
+            </a:r>
+            <a:r>
+              <a:rPr lang="en-US" dirty="0">
+                <a:solidFill>
+                  <a:srgbClr val="C4D5EB"/>
+                </a:solidFill>
+              </a:rPr>
+              <a:t>llama</a:t>
+            </a:r>
+            <a:r>
+              <a:rPr lang="en-US" dirty="0" smtClean="0">
+                <a:solidFill>
+                  <a:srgbClr val="C4D5EB"/>
+                </a:solidFill>
+              </a:rPr>
+              <a:t> a </a:t>
             </a:r>
             <a:r>
               <a:rPr lang="en-US" i="1" dirty="0" err="1" smtClean="0">
@@ -46823,6 +49457,92 @@
                 </a:solidFill>
               </a:rPr>
               <a:t>()</a:t>
+            </a:r>
+          </a:p>
+          <a:p>
+            <a:pPr marL="285750" indent="-285750">
+              <a:buFont typeface="Arial" panose="020B0604020202020204" pitchFamily="34" charset="0"/>
+              <a:buChar char="•"/>
+            </a:pPr>
+            <a:r>
+              <a:rPr lang="en-US" dirty="0" smtClean="0">
+                <a:solidFill>
+                  <a:srgbClr val="C4D5EB"/>
+                </a:solidFill>
+              </a:rPr>
+              <a:t>El </a:t>
+            </a:r>
+            <a:r>
+              <a:rPr lang="en-US" dirty="0" err="1" smtClean="0">
+                <a:solidFill>
+                  <a:srgbClr val="C4D5EB"/>
+                </a:solidFill>
+              </a:rPr>
+              <a:t>resultado</a:t>
+            </a:r>
+            <a:r>
+              <a:rPr lang="en-US" dirty="0" smtClean="0">
+                <a:solidFill>
+                  <a:srgbClr val="C4D5EB"/>
+                </a:solidFill>
+              </a:rPr>
+              <a:t> se </a:t>
+            </a:r>
+            <a:r>
+              <a:rPr lang="en-US" dirty="0" err="1" smtClean="0">
+                <a:solidFill>
+                  <a:srgbClr val="C4D5EB"/>
+                </a:solidFill>
+              </a:rPr>
+              <a:t>recibe</a:t>
+            </a:r>
+            <a:r>
+              <a:rPr lang="en-US" dirty="0" smtClean="0">
+                <a:solidFill>
+                  <a:srgbClr val="C4D5EB"/>
+                </a:solidFill>
+              </a:rPr>
+              <a:t> a </a:t>
+            </a:r>
+            <a:r>
+              <a:rPr lang="en-US" dirty="0" err="1" smtClean="0">
+                <a:solidFill>
+                  <a:srgbClr val="C4D5EB"/>
+                </a:solidFill>
+              </a:rPr>
+              <a:t>través</a:t>
+            </a:r>
+            <a:r>
+              <a:rPr lang="en-US" dirty="0" smtClean="0">
+                <a:solidFill>
+                  <a:srgbClr val="C4D5EB"/>
+                </a:solidFill>
+              </a:rPr>
+              <a:t> de </a:t>
+            </a:r>
+            <a:r>
+              <a:rPr lang="en-US" i="1" dirty="0" err="1">
+                <a:solidFill>
+                  <a:schemeClr val="accent1"/>
+                </a:solidFill>
+              </a:rPr>
+              <a:t>onActivityResult</a:t>
+            </a:r>
+            <a:r>
+              <a:rPr lang="en-US" i="1" dirty="0">
+                <a:solidFill>
+                  <a:schemeClr val="accent1"/>
+                </a:solidFill>
+              </a:rPr>
+              <a:t>(</a:t>
+            </a:r>
+            <a:r>
+              <a:rPr lang="en-US" i="1" dirty="0">
+                <a:solidFill>
+                  <a:schemeClr val="accent1"/>
+                </a:solidFill>
+              </a:rPr>
+              <a:t>)</a:t>
             </a:r>
             <a:endParaRPr lang="es-AR" i="1" dirty="0">
               <a:solidFill>
@@ -46840,7 +49560,7 @@
         </p:nvGrpSpPr>
         <p:grpSpPr>
           <a:xfrm>
-            <a:off x="1504164" y="4267993"/>
+            <a:off x="1504164" y="4420393"/>
             <a:ext cx="784555" cy="784555"/>
             <a:chOff x="1504164" y="3865657"/>
             <a:chExt cx="784555" cy="784555"/>
@@ -46948,7 +49668,7 @@
         </p:nvSpPr>
         <p:spPr>
           <a:xfrm>
-            <a:off x="2558987" y="4169901"/>
+            <a:off x="2558987" y="4322301"/>
             <a:ext cx="9256776" cy="954107"/>
           </a:xfrm>
           <a:prstGeom prst="rect">
@@ -47132,6 +49852,421 @@
               <a:solidFill>
                 <a:schemeClr val="accent1"/>
               </a:solidFill>
+            </a:endParaRPr>
+          </a:p>
+        </p:txBody>
+      </p:sp>
+      <p:sp>
+        <p:nvSpPr>
+          <p:cNvPr id="15" name="Código tiene Bluetooth?"/>
+          <p:cNvSpPr txBox="1"/>
+          <p:nvPr/>
+        </p:nvSpPr>
+        <p:spPr>
+          <a:xfrm>
+            <a:off x="155414" y="331085"/>
+            <a:ext cx="11945841" cy="2062103"/>
+          </a:xfrm>
+          <a:prstGeom prst="rect">
+            <a:avLst/>
+          </a:prstGeom>
+          <a:solidFill>
+            <a:srgbClr val="EAEAEA">
+              <a:alpha val="90000"/>
+            </a:srgbClr>
+          </a:solidFill>
+        </p:spPr>
+        <p:txBody>
+          <a:bodyPr wrap="square" rtlCol="0">
+            <a:spAutoFit/>
+          </a:bodyPr>
+          <a:lstStyle/>
+          <a:p>
+            <a:pPr fontAlgn="base"/>
+            <a:r>
+              <a:rPr lang="en-US" sz="1600" b="1" dirty="0">
+                <a:solidFill>
+                  <a:srgbClr val="7F0055"/>
+                </a:solidFill>
+                <a:highlight>
+                  <a:srgbClr val="E8F2FE"/>
+                </a:highlight>
+                <a:latin typeface="Courier New" panose="02070309020205020404" pitchFamily="49" charset="0"/>
+              </a:rPr>
+              <a:t>public</a:t>
+            </a:r>
+            <a:r>
+              <a:rPr lang="en-US" sz="1600" b="1" dirty="0">
+                <a:solidFill>
+                  <a:srgbClr val="000000"/>
+                </a:solidFill>
+                <a:highlight>
+                  <a:srgbClr val="E8F2FE"/>
+                </a:highlight>
+                <a:latin typeface="Courier New" panose="02070309020205020404" pitchFamily="49" charset="0"/>
+              </a:rPr>
+              <a:t> </a:t>
+            </a:r>
+            <a:r>
+              <a:rPr lang="en-US" sz="1600" b="1" dirty="0">
+                <a:solidFill>
+                  <a:srgbClr val="7F0055"/>
+                </a:solidFill>
+                <a:highlight>
+                  <a:srgbClr val="E8F2FE"/>
+                </a:highlight>
+                <a:latin typeface="Courier New" panose="02070309020205020404" pitchFamily="49" charset="0"/>
+              </a:rPr>
+              <a:t>class</a:t>
+            </a:r>
+            <a:r>
+              <a:rPr lang="en-US" sz="1600" b="1" dirty="0">
+                <a:solidFill>
+                  <a:srgbClr val="000000"/>
+                </a:solidFill>
+                <a:highlight>
+                  <a:srgbClr val="E8F2FE"/>
+                </a:highlight>
+                <a:latin typeface="Courier New" panose="02070309020205020404" pitchFamily="49" charset="0"/>
+              </a:rPr>
+              <a:t> </a:t>
+            </a:r>
+            <a:r>
+              <a:rPr lang="en-US" sz="1600" dirty="0" err="1">
+                <a:solidFill>
+                  <a:srgbClr val="000000"/>
+                </a:solidFill>
+                <a:highlight>
+                  <a:srgbClr val="E8F2FE"/>
+                </a:highlight>
+                <a:latin typeface="Courier New" panose="02070309020205020404" pitchFamily="49" charset="0"/>
+              </a:rPr>
+              <a:t>MainActivity</a:t>
+            </a:r>
+            <a:r>
+              <a:rPr lang="en-US" sz="1600" dirty="0">
+                <a:solidFill>
+                  <a:srgbClr val="000000"/>
+                </a:solidFill>
+                <a:highlight>
+                  <a:srgbClr val="E8F2FE"/>
+                </a:highlight>
+                <a:latin typeface="Courier New" panose="02070309020205020404" pitchFamily="49" charset="0"/>
+              </a:rPr>
+              <a:t> </a:t>
+            </a:r>
+            <a:r>
+              <a:rPr lang="en-US" sz="1600" b="1" dirty="0">
+                <a:solidFill>
+                  <a:srgbClr val="7F0055"/>
+                </a:solidFill>
+                <a:highlight>
+                  <a:srgbClr val="E8F2FE"/>
+                </a:highlight>
+                <a:latin typeface="Courier New" panose="02070309020205020404" pitchFamily="49" charset="0"/>
+              </a:rPr>
+              <a:t>extends</a:t>
+            </a:r>
+            <a:r>
+              <a:rPr lang="en-US" sz="1600" b="1" dirty="0">
+                <a:solidFill>
+                  <a:srgbClr val="000000"/>
+                </a:solidFill>
+                <a:highlight>
+                  <a:srgbClr val="E8F2FE"/>
+                </a:highlight>
+                <a:latin typeface="Courier New" panose="02070309020205020404" pitchFamily="49" charset="0"/>
+              </a:rPr>
+              <a:t> </a:t>
+            </a:r>
+            <a:r>
+              <a:rPr lang="en-US" sz="1600" dirty="0" smtClean="0">
+                <a:solidFill>
+                  <a:srgbClr val="000000"/>
+                </a:solidFill>
+                <a:highlight>
+                  <a:srgbClr val="E8F2FE"/>
+                </a:highlight>
+                <a:latin typeface="Courier New" panose="02070309020205020404" pitchFamily="49" charset="0"/>
+              </a:rPr>
+              <a:t>Activity {</a:t>
+            </a:r>
+          </a:p>
+          <a:p>
+            <a:pPr fontAlgn="base"/>
+            <a:endParaRPr lang="en-US" sz="1600" b="1" dirty="0">
+              <a:solidFill>
+                <a:srgbClr val="000000"/>
+              </a:solidFill>
+              <a:highlight>
+                <a:srgbClr val="E8F2FE"/>
+              </a:highlight>
+              <a:latin typeface="Courier New" panose="02070309020205020404" pitchFamily="49" charset="0"/>
+            </a:endParaRPr>
+          </a:p>
+          <a:p>
+            <a:pPr fontAlgn="base"/>
+            <a:r>
+              <a:rPr lang="es-AR" sz="1600" dirty="0" smtClean="0">
+                <a:solidFill>
+                  <a:srgbClr val="000000"/>
+                </a:solidFill>
+                <a:latin typeface="Courier New" panose="02070309020205020404" pitchFamily="49" charset="0"/>
+              </a:rPr>
+              <a:t> </a:t>
+            </a:r>
+            <a:r>
+              <a:rPr lang="es-AR" sz="1600" b="1" dirty="0" err="1" smtClean="0">
+                <a:solidFill>
+                  <a:srgbClr val="7F0055"/>
+                </a:solidFill>
+                <a:latin typeface="Courier New" panose="02070309020205020404" pitchFamily="49" charset="0"/>
+              </a:rPr>
+              <a:t>public</a:t>
+            </a:r>
+            <a:r>
+              <a:rPr lang="es-AR" sz="1600" b="1" dirty="0" smtClean="0">
+                <a:solidFill>
+                  <a:srgbClr val="000000"/>
+                </a:solidFill>
+                <a:latin typeface="Courier New" panose="02070309020205020404" pitchFamily="49" charset="0"/>
+              </a:rPr>
+              <a:t> </a:t>
+            </a:r>
+            <a:r>
+              <a:rPr lang="es-AR" sz="1600" b="1" dirty="0" err="1" smtClean="0">
+                <a:solidFill>
+                  <a:srgbClr val="7F0055"/>
+                </a:solidFill>
+                <a:latin typeface="Courier New" panose="02070309020205020404" pitchFamily="49" charset="0"/>
+              </a:rPr>
+              <a:t>void</a:t>
+            </a:r>
+            <a:r>
+              <a:rPr lang="es-AR" sz="1600" b="1" dirty="0" smtClean="0">
+                <a:solidFill>
+                  <a:srgbClr val="000000"/>
+                </a:solidFill>
+                <a:latin typeface="Courier New" panose="02070309020205020404" pitchFamily="49" charset="0"/>
+              </a:rPr>
+              <a:t> </a:t>
+            </a:r>
+            <a:r>
+              <a:rPr lang="es-AR" sz="1600" dirty="0" err="1" smtClean="0">
+                <a:solidFill>
+                  <a:srgbClr val="000000"/>
+                </a:solidFill>
+                <a:latin typeface="Courier New" panose="02070309020205020404" pitchFamily="49" charset="0"/>
+              </a:rPr>
+              <a:t>onClick</a:t>
+            </a:r>
+            <a:r>
+              <a:rPr lang="es-AR" sz="1600" dirty="0" smtClean="0">
+                <a:solidFill>
+                  <a:srgbClr val="000000"/>
+                </a:solidFill>
+                <a:latin typeface="Courier New" panose="02070309020205020404" pitchFamily="49" charset="0"/>
+              </a:rPr>
+              <a:t>(View v)  {</a:t>
+            </a:r>
+          </a:p>
+          <a:p>
+            <a:r>
+              <a:rPr lang="en-US" sz="1600" dirty="0" smtClean="0">
+                <a:solidFill>
+                  <a:srgbClr val="000000"/>
+                </a:solidFill>
+                <a:latin typeface="Courier New" panose="02070309020205020404" pitchFamily="49" charset="0"/>
+              </a:rPr>
+              <a:t>    </a:t>
+            </a:r>
+            <a:r>
+              <a:rPr lang="en-US" sz="1600" dirty="0">
+                <a:solidFill>
+                  <a:srgbClr val="000000"/>
+                </a:solidFill>
+                <a:latin typeface="Courier New" panose="02070309020205020404" pitchFamily="49" charset="0"/>
+              </a:rPr>
+              <a:t>Intent </a:t>
+            </a:r>
+            <a:r>
+              <a:rPr lang="en-US" sz="1600" dirty="0" err="1">
+                <a:solidFill>
+                  <a:srgbClr val="000000"/>
+                </a:solidFill>
+                <a:latin typeface="Courier New" panose="02070309020205020404" pitchFamily="49" charset="0"/>
+              </a:rPr>
+              <a:t>intent</a:t>
+            </a:r>
+            <a:r>
+              <a:rPr lang="en-US" sz="1600" dirty="0">
+                <a:solidFill>
+                  <a:srgbClr val="000000"/>
+                </a:solidFill>
+                <a:latin typeface="Courier New" panose="02070309020205020404" pitchFamily="49" charset="0"/>
+              </a:rPr>
+              <a:t> = </a:t>
+            </a:r>
+            <a:r>
+              <a:rPr lang="en-US" sz="1600" b="1" dirty="0">
+                <a:solidFill>
+                  <a:srgbClr val="7F0055"/>
+                </a:solidFill>
+                <a:latin typeface="Courier New" panose="02070309020205020404" pitchFamily="49" charset="0"/>
+              </a:rPr>
+              <a:t>new</a:t>
+            </a:r>
+            <a:r>
+              <a:rPr lang="en-US" sz="1600" b="1" dirty="0">
+                <a:solidFill>
+                  <a:srgbClr val="000000"/>
+                </a:solidFill>
+                <a:latin typeface="Courier New" panose="02070309020205020404" pitchFamily="49" charset="0"/>
+              </a:rPr>
+              <a:t> </a:t>
+            </a:r>
+            <a:r>
+              <a:rPr lang="en-US" sz="1600" dirty="0">
+                <a:solidFill>
+                  <a:srgbClr val="000000"/>
+                </a:solidFill>
+                <a:latin typeface="Courier New" panose="02070309020205020404" pitchFamily="49" charset="0"/>
+              </a:rPr>
+              <a:t>Intent(</a:t>
+            </a:r>
+            <a:r>
+              <a:rPr lang="en-US" sz="1600" b="1" dirty="0">
+                <a:solidFill>
+                  <a:srgbClr val="7F0055"/>
+                </a:solidFill>
+                <a:latin typeface="Courier New" panose="02070309020205020404" pitchFamily="49" charset="0"/>
+              </a:rPr>
+              <a:t>this</a:t>
+            </a:r>
+            <a:r>
+              <a:rPr lang="en-US" sz="1600" dirty="0">
+                <a:solidFill>
+                  <a:srgbClr val="000000"/>
+                </a:solidFill>
+                <a:latin typeface="Courier New" panose="02070309020205020404" pitchFamily="49" charset="0"/>
+              </a:rPr>
+              <a:t>, </a:t>
+            </a:r>
+            <a:r>
+              <a:rPr lang="en-US" sz="1600" dirty="0" err="1" smtClean="0">
+                <a:solidFill>
+                  <a:srgbClr val="000000"/>
+                </a:solidFill>
+                <a:latin typeface="Courier New" panose="02070309020205020404" pitchFamily="49" charset="0"/>
+              </a:rPr>
+              <a:t>SecondActivity.</a:t>
+            </a:r>
+            <a:r>
+              <a:rPr lang="en-US" sz="1600" b="1" dirty="0" err="1" smtClean="0">
+                <a:solidFill>
+                  <a:srgbClr val="7F0055"/>
+                </a:solidFill>
+                <a:latin typeface="Courier New" panose="02070309020205020404" pitchFamily="49" charset="0"/>
+              </a:rPr>
+              <a:t>class</a:t>
+            </a:r>
+            <a:r>
+              <a:rPr lang="en-US" sz="1600" dirty="0">
+                <a:solidFill>
+                  <a:srgbClr val="000000"/>
+                </a:solidFill>
+                <a:latin typeface="Courier New" panose="02070309020205020404" pitchFamily="49" charset="0"/>
+              </a:rPr>
+              <a:t>);</a:t>
+            </a:r>
+          </a:p>
+          <a:p>
+            <a:r>
+              <a:rPr lang="es-AR" sz="1600" dirty="0">
+                <a:solidFill>
+                  <a:srgbClr val="000000"/>
+                </a:solidFill>
+                <a:latin typeface="Courier New" panose="02070309020205020404" pitchFamily="49" charset="0"/>
+              </a:rPr>
+              <a:t>    </a:t>
+            </a:r>
+            <a:r>
+              <a:rPr lang="es-AR" sz="1600" dirty="0" err="1" smtClean="0">
+                <a:solidFill>
+                  <a:srgbClr val="000000"/>
+                </a:solidFill>
+                <a:latin typeface="Courier New" panose="02070309020205020404" pitchFamily="49" charset="0"/>
+              </a:rPr>
+              <a:t>startActivityForResult</a:t>
+            </a:r>
+            <a:r>
+              <a:rPr lang="es-AR" sz="1600" dirty="0" smtClean="0">
+                <a:solidFill>
+                  <a:srgbClr val="000000"/>
+                </a:solidFill>
+                <a:latin typeface="Courier New" panose="02070309020205020404" pitchFamily="49" charset="0"/>
+              </a:rPr>
+              <a:t>(</a:t>
+            </a:r>
+            <a:r>
+              <a:rPr lang="es-AR" sz="1600" dirty="0" err="1" smtClean="0">
+                <a:solidFill>
+                  <a:srgbClr val="000000"/>
+                </a:solidFill>
+                <a:latin typeface="Courier New" panose="02070309020205020404" pitchFamily="49" charset="0"/>
+              </a:rPr>
+              <a:t>intent</a:t>
+            </a:r>
+            <a:r>
+              <a:rPr lang="es-AR" sz="1600" dirty="0" smtClean="0">
+                <a:solidFill>
+                  <a:srgbClr val="000000"/>
+                </a:solidFill>
+                <a:latin typeface="Courier New" panose="02070309020205020404" pitchFamily="49" charset="0"/>
+              </a:rPr>
+              <a:t>, 1);</a:t>
+            </a:r>
+            <a:endParaRPr lang="es-AR" sz="1600" dirty="0">
+              <a:solidFill>
+                <a:srgbClr val="000000"/>
+              </a:solidFill>
+              <a:latin typeface="Courier New" panose="02070309020205020404" pitchFamily="49" charset="0"/>
+            </a:endParaRPr>
+          </a:p>
+          <a:p>
+            <a:r>
+              <a:rPr lang="es-AR" sz="1600" dirty="0" smtClean="0">
+                <a:solidFill>
+                  <a:srgbClr val="000000"/>
+                </a:solidFill>
+                <a:latin typeface="Courier New" panose="02070309020205020404" pitchFamily="49" charset="0"/>
+              </a:rPr>
+              <a:t> }</a:t>
+            </a:r>
+          </a:p>
+          <a:p>
+            <a:endParaRPr lang="es-AR" sz="1600" dirty="0">
+              <a:solidFill>
+                <a:srgbClr val="000000"/>
+              </a:solidFill>
+              <a:latin typeface="Courier New" panose="02070309020205020404" pitchFamily="49" charset="0"/>
+              <a:cs typeface="Courier New" panose="02070309020205020404" pitchFamily="49" charset="0"/>
+            </a:endParaRPr>
+          </a:p>
+          <a:p>
+            <a:r>
+              <a:rPr lang="es-AR" sz="1600" dirty="0" smtClean="0">
+                <a:solidFill>
+                  <a:srgbClr val="000000"/>
+                </a:solidFill>
+                <a:latin typeface="Courier New" panose="02070309020205020404" pitchFamily="49" charset="0"/>
+                <a:cs typeface="Courier New" panose="02070309020205020404" pitchFamily="49" charset="0"/>
+              </a:rPr>
+              <a:t>}</a:t>
+            </a:r>
+            <a:endParaRPr lang="es-AR" sz="1600" dirty="0">
+              <a:latin typeface="Courier New" panose="02070309020205020404" pitchFamily="49" charset="0"/>
+              <a:cs typeface="Courier New" panose="02070309020205020404" pitchFamily="49" charset="0"/>
             </a:endParaRPr>
           </a:p>
         </p:txBody>
@@ -47347,691 +50482,46 @@
                 </p:cond>
               </p:nextCondLst>
             </p:seq>
-          </p:childTnLst>
-        </p:cTn>
-      </p:par>
-    </p:tnLst>
-    <p:bldLst>
-      <p:bldP spid="4" grpId="0"/>
-      <p:bldP spid="27" grpId="0"/>
-    </p:bldLst>
-  </p:timing>
-</p:sld>
-</file>
-
-<file path=ppt/slides/slide9.xml><?xml version="1.0" encoding="utf-8"?>
-<p:sld xmlns:a="http://schemas.openxmlformats.org/drawingml/2006/main" xmlns:r="http://schemas.openxmlformats.org/officeDocument/2006/relationships" xmlns:p="http://schemas.openxmlformats.org/presentationml/2006/main">
-  <p:cSld>
-    <p:bg>
-      <p:bgPr>
-        <a:solidFill>
-          <a:schemeClr val="tx2"/>
-        </a:solidFill>
-        <a:effectLst/>
-      </p:bgPr>
-    </p:bg>
-    <p:spTree>
-      <p:nvGrpSpPr>
-        <p:cNvPr id="1" name=""/>
-        <p:cNvGrpSpPr/>
-        <p:nvPr/>
-      </p:nvGrpSpPr>
-      <p:grpSpPr>
-        <a:xfrm>
-          <a:off x="0" y="0"/>
-          <a:ext cx="0" cy="0"/>
-          <a:chOff x="0" y="0"/>
-          <a:chExt cx="0" cy="0"/>
-        </a:xfrm>
-      </p:grpSpPr>
-      <p:sp>
-        <p:nvSpPr>
-          <p:cNvPr id="22" name="Título"/>
-          <p:cNvSpPr txBox="1"/>
-          <p:nvPr/>
-        </p:nvSpPr>
-        <p:spPr>
-          <a:xfrm>
-            <a:off x="246159" y="263053"/>
-            <a:ext cx="5991384" cy="646331"/>
-          </a:xfrm>
-          <a:prstGeom prst="rect">
-            <a:avLst/>
-          </a:prstGeom>
-          <a:noFill/>
-        </p:spPr>
-        <p:txBody>
-          <a:bodyPr wrap="none" rtlCol="0">
-            <a:spAutoFit/>
-          </a:bodyPr>
-          <a:lstStyle/>
-          <a:p>
-            <a:r>
-              <a:rPr lang="es-AR" sz="3600" dirty="0" smtClean="0">
-                <a:solidFill>
-                  <a:schemeClr val="bg1"/>
-                </a:solidFill>
-              </a:rPr>
-              <a:t>¿Cómo se construye un </a:t>
-            </a:r>
-            <a:r>
-              <a:rPr lang="es-AR" sz="3600" dirty="0" err="1" smtClean="0">
-                <a:solidFill>
-                  <a:schemeClr val="bg1"/>
-                </a:solidFill>
-              </a:rPr>
-              <a:t>Intent</a:t>
-            </a:r>
-            <a:r>
-              <a:rPr lang="es-AR" sz="3600" dirty="0" smtClean="0">
-                <a:solidFill>
-                  <a:schemeClr val="bg1"/>
-                </a:solidFill>
-              </a:rPr>
-              <a:t>?</a:t>
-            </a:r>
-            <a:endParaRPr lang="es-AR" sz="3600" dirty="0">
-              <a:solidFill>
-                <a:schemeClr val="bg1"/>
-              </a:solidFill>
-            </a:endParaRPr>
-          </a:p>
-        </p:txBody>
-      </p:sp>
-      <p:sp>
-        <p:nvSpPr>
-          <p:cNvPr id="23" name="btnVerCodigo"/>
-          <p:cNvSpPr/>
-          <p:nvPr/>
-        </p:nvSpPr>
-        <p:spPr>
-          <a:xfrm>
-            <a:off x="155414" y="6100647"/>
-            <a:ext cx="2697500" cy="476250"/>
-          </a:xfrm>
-          <a:prstGeom prst="roundRect">
-            <a:avLst/>
-          </a:prstGeom>
-        </p:spPr>
-        <p:style>
-          <a:lnRef idx="0">
-            <a:schemeClr val="accent5"/>
-          </a:lnRef>
-          <a:fillRef idx="3">
-            <a:schemeClr val="accent5"/>
-          </a:fillRef>
-          <a:effectRef idx="3">
-            <a:schemeClr val="accent5"/>
-          </a:effectRef>
-          <a:fontRef idx="minor">
-            <a:schemeClr val="lt1"/>
-          </a:fontRef>
-        </p:style>
-        <p:txBody>
-          <a:bodyPr rtlCol="0" anchor="ctr"/>
-          <a:lstStyle/>
-          <a:p>
-            <a:pPr algn="ctr"/>
-            <a:r>
-              <a:rPr lang="es-AR" sz="2400" dirty="0" smtClean="0"/>
-              <a:t>a</a:t>
-            </a:r>
-            <a:endParaRPr lang="es-AR" sz="2400" dirty="0"/>
-          </a:p>
-        </p:txBody>
-      </p:sp>
-      <p:sp>
-        <p:nvSpPr>
-          <p:cNvPr id="29" name="btnOcultarCodigo"/>
-          <p:cNvSpPr/>
-          <p:nvPr/>
-        </p:nvSpPr>
-        <p:spPr>
-          <a:xfrm>
-            <a:off x="3048620" y="6100647"/>
-            <a:ext cx="2697500" cy="476250"/>
-          </a:xfrm>
-          <a:prstGeom prst="roundRect">
-            <a:avLst/>
-          </a:prstGeom>
-        </p:spPr>
-        <p:style>
-          <a:lnRef idx="0">
-            <a:schemeClr val="accent5"/>
-          </a:lnRef>
-          <a:fillRef idx="3">
-            <a:schemeClr val="accent5"/>
-          </a:fillRef>
-          <a:effectRef idx="3">
-            <a:schemeClr val="accent5"/>
-          </a:effectRef>
-          <a:fontRef idx="minor">
-            <a:schemeClr val="lt1"/>
-          </a:fontRef>
-        </p:style>
-        <p:txBody>
-          <a:bodyPr rtlCol="0" anchor="ctr"/>
-          <a:lstStyle/>
-          <a:p>
-            <a:pPr algn="ctr"/>
-            <a:r>
-              <a:rPr lang="es-AR" sz="2400" dirty="0" smtClean="0"/>
-              <a:t>b</a:t>
-            </a:r>
-            <a:endParaRPr lang="es-AR" sz="2400" dirty="0"/>
-          </a:p>
-        </p:txBody>
-      </p:sp>
-      <p:sp>
-        <p:nvSpPr>
-          <p:cNvPr id="30" name="PanelBluetoothAdapter" hidden="1"/>
-          <p:cNvSpPr/>
-          <p:nvPr/>
-        </p:nvSpPr>
-        <p:spPr>
-          <a:xfrm>
-            <a:off x="762000" y="1085850"/>
-            <a:ext cx="10972800" cy="5326238"/>
-          </a:xfrm>
-          <a:prstGeom prst="rect">
-            <a:avLst/>
-          </a:prstGeom>
-          <a:solidFill>
-            <a:srgbClr val="989898">
-              <a:alpha val="50196"/>
-            </a:srgbClr>
-          </a:solidFill>
-          <a:scene3d>
-            <a:camera prst="perspectiveHeroicExtremeLeftFacing" fov="0">
-              <a:rot lat="21000000" lon="21000000" rev="120000"/>
-            </a:camera>
-            <a:lightRig rig="threePt" dir="t"/>
-          </a:scene3d>
-        </p:spPr>
-        <p:style>
-          <a:lnRef idx="2">
-            <a:schemeClr val="accent1">
-              <a:shade val="50000"/>
-            </a:schemeClr>
-          </a:lnRef>
-          <a:fillRef idx="1">
-            <a:schemeClr val="accent1"/>
-          </a:fillRef>
-          <a:effectRef idx="0">
-            <a:schemeClr val="accent1"/>
-          </a:effectRef>
-          <a:fontRef idx="minor">
-            <a:schemeClr val="lt1"/>
-          </a:fontRef>
-        </p:style>
-        <p:txBody>
-          <a:bodyPr rtlCol="0" anchor="t"/>
-          <a:lstStyle/>
-          <a:p>
-            <a:r>
-              <a:rPr lang="es-AR" sz="2800" b="1" dirty="0" err="1" smtClean="0"/>
-              <a:t>BluetoothAdapter</a:t>
-            </a:r>
-            <a:endParaRPr lang="es-AR" sz="2800" b="1" dirty="0" smtClean="0"/>
-          </a:p>
-          <a:p>
-            <a:endParaRPr lang="es-AR" sz="2800" b="1" dirty="0"/>
-          </a:p>
-        </p:txBody>
-      </p:sp>
-      <p:sp>
-        <p:nvSpPr>
-          <p:cNvPr id="15" name="TextBox 14"/>
-          <p:cNvSpPr txBox="1"/>
-          <p:nvPr/>
-        </p:nvSpPr>
-        <p:spPr>
-          <a:xfrm>
-            <a:off x="589118" y="1188985"/>
-            <a:ext cx="10710764" cy="1200329"/>
-          </a:xfrm>
-          <a:prstGeom prst="rect">
-            <a:avLst/>
-          </a:prstGeom>
-          <a:noFill/>
-        </p:spPr>
-        <p:txBody>
-          <a:bodyPr wrap="square" rtlCol="0">
-            <a:spAutoFit/>
-          </a:bodyPr>
-          <a:lstStyle/>
-          <a:p>
-            <a:pPr marL="285750" indent="-285750">
-              <a:buFont typeface="Wingdings" panose="05000000000000000000" pitchFamily="2" charset="2"/>
-              <a:buChar char="§"/>
-            </a:pPr>
-            <a:r>
-              <a:rPr lang="en-US" sz="2400" b="1" dirty="0" err="1" smtClean="0">
-                <a:ln w="12700" cmpd="sng">
-                  <a:noFill/>
-                  <a:prstDash val="solid"/>
-                </a:ln>
-                <a:solidFill>
-                  <a:srgbClr val="FF9999"/>
-                </a:solidFill>
-              </a:rPr>
-              <a:t>Lleva</a:t>
-            </a:r>
-            <a:r>
-              <a:rPr lang="en-US" sz="2400" b="1" dirty="0" smtClean="0">
-                <a:ln w="12700" cmpd="sng">
-                  <a:noFill/>
-                  <a:prstDash val="solid"/>
-                </a:ln>
-                <a:solidFill>
-                  <a:srgbClr val="FF9999"/>
-                </a:solidFill>
-              </a:rPr>
-              <a:t> </a:t>
-            </a:r>
-            <a:r>
-              <a:rPr lang="en-US" sz="2400" b="1" dirty="0" err="1" smtClean="0">
-                <a:ln w="12700" cmpd="sng">
-                  <a:noFill/>
-                  <a:prstDash val="solid"/>
-                </a:ln>
-                <a:solidFill>
-                  <a:srgbClr val="FF9999"/>
-                </a:solidFill>
-              </a:rPr>
-              <a:t>información</a:t>
-            </a:r>
-            <a:r>
-              <a:rPr lang="en-US" sz="2400" b="1" dirty="0" smtClean="0">
-                <a:ln w="12700" cmpd="sng">
-                  <a:noFill/>
-                  <a:prstDash val="solid"/>
-                </a:ln>
-                <a:solidFill>
-                  <a:srgbClr val="FF9999"/>
-                </a:solidFill>
-              </a:rPr>
-              <a:t> </a:t>
-            </a:r>
-            <a:r>
-              <a:rPr lang="en-US" sz="2400" b="1" dirty="0" err="1" smtClean="0">
-                <a:ln w="12700" cmpd="sng">
-                  <a:noFill/>
-                  <a:prstDash val="solid"/>
-                </a:ln>
-                <a:solidFill>
-                  <a:srgbClr val="FF9999"/>
-                </a:solidFill>
-              </a:rPr>
-              <a:t>que</a:t>
-            </a:r>
-            <a:r>
-              <a:rPr lang="en-US" sz="2400" b="1" dirty="0" smtClean="0">
-                <a:ln w="12700" cmpd="sng">
-                  <a:noFill/>
-                  <a:prstDash val="solid"/>
-                </a:ln>
-                <a:solidFill>
-                  <a:srgbClr val="FF9999"/>
-                </a:solidFill>
-              </a:rPr>
-              <a:t> Android </a:t>
-            </a:r>
-            <a:r>
-              <a:rPr lang="en-US" sz="2400" b="1" dirty="0" err="1" smtClean="0">
-                <a:ln w="12700" cmpd="sng">
-                  <a:noFill/>
-                  <a:prstDash val="solid"/>
-                </a:ln>
-                <a:solidFill>
-                  <a:srgbClr val="FF9999"/>
-                </a:solidFill>
-              </a:rPr>
-              <a:t>usa</a:t>
-            </a:r>
-            <a:r>
-              <a:rPr lang="en-US" sz="2400" b="1" dirty="0" smtClean="0">
-                <a:ln w="12700" cmpd="sng">
-                  <a:noFill/>
-                  <a:prstDash val="solid"/>
-                </a:ln>
-                <a:solidFill>
-                  <a:srgbClr val="FF9999"/>
-                </a:solidFill>
-              </a:rPr>
-              <a:t> para </a:t>
-            </a:r>
-            <a:r>
-              <a:rPr lang="en-US" sz="2400" b="1" dirty="0" err="1" smtClean="0">
-                <a:ln w="12700" cmpd="sng">
-                  <a:noFill/>
-                  <a:prstDash val="solid"/>
-                </a:ln>
-                <a:solidFill>
-                  <a:srgbClr val="FF9999"/>
-                </a:solidFill>
-              </a:rPr>
-              <a:t>determinar</a:t>
-            </a:r>
-            <a:r>
-              <a:rPr lang="en-US" sz="2400" b="1" dirty="0" smtClean="0">
-                <a:ln w="12700" cmpd="sng">
-                  <a:noFill/>
-                  <a:prstDash val="solid"/>
-                </a:ln>
-                <a:solidFill>
-                  <a:srgbClr val="FF9999"/>
-                </a:solidFill>
-              </a:rPr>
-              <a:t> </a:t>
-            </a:r>
-            <a:r>
-              <a:rPr lang="en-US" sz="2400" b="1" dirty="0" err="1" smtClean="0">
-                <a:ln w="12700" cmpd="sng">
-                  <a:noFill/>
-                  <a:prstDash val="solid"/>
-                </a:ln>
-                <a:solidFill>
-                  <a:srgbClr val="FF9999"/>
-                </a:solidFill>
-              </a:rPr>
-              <a:t>qué</a:t>
-            </a:r>
-            <a:r>
-              <a:rPr lang="en-US" sz="2400" b="1" dirty="0" smtClean="0">
-                <a:ln w="12700" cmpd="sng">
-                  <a:noFill/>
-                  <a:prstDash val="solid"/>
-                </a:ln>
-                <a:solidFill>
-                  <a:srgbClr val="FF9999"/>
-                </a:solidFill>
-              </a:rPr>
-              <a:t> </a:t>
-            </a:r>
-            <a:r>
-              <a:rPr lang="en-US" sz="2400" b="1" dirty="0" err="1" smtClean="0">
-                <a:ln w="12700" cmpd="sng">
-                  <a:noFill/>
-                  <a:prstDash val="solid"/>
-                </a:ln>
-                <a:solidFill>
-                  <a:srgbClr val="FF9999"/>
-                </a:solidFill>
-              </a:rPr>
-              <a:t>componente</a:t>
-            </a:r>
-            <a:r>
-              <a:rPr lang="en-US" sz="2400" b="1" dirty="0" smtClean="0">
-                <a:ln w="12700" cmpd="sng">
-                  <a:noFill/>
-                  <a:prstDash val="solid"/>
-                </a:ln>
-                <a:solidFill>
-                  <a:srgbClr val="FF9999"/>
-                </a:solidFill>
-              </a:rPr>
-              <a:t> </a:t>
-            </a:r>
-            <a:r>
-              <a:rPr lang="en-US" sz="2400" b="1" dirty="0" err="1" smtClean="0">
-                <a:ln w="12700" cmpd="sng">
-                  <a:noFill/>
-                  <a:prstDash val="solid"/>
-                </a:ln>
-                <a:solidFill>
-                  <a:srgbClr val="FF9999"/>
-                </a:solidFill>
-              </a:rPr>
-              <a:t>empezar</a:t>
-            </a:r>
-            <a:r>
-              <a:rPr lang="en-US" sz="2400" b="1" dirty="0" smtClean="0">
-                <a:ln w="12700" cmpd="sng">
-                  <a:noFill/>
-                  <a:prstDash val="solid"/>
-                </a:ln>
-                <a:solidFill>
-                  <a:srgbClr val="FF9999"/>
-                </a:solidFill>
-              </a:rPr>
-              <a:t>, e </a:t>
-            </a:r>
-            <a:r>
-              <a:rPr lang="en-US" sz="2400" b="1" dirty="0" err="1" smtClean="0">
-                <a:ln w="12700" cmpd="sng">
-                  <a:noFill/>
-                  <a:prstDash val="solid"/>
-                </a:ln>
-                <a:solidFill>
-                  <a:srgbClr val="FF9999"/>
-                </a:solidFill>
-              </a:rPr>
-              <a:t>información</a:t>
-            </a:r>
-            <a:r>
-              <a:rPr lang="en-US" sz="2400" b="1" dirty="0" smtClean="0">
-                <a:ln w="12700" cmpd="sng">
-                  <a:noFill/>
-                  <a:prstDash val="solid"/>
-                </a:ln>
-                <a:solidFill>
-                  <a:srgbClr val="FF9999"/>
-                </a:solidFill>
-              </a:rPr>
-              <a:t> </a:t>
-            </a:r>
-            <a:r>
-              <a:rPr lang="en-US" sz="2400" b="1" dirty="0" err="1" smtClean="0">
-                <a:ln w="12700" cmpd="sng">
-                  <a:noFill/>
-                  <a:prstDash val="solid"/>
-                </a:ln>
-                <a:solidFill>
-                  <a:srgbClr val="FF9999"/>
-                </a:solidFill>
-              </a:rPr>
-              <a:t>que</a:t>
-            </a:r>
-            <a:r>
-              <a:rPr lang="en-US" sz="2400" b="1" dirty="0" smtClean="0">
-                <a:ln w="12700" cmpd="sng">
-                  <a:noFill/>
-                  <a:prstDash val="solid"/>
-                </a:ln>
-                <a:solidFill>
-                  <a:srgbClr val="FF9999"/>
-                </a:solidFill>
-              </a:rPr>
-              <a:t> el </a:t>
-            </a:r>
-            <a:r>
-              <a:rPr lang="en-US" sz="2400" b="1" dirty="0" err="1" smtClean="0">
-                <a:ln w="12700" cmpd="sng">
-                  <a:noFill/>
-                  <a:prstDash val="solid"/>
-                </a:ln>
-                <a:solidFill>
-                  <a:srgbClr val="FF9999"/>
-                </a:solidFill>
-              </a:rPr>
-              <a:t>componente</a:t>
-            </a:r>
-            <a:r>
-              <a:rPr lang="en-US" sz="2400" b="1" dirty="0" smtClean="0">
-                <a:ln w="12700" cmpd="sng">
-                  <a:noFill/>
-                  <a:prstDash val="solid"/>
-                </a:ln>
-                <a:solidFill>
-                  <a:srgbClr val="FF9999"/>
-                </a:solidFill>
-              </a:rPr>
-              <a:t> receptor </a:t>
-            </a:r>
-            <a:r>
-              <a:rPr lang="en-US" sz="2400" b="1" dirty="0" err="1" smtClean="0">
-                <a:ln w="12700" cmpd="sng">
-                  <a:noFill/>
-                  <a:prstDash val="solid"/>
-                </a:ln>
-                <a:solidFill>
-                  <a:srgbClr val="FF9999"/>
-                </a:solidFill>
-              </a:rPr>
-              <a:t>usa</a:t>
-            </a:r>
-            <a:r>
-              <a:rPr lang="en-US" sz="2400" b="1" dirty="0" smtClean="0">
-                <a:ln w="12700" cmpd="sng">
-                  <a:noFill/>
-                  <a:prstDash val="solid"/>
-                </a:ln>
-                <a:solidFill>
-                  <a:srgbClr val="FF9999"/>
-                </a:solidFill>
-              </a:rPr>
-              <a:t> para </a:t>
-            </a:r>
-            <a:r>
-              <a:rPr lang="en-US" sz="2400" b="1" dirty="0" err="1" smtClean="0">
-                <a:ln w="12700" cmpd="sng">
-                  <a:noFill/>
-                  <a:prstDash val="solid"/>
-                </a:ln>
-                <a:solidFill>
-                  <a:srgbClr val="FF9999"/>
-                </a:solidFill>
-              </a:rPr>
-              <a:t>realizar</a:t>
-            </a:r>
-            <a:r>
-              <a:rPr lang="en-US" sz="2400" b="1" dirty="0" smtClean="0">
-                <a:ln w="12700" cmpd="sng">
-                  <a:noFill/>
-                  <a:prstDash val="solid"/>
-                </a:ln>
-                <a:solidFill>
-                  <a:srgbClr val="FF9999"/>
-                </a:solidFill>
-              </a:rPr>
-              <a:t> </a:t>
-            </a:r>
-            <a:r>
-              <a:rPr lang="en-US" sz="2400" b="1" dirty="0" err="1" smtClean="0">
-                <a:ln w="12700" cmpd="sng">
-                  <a:noFill/>
-                  <a:prstDash val="solid"/>
-                </a:ln>
-                <a:solidFill>
-                  <a:srgbClr val="FF9999"/>
-                </a:solidFill>
-              </a:rPr>
-              <a:t>correctamente</a:t>
-            </a:r>
-            <a:r>
-              <a:rPr lang="en-US" sz="2400" b="1" dirty="0" smtClean="0">
-                <a:ln w="12700" cmpd="sng">
-                  <a:noFill/>
-                  <a:prstDash val="solid"/>
-                </a:ln>
-                <a:solidFill>
-                  <a:srgbClr val="FF9999"/>
-                </a:solidFill>
-              </a:rPr>
-              <a:t> la </a:t>
-            </a:r>
-            <a:r>
-              <a:rPr lang="en-US" sz="2400" b="1" dirty="0" err="1" smtClean="0">
-                <a:ln w="12700" cmpd="sng">
-                  <a:noFill/>
-                  <a:prstDash val="solid"/>
-                </a:ln>
-                <a:solidFill>
-                  <a:srgbClr val="FF9999"/>
-                </a:solidFill>
-              </a:rPr>
-              <a:t>acción</a:t>
-            </a:r>
-            <a:endParaRPr lang="en-US" i="1" dirty="0">
-              <a:solidFill>
-                <a:srgbClr val="FF9999"/>
-              </a:solidFill>
-            </a:endParaRPr>
-          </a:p>
-        </p:txBody>
-      </p:sp>
-      <p:graphicFrame>
-        <p:nvGraphicFramePr>
-          <p:cNvPr id="5" name="Diagram 4"/>
-          <p:cNvGraphicFramePr/>
-          <p:nvPr>
-            <p:extLst>
-              <p:ext uri="{D42A27DB-BD31-4B8C-83A1-F6EECF244321}">
-                <p14:modId xmlns:p14="http://schemas.microsoft.com/office/powerpoint/2010/main" val="1516068896"/>
-              </p:ext>
-            </p:extLst>
-          </p:nvPr>
-        </p:nvGraphicFramePr>
-        <p:xfrm>
-          <a:off x="390144" y="982536"/>
-          <a:ext cx="11350752" cy="5352288"/>
-        </p:xfrm>
-        <a:graphic>
-          <a:graphicData uri="http://schemas.openxmlformats.org/drawingml/2006/diagram">
-            <dgm:relIds xmlns:dgm="http://schemas.openxmlformats.org/drawingml/2006/diagram" xmlns:r="http://schemas.openxmlformats.org/officeDocument/2006/relationships" r:dm="rId2" r:lo="rId3" r:qs="rId4" r:cs="rId5"/>
-          </a:graphicData>
-        </a:graphic>
-      </p:graphicFrame>
-    </p:spTree>
-    <p:extLst>
-      <p:ext uri="{BB962C8B-B14F-4D97-AF65-F5344CB8AC3E}">
-        <p14:creationId xmlns:p14="http://schemas.microsoft.com/office/powerpoint/2010/main" val="2801082956"/>
-      </p:ext>
-    </p:extLst>
-  </p:cSld>
-  <p:clrMapOvr>
-    <a:masterClrMapping/>
-  </p:clrMapOvr>
-  <p:timing>
-    <p:tnLst>
-      <p:par>
-        <p:cTn id="1" dur="indefinite" restart="never" nodeType="tmRoot">
-          <p:childTnLst>
             <p:seq concurrent="1" nextAc="seek">
-              <p:cTn id="2" dur="indefinite" nodeType="mainSeq">
+              <p:cTn id="19" restart="whenNotActive" fill="hold" evtFilter="cancelBubble" nodeType="interactiveSeq">
+                <p:stCondLst>
+                  <p:cond evt="onClick" delay="0">
+                    <p:tgtEl>
+                      <p:spTgt spid="23"/>
+                    </p:tgtEl>
+                  </p:cond>
+                </p:stCondLst>
+                <p:endSync evt="end" delay="0">
+                  <p:rtn val="all"/>
+                </p:endSync>
                 <p:childTnLst>
                   <p:par>
-                    <p:cTn id="3" fill="hold">
+                    <p:cTn id="20" fill="hold">
                       <p:stCondLst>
-                        <p:cond delay="indefinite"/>
+                        <p:cond delay="0"/>
                       </p:stCondLst>
                       <p:childTnLst>
                         <p:par>
-                          <p:cTn id="4" fill="hold">
+                          <p:cTn id="21" fill="hold">
                             <p:stCondLst>
                               <p:cond delay="0"/>
                             </p:stCondLst>
                             <p:childTnLst>
                               <p:par>
-                                <p:cTn id="5" presetID="10" presetClass="entr" presetSubtype="0" fill="hold" grpId="0" nodeType="clickEffect">
+                                <p:cTn id="22" presetID="10" presetClass="entr" presetSubtype="0" fill="hold" grpId="0" nodeType="clickEffect">
                                   <p:stCondLst>
                                     <p:cond delay="0"/>
                                   </p:stCondLst>
                                   <p:childTnLst>
                                     <p:set>
                                       <p:cBhvr>
-                                        <p:cTn id="6" dur="1" fill="hold">
+                                        <p:cTn id="23" dur="1" fill="hold">
                                           <p:stCondLst>
                                             <p:cond delay="0"/>
                                           </p:stCondLst>
                                         </p:cTn>
                                         <p:tgtEl>
-                                          <p:spTgt spid="5">
-                                            <p:graphicEl>
-                                              <a:dgm id="{626AD544-BDE4-4CF4-9969-99758CB37DAE}"/>
-                                            </p:graphicEl>
-                                          </p:spTgt>
+                                          <p:spTgt spid="15"/>
                                         </p:tgtEl>
                                         <p:attrNameLst>
                                           <p:attrName>style.visibility</p:attrName>
@@ -48043,533 +50533,9 @@
                                     </p:set>
                                     <p:animEffect transition="in" filter="fade">
                                       <p:cBhvr>
-                                        <p:cTn id="7" dur="500"/>
+                                        <p:cTn id="24" dur="500"/>
                                         <p:tgtEl>
-                                          <p:spTgt spid="5">
-                                            <p:graphicEl>
-                                              <a:dgm id="{626AD544-BDE4-4CF4-9969-99758CB37DAE}"/>
-                                            </p:graphicEl>
-                                          </p:spTgt>
-                                        </p:tgtEl>
-                                      </p:cBhvr>
-                                    </p:animEffect>
-                                  </p:childTnLst>
-                                </p:cTn>
-                              </p:par>
-                            </p:childTnLst>
-                          </p:cTn>
-                        </p:par>
-                        <p:par>
-                          <p:cTn id="8" fill="hold">
-                            <p:stCondLst>
-                              <p:cond delay="500"/>
-                            </p:stCondLst>
-                            <p:childTnLst>
-                              <p:par>
-                                <p:cTn id="9" presetID="10" presetClass="entr" presetSubtype="0" fill="hold" grpId="0" nodeType="afterEffect">
-                                  <p:stCondLst>
-                                    <p:cond delay="0"/>
-                                  </p:stCondLst>
-                                  <p:childTnLst>
-                                    <p:set>
-                                      <p:cBhvr>
-                                        <p:cTn id="10" dur="1" fill="hold">
-                                          <p:stCondLst>
-                                            <p:cond delay="0"/>
-                                          </p:stCondLst>
-                                        </p:cTn>
-                                        <p:tgtEl>
-                                          <p:spTgt spid="5">
-                                            <p:graphicEl>
-                                              <a:dgm id="{52EBDF92-AF37-4AD7-9F52-7BE9A09BFBB8}"/>
-                                            </p:graphicEl>
-                                          </p:spTgt>
-                                        </p:tgtEl>
-                                        <p:attrNameLst>
-                                          <p:attrName>style.visibility</p:attrName>
-                                        </p:attrNameLst>
-                                      </p:cBhvr>
-                                      <p:to>
-                                        <p:strVal val="visible"/>
-                                      </p:to>
-                                    </p:set>
-                                    <p:animEffect transition="in" filter="fade">
-                                      <p:cBhvr>
-                                        <p:cTn id="11" dur="500"/>
-                                        <p:tgtEl>
-                                          <p:spTgt spid="5">
-                                            <p:graphicEl>
-                                              <a:dgm id="{52EBDF92-AF37-4AD7-9F52-7BE9A09BFBB8}"/>
-                                            </p:graphicEl>
-                                          </p:spTgt>
-                                        </p:tgtEl>
-                                      </p:cBhvr>
-                                    </p:animEffect>
-                                  </p:childTnLst>
-                                </p:cTn>
-                              </p:par>
-                            </p:childTnLst>
-                          </p:cTn>
-                        </p:par>
-                        <p:par>
-                          <p:cTn id="12" fill="hold">
-                            <p:stCondLst>
-                              <p:cond delay="1000"/>
-                            </p:stCondLst>
-                            <p:childTnLst>
-                              <p:par>
-                                <p:cTn id="13" presetID="10" presetClass="entr" presetSubtype="0" fill="hold" grpId="0" nodeType="afterEffect">
-                                  <p:stCondLst>
-                                    <p:cond delay="0"/>
-                                  </p:stCondLst>
-                                  <p:childTnLst>
-                                    <p:set>
-                                      <p:cBhvr>
-                                        <p:cTn id="14" dur="1" fill="hold">
-                                          <p:stCondLst>
-                                            <p:cond delay="0"/>
-                                          </p:stCondLst>
-                                        </p:cTn>
-                                        <p:tgtEl>
-                                          <p:spTgt spid="5">
-                                            <p:graphicEl>
-                                              <a:dgm id="{539123A6-2D90-4BA6-962C-F58647152FE5}"/>
-                                            </p:graphicEl>
-                                          </p:spTgt>
-                                        </p:tgtEl>
-                                        <p:attrNameLst>
-                                          <p:attrName>style.visibility</p:attrName>
-                                        </p:attrNameLst>
-                                      </p:cBhvr>
-                                      <p:to>
-                                        <p:strVal val="visible"/>
-                                      </p:to>
-                                    </p:set>
-                                    <p:animEffect transition="in" filter="fade">
-                                      <p:cBhvr>
-                                        <p:cTn id="15" dur="500"/>
-                                        <p:tgtEl>
-                                          <p:spTgt spid="5">
-                                            <p:graphicEl>
-                                              <a:dgm id="{539123A6-2D90-4BA6-962C-F58647152FE5}"/>
-                                            </p:graphicEl>
-                                          </p:spTgt>
-                                        </p:tgtEl>
-                                      </p:cBhvr>
-                                    </p:animEffect>
-                                  </p:childTnLst>
-                                </p:cTn>
-                              </p:par>
-                            </p:childTnLst>
-                          </p:cTn>
-                        </p:par>
-                        <p:par>
-                          <p:cTn id="16" fill="hold">
-                            <p:stCondLst>
-                              <p:cond delay="1500"/>
-                            </p:stCondLst>
-                            <p:childTnLst>
-                              <p:par>
-                                <p:cTn id="17" presetID="10" presetClass="entr" presetSubtype="0" fill="hold" grpId="0" nodeType="afterEffect">
-                                  <p:stCondLst>
-                                    <p:cond delay="0"/>
-                                  </p:stCondLst>
-                                  <p:childTnLst>
-                                    <p:set>
-                                      <p:cBhvr>
-                                        <p:cTn id="18" dur="1" fill="hold">
-                                          <p:stCondLst>
-                                            <p:cond delay="0"/>
-                                          </p:stCondLst>
-                                        </p:cTn>
-                                        <p:tgtEl>
-                                          <p:spTgt spid="5">
-                                            <p:graphicEl>
-                                              <a:dgm id="{C338C8C4-1378-495C-9DE2-97AAA4978DBB}"/>
-                                            </p:graphicEl>
-                                          </p:spTgt>
-                                        </p:tgtEl>
-                                        <p:attrNameLst>
-                                          <p:attrName>style.visibility</p:attrName>
-                                        </p:attrNameLst>
-                                      </p:cBhvr>
-                                      <p:to>
-                                        <p:strVal val="visible"/>
-                                      </p:to>
-                                    </p:set>
-                                    <p:animEffect transition="in" filter="fade">
-                                      <p:cBhvr>
-                                        <p:cTn id="19" dur="500"/>
-                                        <p:tgtEl>
-                                          <p:spTgt spid="5">
-                                            <p:graphicEl>
-                                              <a:dgm id="{C338C8C4-1378-495C-9DE2-97AAA4978DBB}"/>
-                                            </p:graphicEl>
-                                          </p:spTgt>
-                                        </p:tgtEl>
-                                      </p:cBhvr>
-                                    </p:animEffect>
-                                  </p:childTnLst>
-                                </p:cTn>
-                              </p:par>
-                            </p:childTnLst>
-                          </p:cTn>
-                        </p:par>
-                        <p:par>
-                          <p:cTn id="20" fill="hold">
-                            <p:stCondLst>
-                              <p:cond delay="2000"/>
-                            </p:stCondLst>
-                            <p:childTnLst>
-                              <p:par>
-                                <p:cTn id="21" presetID="10" presetClass="entr" presetSubtype="0" fill="hold" grpId="0" nodeType="afterEffect">
-                                  <p:stCondLst>
-                                    <p:cond delay="0"/>
-                                  </p:stCondLst>
-                                  <p:childTnLst>
-                                    <p:set>
-                                      <p:cBhvr>
-                                        <p:cTn id="22" dur="1" fill="hold">
-                                          <p:stCondLst>
-                                            <p:cond delay="0"/>
-                                          </p:stCondLst>
-                                        </p:cTn>
-                                        <p:tgtEl>
-                                          <p:spTgt spid="5">
-                                            <p:graphicEl>
-                                              <a:dgm id="{EDF7A25A-9772-494C-9DE1-97E65E678803}"/>
-                                            </p:graphicEl>
-                                          </p:spTgt>
-                                        </p:tgtEl>
-                                        <p:attrNameLst>
-                                          <p:attrName>style.visibility</p:attrName>
-                                        </p:attrNameLst>
-                                      </p:cBhvr>
-                                      <p:to>
-                                        <p:strVal val="visible"/>
-                                      </p:to>
-                                    </p:set>
-                                    <p:animEffect transition="in" filter="fade">
-                                      <p:cBhvr>
-                                        <p:cTn id="23" dur="500"/>
-                                        <p:tgtEl>
-                                          <p:spTgt spid="5">
-                                            <p:graphicEl>
-                                              <a:dgm id="{EDF7A25A-9772-494C-9DE1-97E65E678803}"/>
-                                            </p:graphicEl>
-                                          </p:spTgt>
-                                        </p:tgtEl>
-                                      </p:cBhvr>
-                                    </p:animEffect>
-                                  </p:childTnLst>
-                                </p:cTn>
-                              </p:par>
-                            </p:childTnLst>
-                          </p:cTn>
-                        </p:par>
-                        <p:par>
-                          <p:cTn id="24" fill="hold">
-                            <p:stCondLst>
-                              <p:cond delay="2500"/>
-                            </p:stCondLst>
-                            <p:childTnLst>
-                              <p:par>
-                                <p:cTn id="25" presetID="10" presetClass="entr" presetSubtype="0" fill="hold" grpId="0" nodeType="afterEffect">
-                                  <p:stCondLst>
-                                    <p:cond delay="0"/>
-                                  </p:stCondLst>
-                                  <p:childTnLst>
-                                    <p:set>
-                                      <p:cBhvr>
-                                        <p:cTn id="26" dur="1" fill="hold">
-                                          <p:stCondLst>
-                                            <p:cond delay="0"/>
-                                          </p:stCondLst>
-                                        </p:cTn>
-                                        <p:tgtEl>
-                                          <p:spTgt spid="5">
-                                            <p:graphicEl>
-                                              <a:dgm id="{7EA4C4E6-A3A9-4904-ACE4-31544ED7405F}"/>
-                                            </p:graphicEl>
-                                          </p:spTgt>
-                                        </p:tgtEl>
-                                        <p:attrNameLst>
-                                          <p:attrName>style.visibility</p:attrName>
-                                        </p:attrNameLst>
-                                      </p:cBhvr>
-                                      <p:to>
-                                        <p:strVal val="visible"/>
-                                      </p:to>
-                                    </p:set>
-                                    <p:animEffect transition="in" filter="fade">
-                                      <p:cBhvr>
-                                        <p:cTn id="27" dur="500"/>
-                                        <p:tgtEl>
-                                          <p:spTgt spid="5">
-                                            <p:graphicEl>
-                                              <a:dgm id="{7EA4C4E6-A3A9-4904-ACE4-31544ED7405F}"/>
-                                            </p:graphicEl>
-                                          </p:spTgt>
-                                        </p:tgtEl>
-                                      </p:cBhvr>
-                                    </p:animEffect>
-                                  </p:childTnLst>
-                                </p:cTn>
-                              </p:par>
-                            </p:childTnLst>
-                          </p:cTn>
-                        </p:par>
-                        <p:par>
-                          <p:cTn id="28" fill="hold">
-                            <p:stCondLst>
-                              <p:cond delay="3000"/>
-                            </p:stCondLst>
-                            <p:childTnLst>
-                              <p:par>
-                                <p:cTn id="29" presetID="10" presetClass="entr" presetSubtype="0" fill="hold" grpId="0" nodeType="afterEffect">
-                                  <p:stCondLst>
-                                    <p:cond delay="0"/>
-                                  </p:stCondLst>
-                                  <p:childTnLst>
-                                    <p:set>
-                                      <p:cBhvr>
-                                        <p:cTn id="30" dur="1" fill="hold">
-                                          <p:stCondLst>
-                                            <p:cond delay="0"/>
-                                          </p:stCondLst>
-                                        </p:cTn>
-                                        <p:tgtEl>
-                                          <p:spTgt spid="5">
-                                            <p:graphicEl>
-                                              <a:dgm id="{9B8D5B35-DE6C-4843-9C7E-9A4A5D360A71}"/>
-                                            </p:graphicEl>
-                                          </p:spTgt>
-                                        </p:tgtEl>
-                                        <p:attrNameLst>
-                                          <p:attrName>style.visibility</p:attrName>
-                                        </p:attrNameLst>
-                                      </p:cBhvr>
-                                      <p:to>
-                                        <p:strVal val="visible"/>
-                                      </p:to>
-                                    </p:set>
-                                    <p:animEffect transition="in" filter="fade">
-                                      <p:cBhvr>
-                                        <p:cTn id="31" dur="500"/>
-                                        <p:tgtEl>
-                                          <p:spTgt spid="5">
-                                            <p:graphicEl>
-                                              <a:dgm id="{9B8D5B35-DE6C-4843-9C7E-9A4A5D360A71}"/>
-                                            </p:graphicEl>
-                                          </p:spTgt>
-                                        </p:tgtEl>
-                                      </p:cBhvr>
-                                    </p:animEffect>
-                                  </p:childTnLst>
-                                </p:cTn>
-                              </p:par>
-                            </p:childTnLst>
-                          </p:cTn>
-                        </p:par>
-                        <p:par>
-                          <p:cTn id="32" fill="hold">
-                            <p:stCondLst>
-                              <p:cond delay="3500"/>
-                            </p:stCondLst>
-                            <p:childTnLst>
-                              <p:par>
-                                <p:cTn id="33" presetID="10" presetClass="entr" presetSubtype="0" fill="hold" grpId="0" nodeType="afterEffect">
-                                  <p:stCondLst>
-                                    <p:cond delay="0"/>
-                                  </p:stCondLst>
-                                  <p:childTnLst>
-                                    <p:set>
-                                      <p:cBhvr>
-                                        <p:cTn id="34" dur="1" fill="hold">
-                                          <p:stCondLst>
-                                            <p:cond delay="0"/>
-                                          </p:stCondLst>
-                                        </p:cTn>
-                                        <p:tgtEl>
-                                          <p:spTgt spid="5">
-                                            <p:graphicEl>
-                                              <a:dgm id="{678D759F-BEB3-45E9-AAEC-D0282229B63D}"/>
-                                            </p:graphicEl>
-                                          </p:spTgt>
-                                        </p:tgtEl>
-                                        <p:attrNameLst>
-                                          <p:attrName>style.visibility</p:attrName>
-                                        </p:attrNameLst>
-                                      </p:cBhvr>
-                                      <p:to>
-                                        <p:strVal val="visible"/>
-                                      </p:to>
-                                    </p:set>
-                                    <p:animEffect transition="in" filter="fade">
-                                      <p:cBhvr>
-                                        <p:cTn id="35" dur="500"/>
-                                        <p:tgtEl>
-                                          <p:spTgt spid="5">
-                                            <p:graphicEl>
-                                              <a:dgm id="{678D759F-BEB3-45E9-AAEC-D0282229B63D}"/>
-                                            </p:graphicEl>
-                                          </p:spTgt>
-                                        </p:tgtEl>
-                                      </p:cBhvr>
-                                    </p:animEffect>
-                                  </p:childTnLst>
-                                </p:cTn>
-                              </p:par>
-                            </p:childTnLst>
-                          </p:cTn>
-                        </p:par>
-                        <p:par>
-                          <p:cTn id="36" fill="hold">
-                            <p:stCondLst>
-                              <p:cond delay="4000"/>
-                            </p:stCondLst>
-                            <p:childTnLst>
-                              <p:par>
-                                <p:cTn id="37" presetID="10" presetClass="entr" presetSubtype="0" fill="hold" grpId="0" nodeType="afterEffect">
-                                  <p:stCondLst>
-                                    <p:cond delay="0"/>
-                                  </p:stCondLst>
-                                  <p:childTnLst>
-                                    <p:set>
-                                      <p:cBhvr>
-                                        <p:cTn id="38" dur="1" fill="hold">
-                                          <p:stCondLst>
-                                            <p:cond delay="0"/>
-                                          </p:stCondLst>
-                                        </p:cTn>
-                                        <p:tgtEl>
-                                          <p:spTgt spid="5">
-                                            <p:graphicEl>
-                                              <a:dgm id="{DB1A1998-783C-4820-B033-1D4EBD55FA49}"/>
-                                            </p:graphicEl>
-                                          </p:spTgt>
-                                        </p:tgtEl>
-                                        <p:attrNameLst>
-                                          <p:attrName>style.visibility</p:attrName>
-                                        </p:attrNameLst>
-                                      </p:cBhvr>
-                                      <p:to>
-                                        <p:strVal val="visible"/>
-                                      </p:to>
-                                    </p:set>
-                                    <p:animEffect transition="in" filter="fade">
-                                      <p:cBhvr>
-                                        <p:cTn id="39" dur="500"/>
-                                        <p:tgtEl>
-                                          <p:spTgt spid="5">
-                                            <p:graphicEl>
-                                              <a:dgm id="{DB1A1998-783C-4820-B033-1D4EBD55FA49}"/>
-                                            </p:graphicEl>
-                                          </p:spTgt>
-                                        </p:tgtEl>
-                                      </p:cBhvr>
-                                    </p:animEffect>
-                                  </p:childTnLst>
-                                </p:cTn>
-                              </p:par>
-                            </p:childTnLst>
-                          </p:cTn>
-                        </p:par>
-                        <p:par>
-                          <p:cTn id="40" fill="hold">
-                            <p:stCondLst>
-                              <p:cond delay="4500"/>
-                            </p:stCondLst>
-                            <p:childTnLst>
-                              <p:par>
-                                <p:cTn id="41" presetID="10" presetClass="entr" presetSubtype="0" fill="hold" grpId="0" nodeType="afterEffect">
-                                  <p:stCondLst>
-                                    <p:cond delay="0"/>
-                                  </p:stCondLst>
-                                  <p:childTnLst>
-                                    <p:set>
-                                      <p:cBhvr>
-                                        <p:cTn id="42" dur="1" fill="hold">
-                                          <p:stCondLst>
-                                            <p:cond delay="0"/>
-                                          </p:stCondLst>
-                                        </p:cTn>
-                                        <p:tgtEl>
-                                          <p:spTgt spid="5">
-                                            <p:graphicEl>
-                                              <a:dgm id="{8928B395-C17B-4702-B65F-B76997A6C260}"/>
-                                            </p:graphicEl>
-                                          </p:spTgt>
-                                        </p:tgtEl>
-                                        <p:attrNameLst>
-                                          <p:attrName>style.visibility</p:attrName>
-                                        </p:attrNameLst>
-                                      </p:cBhvr>
-                                      <p:to>
-                                        <p:strVal val="visible"/>
-                                      </p:to>
-                                    </p:set>
-                                    <p:animEffect transition="in" filter="fade">
-                                      <p:cBhvr>
-                                        <p:cTn id="43" dur="500"/>
-                                        <p:tgtEl>
-                                          <p:spTgt spid="5">
-                                            <p:graphicEl>
-                                              <a:dgm id="{8928B395-C17B-4702-B65F-B76997A6C260}"/>
-                                            </p:graphicEl>
-                                          </p:spTgt>
-                                        </p:tgtEl>
-                                      </p:cBhvr>
-                                    </p:animEffect>
-                                  </p:childTnLst>
-                                </p:cTn>
-                              </p:par>
-                            </p:childTnLst>
-                          </p:cTn>
-                        </p:par>
-                        <p:par>
-                          <p:cTn id="44" fill="hold">
-                            <p:stCondLst>
-                              <p:cond delay="5000"/>
-                            </p:stCondLst>
-                            <p:childTnLst>
-                              <p:par>
-                                <p:cTn id="45" presetID="10" presetClass="entr" presetSubtype="0" fill="hold" grpId="0" nodeType="afterEffect">
-                                  <p:stCondLst>
-                                    <p:cond delay="0"/>
-                                  </p:stCondLst>
-                                  <p:childTnLst>
-                                    <p:set>
-                                      <p:cBhvr>
-                                        <p:cTn id="46" dur="1" fill="hold">
-                                          <p:stCondLst>
-                                            <p:cond delay="0"/>
-                                          </p:stCondLst>
-                                        </p:cTn>
-                                        <p:tgtEl>
-                                          <p:spTgt spid="5">
-                                            <p:graphicEl>
-                                              <a:dgm id="{C8FA21CD-563A-4072-BBD7-B5D14969E46A}"/>
-                                            </p:graphicEl>
-                                          </p:spTgt>
-                                        </p:tgtEl>
-                                        <p:attrNameLst>
-                                          <p:attrName>style.visibility</p:attrName>
-                                        </p:attrNameLst>
-                                      </p:cBhvr>
-                                      <p:to>
-                                        <p:strVal val="visible"/>
-                                      </p:to>
-                                    </p:set>
-                                    <p:animEffect transition="in" filter="fade">
-                                      <p:cBhvr>
-                                        <p:cTn id="47" dur="500"/>
-                                        <p:tgtEl>
-                                          <p:spTgt spid="5">
-                                            <p:graphicEl>
-                                              <a:dgm id="{C8FA21CD-563A-4072-BBD7-B5D14969E46A}"/>
-                                            </p:graphicEl>
-                                          </p:spTgt>
+                                          <p:spTgt spid="15"/>
                                         </p:tgtEl>
                                       </p:cBhvr>
                                     </p:animEffect>
@@ -48584,17 +50550,86 @@
                   </p:par>
                 </p:childTnLst>
               </p:cTn>
-              <p:prevCondLst>
-                <p:cond evt="onPrev" delay="0">
+              <p:nextCondLst>
+                <p:cond evt="onClick" delay="0">
                   <p:tgtEl>
-                    <p:sldTgt/>
+                    <p:spTgt spid="23"/>
                   </p:tgtEl>
                 </p:cond>
-              </p:prevCondLst>
+              </p:nextCondLst>
+            </p:seq>
+            <p:seq concurrent="1" nextAc="seek">
+              <p:cTn id="25" restart="whenNotActive" fill="hold" evtFilter="cancelBubble" nodeType="interactiveSeq">
+                <p:stCondLst>
+                  <p:cond evt="onClick" delay="0">
+                    <p:tgtEl>
+                      <p:spTgt spid="29"/>
+                    </p:tgtEl>
+                  </p:cond>
+                </p:stCondLst>
+                <p:endSync evt="end" delay="0">
+                  <p:rtn val="all"/>
+                </p:endSync>
+                <p:childTnLst>
+                  <p:par>
+                    <p:cTn id="26" fill="hold">
+                      <p:stCondLst>
+                        <p:cond delay="0"/>
+                      </p:stCondLst>
+                      <p:childTnLst>
+                        <p:par>
+                          <p:cTn id="27" fill="hold">
+                            <p:stCondLst>
+                              <p:cond delay="0"/>
+                            </p:stCondLst>
+                            <p:childTnLst>
+                              <p:par>
+                                <p:cTn id="28" presetID="10" presetClass="exit" presetSubtype="0" fill="hold" grpId="1" nodeType="clickEffect">
+                                  <p:stCondLst>
+                                    <p:cond delay="0"/>
+                                  </p:stCondLst>
+                                  <p:childTnLst>
+                                    <p:animEffect transition="out" filter="fade">
+                                      <p:cBhvr>
+                                        <p:cTn id="29" dur="500"/>
+                                        <p:tgtEl>
+                                          <p:spTgt spid="15"/>
+                                        </p:tgtEl>
+                                      </p:cBhvr>
+                                    </p:animEffect>
+                                    <p:set>
+                                      <p:cBhvr>
+                                        <p:cTn id="30" dur="1" fill="hold">
+                                          <p:stCondLst>
+                                            <p:cond delay="499"/>
+                                          </p:stCondLst>
+                                        </p:cTn>
+                                        <p:tgtEl>
+                                          <p:spTgt spid="15"/>
+                                        </p:tgtEl>
+                                        <p:attrNameLst>
+                                          <p:attrName>style.visibility</p:attrName>
+                                        </p:attrNameLst>
+                                      </p:cBhvr>
+                                      <p:to>
+                                        <p:strVal val="hidden"/>
+                                      </p:to>
+                                    </p:set>
+                                  </p:childTnLst>
+                                </p:cTn>
+                              </p:par>
+                            </p:childTnLst>
+                          </p:cTn>
+                        </p:par>
+                      </p:childTnLst>
+                    </p:cTn>
+                  </p:par>
+                </p:childTnLst>
+              </p:cTn>
               <p:nextCondLst>
-                <p:cond evt="onNext" delay="0">
+                <p:cond evt="onClick" delay="0">
                   <p:tgtEl>
-                    <p:sldTgt/>
+                    <p:spTgt spid="29"/>
                   </p:tgtEl>
                 </p:cond>
               </p:nextCondLst>
@@ -48604,11 +50639,10 @@
       </p:par>
     </p:tnLst>
     <p:bldLst>
-      <p:bldGraphic spid="5" grpId="0" uiExpand="1">
-        <p:bldSub>
-          <a:bldDgm bld="one"/>
-        </p:bldSub>
-      </p:bldGraphic>
+      <p:bldP spid="4" grpId="0"/>
+      <p:bldP spid="27" grpId="0"/>
+      <p:bldP spid="15" grpId="0" animBg="1"/>
+      <p:bldP spid="15" grpId="1" animBg="1"/>
     </p:bldLst>
   </p:timing>
 </p:sld>
